--- a/price.pptx
+++ b/price.pptx
@@ -9,10 +9,11 @@
     <p:sldId id="258" r:id="rId3"/>
     <p:sldId id="263" r:id="rId4"/>
     <p:sldId id="259" r:id="rId5"/>
-    <p:sldId id="257" r:id="rId6"/>
-    <p:sldId id="260" r:id="rId7"/>
-    <p:sldId id="261" r:id="rId8"/>
-    <p:sldId id="262" r:id="rId9"/>
+    <p:sldId id="264" r:id="rId6"/>
+    <p:sldId id="257" r:id="rId7"/>
+    <p:sldId id="260" r:id="rId8"/>
+    <p:sldId id="261" r:id="rId9"/>
+    <p:sldId id="262" r:id="rId10"/>
   </p:sldIdLst>
   <p:sldSz cx="12192000" cy="6858000"/>
   <p:notesSz cx="6858000" cy="9144000"/>
@@ -111,6 +112,11 @@
       </a:defRPr>
     </a:lvl9pPr>
   </p:defaultTextStyle>
+  <p:extLst>
+    <p:ext uri="{EFAFB233-063F-42B5-8137-9DF3F51BA10A}">
+      <p15:sldGuideLst xmlns:p15="http://schemas.microsoft.com/office/powerpoint/2012/main"/>
+    </p:ext>
+  </p:extLst>
 </p:presentation>
 </file>
 
@@ -12837,7 +12843,7 @@
 </file>
 
 <file path=ppt/slideMasters/slideMaster1.xml><?xml version="1.0" encoding="utf-8"?>
-<p:sldMaster xmlns:a="http://schemas.openxmlformats.org/drawingml/2006/main" xmlns:r="http://schemas.openxmlformats.org/officeDocument/2006/relationships" xmlns:p="http://schemas.openxmlformats.org/presentationml/2006/main" preserve="1">
+<p:sldMaster xmlns:a="http://schemas.openxmlformats.org/drawingml/2006/main" xmlns:r="http://schemas.openxmlformats.org/officeDocument/2006/relationships" xmlns:p="http://schemas.openxmlformats.org/presentationml/2006/main">
   <p:cSld>
     <p:bg>
       <p:bgRef idx="1001">
@@ -13094,11 +13100,7 @@
             </a:lvl1pPr>
           </a:lstStyle>
           <a:p>
-            <a:fld id="{51845F5A-061D-4825-9AE9-D7794091C6CF}" type="slidenum">
-              <a:rPr lang="en-US" smtClean="0"/>
-              <a:t>‹#›</a:t>
-            </a:fld>
-            <a:endParaRPr lang="en-US"/>
+            <a:endParaRPr lang="en-US" dirty="0"/>
           </a:p>
         </p:txBody>
       </p:sp>
@@ -15823,6 +15825,14 @@
 <file path=ppt/slides/slide2.xml><?xml version="1.0" encoding="utf-8"?>
 <p:sld xmlns:a="http://schemas.openxmlformats.org/drawingml/2006/main" xmlns:r="http://schemas.openxmlformats.org/officeDocument/2006/relationships" xmlns:p="http://schemas.openxmlformats.org/presentationml/2006/main">
   <p:cSld>
+    <p:bg>
+      <p:bgPr>
+        <a:solidFill>
+          <a:schemeClr val="bg1"/>
+        </a:solidFill>
+        <a:effectLst/>
+      </p:bgPr>
+    </p:bg>
     <p:spTree>
       <p:nvGrpSpPr>
         <p:cNvPr id="1" name=""/>
@@ -15837,6 +15847,471 @@
           <a:chExt cx="0" cy="0"/>
         </a:xfrm>
       </p:grpSpPr>
+      <p:sp useBgFill="1">
+        <p:nvSpPr>
+          <p:cNvPr id="4115" name="Rectangle 4114">
+            <a:extLst>
+              <a:ext uri="{FF2B5EF4-FFF2-40B4-BE49-F238E27FC236}">
+                <a16:creationId xmlns:a16="http://schemas.microsoft.com/office/drawing/2014/main" id="{BF0F4E97-E194-4493-885A-6C7C34A446DB}"/>
+              </a:ext>
+              <a:ext uri="{C183D7F6-B498-43B3-948B-1728B52AA6E4}">
+                <adec:decorative xmlns:adec="http://schemas.microsoft.com/office/drawing/2017/decorative" val="1"/>
+              </a:ext>
+            </a:extLst>
+          </p:cNvPr>
+          <p:cNvSpPr>
+            <a:spLocks noGrp="1" noRot="1" noChangeAspect="1" noMove="1" noResize="1" noEditPoints="1" noAdjustHandles="1" noChangeArrowheads="1" noChangeShapeType="1" noTextEdit="1"/>
+          </p:cNvSpPr>
+          <p:nvPr>
+            <p:extLst>
+              <p:ext uri="{386F3935-93C4-4BCD-93E2-E3B085C9AB24}">
+                <p16:designElem xmlns:p16="http://schemas.microsoft.com/office/powerpoint/2015/main" val="1"/>
+              </p:ext>
+            </p:extLst>
+          </p:nvPr>
+        </p:nvSpPr>
+        <p:spPr>
+          <a:xfrm>
+            <a:off x="0" y="0"/>
+            <a:ext cx="12188952" cy="6858000"/>
+          </a:xfrm>
+          <a:prstGeom prst="rect">
+            <a:avLst/>
+          </a:prstGeom>
+          <a:ln>
+            <a:noFill/>
+          </a:ln>
+        </p:spPr>
+        <p:style>
+          <a:lnRef idx="2">
+            <a:schemeClr val="accent1">
+              <a:shade val="50000"/>
+            </a:schemeClr>
+          </a:lnRef>
+          <a:fillRef idx="1">
+            <a:schemeClr val="accent1"/>
+          </a:fillRef>
+          <a:effectRef idx="0">
+            <a:schemeClr val="accent1"/>
+          </a:effectRef>
+          <a:fontRef idx="minor">
+            <a:schemeClr val="lt1"/>
+          </a:fontRef>
+        </p:style>
+        <p:txBody>
+          <a:bodyPr rtlCol="0" anchor="ctr"/>
+          <a:lstStyle/>
+          <a:p>
+            <a:pPr algn="ctr"/>
+            <a:endParaRPr lang="en-US"/>
+          </a:p>
+        </p:txBody>
+      </p:sp>
+      <p:sp>
+        <p:nvSpPr>
+          <p:cNvPr id="4117" name="Freeform: Shape 4116">
+            <a:extLst>
+              <a:ext uri="{FF2B5EF4-FFF2-40B4-BE49-F238E27FC236}">
+                <a16:creationId xmlns:a16="http://schemas.microsoft.com/office/drawing/2014/main" id="{9CF7FE1C-8BC5-4B0C-A2BC-93AB72C90FDD}"/>
+              </a:ext>
+              <a:ext uri="{C183D7F6-B498-43B3-948B-1728B52AA6E4}">
+                <adec:decorative xmlns:adec="http://schemas.microsoft.com/office/drawing/2017/decorative" val="1"/>
+              </a:ext>
+            </a:extLst>
+          </p:cNvPr>
+          <p:cNvSpPr>
+            <a:spLocks noGrp="1" noRot="1" noChangeAspect="1" noMove="1" noResize="1" noEditPoints="1" noAdjustHandles="1" noChangeArrowheads="1" noChangeShapeType="1" noTextEdit="1"/>
+          </p:cNvSpPr>
+          <p:nvPr>
+            <p:extLst>
+              <p:ext uri="{386F3935-93C4-4BCD-93E2-E3B085C9AB24}">
+                <p16:designElem xmlns:p16="http://schemas.microsoft.com/office/powerpoint/2015/main" val="1"/>
+              </p:ext>
+            </p:extLst>
+          </p:nvPr>
+        </p:nvSpPr>
+        <p:spPr>
+          <a:xfrm>
+            <a:off x="1768100" y="-1"/>
+            <a:ext cx="10423900" cy="5920155"/>
+          </a:xfrm>
+          <a:custGeom>
+            <a:avLst/>
+            <a:gdLst>
+              <a:gd name="connsiteX0" fmla="*/ 10423900 w 10423900"/>
+              <a:gd name="connsiteY0" fmla="*/ 0 h 5491534"/>
+              <a:gd name="connsiteX1" fmla="*/ 3493157 w 10423900"/>
+              <a:gd name="connsiteY1" fmla="*/ 0 h 5491534"/>
+              <a:gd name="connsiteX2" fmla="*/ 3493018 w 10423900"/>
+              <a:gd name="connsiteY2" fmla="*/ 31 h 5491534"/>
+              <a:gd name="connsiteX3" fmla="*/ 3245493 w 10423900"/>
+              <a:gd name="connsiteY3" fmla="*/ 104839 h 5491534"/>
+              <a:gd name="connsiteX4" fmla="*/ 4434802 w 10423900"/>
+              <a:gd name="connsiteY4" fmla="*/ 284558 h 5491534"/>
+              <a:gd name="connsiteX5" fmla="*/ 4011937 w 10423900"/>
+              <a:gd name="connsiteY5" fmla="*/ 395559 h 5491534"/>
+              <a:gd name="connsiteX6" fmla="*/ 3573213 w 10423900"/>
+              <a:gd name="connsiteY6" fmla="*/ 474847 h 5491534"/>
+              <a:gd name="connsiteX7" fmla="*/ 3097489 w 10423900"/>
+              <a:gd name="connsiteY7" fmla="*/ 532990 h 5491534"/>
+              <a:gd name="connsiteX8" fmla="*/ 2664052 w 10423900"/>
+              <a:gd name="connsiteY8" fmla="*/ 649279 h 5491534"/>
+              <a:gd name="connsiteX9" fmla="*/ 3795218 w 10423900"/>
+              <a:gd name="connsiteY9" fmla="*/ 696852 h 5491534"/>
+              <a:gd name="connsiteX10" fmla="*/ 3208492 w 10423900"/>
+              <a:gd name="connsiteY10" fmla="*/ 802568 h 5491534"/>
+              <a:gd name="connsiteX11" fmla="*/ 2727483 w 10423900"/>
+              <a:gd name="connsiteY11" fmla="*/ 939999 h 5491534"/>
+              <a:gd name="connsiteX12" fmla="*/ 2389190 w 10423900"/>
+              <a:gd name="connsiteY12" fmla="*/ 1003429 h 5491534"/>
+              <a:gd name="connsiteX13" fmla="*/ 2029754 w 10423900"/>
+              <a:gd name="connsiteY13" fmla="*/ 1019287 h 5491534"/>
+              <a:gd name="connsiteX14" fmla="*/ 1945181 w 10423900"/>
+              <a:gd name="connsiteY14" fmla="*/ 1119716 h 5491534"/>
+              <a:gd name="connsiteX15" fmla="*/ 2056184 w 10423900"/>
+              <a:gd name="connsiteY15" fmla="*/ 1225434 h 5491534"/>
+              <a:gd name="connsiteX16" fmla="*/ 2225329 w 10423900"/>
+              <a:gd name="connsiteY16" fmla="*/ 1236004 h 5491534"/>
+              <a:gd name="connsiteX17" fmla="*/ 3234920 w 10423900"/>
+              <a:gd name="connsiteY17" fmla="*/ 1262435 h 5491534"/>
+              <a:gd name="connsiteX18" fmla="*/ 0 w 10423900"/>
+              <a:gd name="connsiteY18" fmla="*/ 1495009 h 5491534"/>
+              <a:gd name="connsiteX19" fmla="*/ 438724 w 10423900"/>
+              <a:gd name="connsiteY19" fmla="*/ 1637728 h 5491534"/>
+              <a:gd name="connsiteX20" fmla="*/ 586726 w 10423900"/>
+              <a:gd name="connsiteY20" fmla="*/ 2028877 h 5491534"/>
+              <a:gd name="connsiteX21" fmla="*/ 1125878 w 10423900"/>
+              <a:gd name="connsiteY21" fmla="*/ 2250882 h 5491534"/>
+              <a:gd name="connsiteX22" fmla="*/ 1474744 w 10423900"/>
+              <a:gd name="connsiteY22" fmla="*/ 2330169 h 5491534"/>
+              <a:gd name="connsiteX23" fmla="*/ 2272901 w 10423900"/>
+              <a:gd name="connsiteY23" fmla="*/ 2446458 h 5491534"/>
+              <a:gd name="connsiteX24" fmla="*/ 2389190 w 10423900"/>
+              <a:gd name="connsiteY24" fmla="*/ 2636747 h 5491534"/>
+              <a:gd name="connsiteX25" fmla="*/ 2489621 w 10423900"/>
+              <a:gd name="connsiteY25" fmla="*/ 2848179 h 5491534"/>
+              <a:gd name="connsiteX26" fmla="*/ 2701053 w 10423900"/>
+              <a:gd name="connsiteY26" fmla="*/ 2985611 h 5491534"/>
+              <a:gd name="connsiteX27" fmla="*/ 1057165 w 10423900"/>
+              <a:gd name="connsiteY27" fmla="*/ 2964468 h 5491534"/>
+              <a:gd name="connsiteX28" fmla="*/ 2912485 w 10423900"/>
+              <a:gd name="connsiteY28" fmla="*/ 3408477 h 5491534"/>
+              <a:gd name="connsiteX29" fmla="*/ 2748626 w 10423900"/>
+              <a:gd name="connsiteY29" fmla="*/ 3582909 h 5491534"/>
+              <a:gd name="connsiteX30" fmla="*/ 3763503 w 10423900"/>
+              <a:gd name="connsiteY30" fmla="*/ 3820771 h 5491534"/>
+              <a:gd name="connsiteX31" fmla="*/ 3219063 w 10423900"/>
+              <a:gd name="connsiteY31" fmla="*/ 3847199 h 5491534"/>
+              <a:gd name="connsiteX32" fmla="*/ 6385269 w 10423900"/>
+              <a:gd name="connsiteY32" fmla="*/ 4840933 h 5491534"/>
+              <a:gd name="connsiteX33" fmla="*/ 10285854 w 10423900"/>
+              <a:gd name="connsiteY33" fmla="*/ 5471118 h 5491534"/>
+              <a:gd name="connsiteX34" fmla="*/ 10423900 w 10423900"/>
+              <a:gd name="connsiteY34" fmla="*/ 5491534 h 5491534"/>
+            </a:gdLst>
+            <a:ahLst/>
+            <a:cxnLst>
+              <a:cxn ang="0">
+                <a:pos x="connsiteX0" y="connsiteY0"/>
+              </a:cxn>
+              <a:cxn ang="0">
+                <a:pos x="connsiteX1" y="connsiteY1"/>
+              </a:cxn>
+              <a:cxn ang="0">
+                <a:pos x="connsiteX2" y="connsiteY2"/>
+              </a:cxn>
+              <a:cxn ang="0">
+                <a:pos x="connsiteX3" y="connsiteY3"/>
+              </a:cxn>
+              <a:cxn ang="0">
+                <a:pos x="connsiteX4" y="connsiteY4"/>
+              </a:cxn>
+              <a:cxn ang="0">
+                <a:pos x="connsiteX5" y="connsiteY5"/>
+              </a:cxn>
+              <a:cxn ang="0">
+                <a:pos x="connsiteX6" y="connsiteY6"/>
+              </a:cxn>
+              <a:cxn ang="0">
+                <a:pos x="connsiteX7" y="connsiteY7"/>
+              </a:cxn>
+              <a:cxn ang="0">
+                <a:pos x="connsiteX8" y="connsiteY8"/>
+              </a:cxn>
+              <a:cxn ang="0">
+                <a:pos x="connsiteX9" y="connsiteY9"/>
+              </a:cxn>
+              <a:cxn ang="0">
+                <a:pos x="connsiteX10" y="connsiteY10"/>
+              </a:cxn>
+              <a:cxn ang="0">
+                <a:pos x="connsiteX11" y="connsiteY11"/>
+              </a:cxn>
+              <a:cxn ang="0">
+                <a:pos x="connsiteX12" y="connsiteY12"/>
+              </a:cxn>
+              <a:cxn ang="0">
+                <a:pos x="connsiteX13" y="connsiteY13"/>
+              </a:cxn>
+              <a:cxn ang="0">
+                <a:pos x="connsiteX14" y="connsiteY14"/>
+              </a:cxn>
+              <a:cxn ang="0">
+                <a:pos x="connsiteX15" y="connsiteY15"/>
+              </a:cxn>
+              <a:cxn ang="0">
+                <a:pos x="connsiteX16" y="connsiteY16"/>
+              </a:cxn>
+              <a:cxn ang="0">
+                <a:pos x="connsiteX17" y="connsiteY17"/>
+              </a:cxn>
+              <a:cxn ang="0">
+                <a:pos x="connsiteX18" y="connsiteY18"/>
+              </a:cxn>
+              <a:cxn ang="0">
+                <a:pos x="connsiteX19" y="connsiteY19"/>
+              </a:cxn>
+              <a:cxn ang="0">
+                <a:pos x="connsiteX20" y="connsiteY20"/>
+              </a:cxn>
+              <a:cxn ang="0">
+                <a:pos x="connsiteX21" y="connsiteY21"/>
+              </a:cxn>
+              <a:cxn ang="0">
+                <a:pos x="connsiteX22" y="connsiteY22"/>
+              </a:cxn>
+              <a:cxn ang="0">
+                <a:pos x="connsiteX23" y="connsiteY23"/>
+              </a:cxn>
+              <a:cxn ang="0">
+                <a:pos x="connsiteX24" y="connsiteY24"/>
+              </a:cxn>
+              <a:cxn ang="0">
+                <a:pos x="connsiteX25" y="connsiteY25"/>
+              </a:cxn>
+              <a:cxn ang="0">
+                <a:pos x="connsiteX26" y="connsiteY26"/>
+              </a:cxn>
+              <a:cxn ang="0">
+                <a:pos x="connsiteX27" y="connsiteY27"/>
+              </a:cxn>
+              <a:cxn ang="0">
+                <a:pos x="connsiteX28" y="connsiteY28"/>
+              </a:cxn>
+              <a:cxn ang="0">
+                <a:pos x="connsiteX29" y="connsiteY29"/>
+              </a:cxn>
+              <a:cxn ang="0">
+                <a:pos x="connsiteX30" y="connsiteY30"/>
+              </a:cxn>
+              <a:cxn ang="0">
+                <a:pos x="connsiteX31" y="connsiteY31"/>
+              </a:cxn>
+              <a:cxn ang="0">
+                <a:pos x="connsiteX32" y="connsiteY32"/>
+              </a:cxn>
+              <a:cxn ang="0">
+                <a:pos x="connsiteX33" y="connsiteY33"/>
+              </a:cxn>
+              <a:cxn ang="0">
+                <a:pos x="connsiteX34" y="connsiteY34"/>
+              </a:cxn>
+            </a:cxnLst>
+            <a:rect l="l" t="t" r="r" b="b"/>
+            <a:pathLst>
+              <a:path w="10423900" h="5491534">
+                <a:moveTo>
+                  <a:pt x="10423900" y="0"/>
+                </a:moveTo>
+                <a:lnTo>
+                  <a:pt x="3493157" y="0"/>
+                </a:lnTo>
+                <a:lnTo>
+                  <a:pt x="3493018" y="31"/>
+                </a:lnTo>
+                <a:cubicBezTo>
+                  <a:pt x="3414969" y="12668"/>
+                  <a:pt x="3328744" y="21588"/>
+                  <a:pt x="3245493" y="104839"/>
+                </a:cubicBezTo>
+                <a:cubicBezTo>
+                  <a:pt x="3668357" y="162984"/>
+                  <a:pt x="4075366" y="51981"/>
+                  <a:pt x="4434802" y="284558"/>
+                </a:cubicBezTo>
+                <a:cubicBezTo>
+                  <a:pt x="4302656" y="400846"/>
+                  <a:pt x="4154654" y="374416"/>
+                  <a:pt x="4011937" y="395559"/>
+                </a:cubicBezTo>
+                <a:cubicBezTo>
+                  <a:pt x="3863934" y="416704"/>
+                  <a:pt x="3721217" y="453704"/>
+                  <a:pt x="3573213" y="474847"/>
+                </a:cubicBezTo>
+                <a:cubicBezTo>
+                  <a:pt x="3414639" y="501275"/>
+                  <a:pt x="3256063" y="506562"/>
+                  <a:pt x="3097489" y="532990"/>
+                </a:cubicBezTo>
+                <a:cubicBezTo>
+                  <a:pt x="2965345" y="554135"/>
+                  <a:pt x="2822627" y="517133"/>
+                  <a:pt x="2664052" y="649279"/>
+                </a:cubicBezTo>
+                <a:cubicBezTo>
+                  <a:pt x="3055203" y="744424"/>
+                  <a:pt x="3409352" y="601706"/>
+                  <a:pt x="3795218" y="696852"/>
+                </a:cubicBezTo>
+                <a:cubicBezTo>
+                  <a:pt x="3567928" y="781425"/>
+                  <a:pt x="3382924" y="754995"/>
+                  <a:pt x="3208492" y="802568"/>
+                </a:cubicBezTo>
+                <a:cubicBezTo>
+                  <a:pt x="3049916" y="850140"/>
+                  <a:pt x="2859627" y="797282"/>
+                  <a:pt x="2727483" y="939999"/>
+                </a:cubicBezTo>
+                <a:cubicBezTo>
+                  <a:pt x="2627052" y="1051000"/>
+                  <a:pt x="2521336" y="1066858"/>
+                  <a:pt x="2389190" y="1003429"/>
+                </a:cubicBezTo>
+                <a:cubicBezTo>
+                  <a:pt x="2272901" y="945284"/>
+                  <a:pt x="2146043" y="961142"/>
+                  <a:pt x="2029754" y="1019287"/>
+                </a:cubicBezTo>
+                <a:cubicBezTo>
+                  <a:pt x="1987468" y="1040430"/>
+                  <a:pt x="1945181" y="1066858"/>
+                  <a:pt x="1945181" y="1119716"/>
+                </a:cubicBezTo>
+                <a:cubicBezTo>
+                  <a:pt x="1945181" y="1193719"/>
+                  <a:pt x="1998039" y="1214862"/>
+                  <a:pt x="2056184" y="1225434"/>
+                </a:cubicBezTo>
+                <a:cubicBezTo>
+                  <a:pt x="2109042" y="1236004"/>
+                  <a:pt x="2172471" y="1246577"/>
+                  <a:pt x="2225329" y="1236004"/>
+                </a:cubicBezTo>
+                <a:cubicBezTo>
+                  <a:pt x="2563622" y="1177861"/>
+                  <a:pt x="2896629" y="1273005"/>
+                  <a:pt x="3234920" y="1262435"/>
+                </a:cubicBezTo>
+                <a:cubicBezTo>
+                  <a:pt x="2172471" y="1489724"/>
+                  <a:pt x="1099450" y="1415723"/>
+                  <a:pt x="0" y="1495009"/>
+                </a:cubicBezTo>
+                <a:cubicBezTo>
+                  <a:pt x="142717" y="1653583"/>
+                  <a:pt x="327721" y="1521439"/>
+                  <a:pt x="438724" y="1637728"/>
+                </a:cubicBezTo>
+                <a:cubicBezTo>
+                  <a:pt x="333006" y="1880875"/>
+                  <a:pt x="375293" y="2013020"/>
+                  <a:pt x="586726" y="2028877"/>
+                </a:cubicBezTo>
+                <a:cubicBezTo>
+                  <a:pt x="792873" y="2044734"/>
+                  <a:pt x="1014877" y="1960161"/>
+                  <a:pt x="1125878" y="2250882"/>
+                </a:cubicBezTo>
+                <a:cubicBezTo>
+                  <a:pt x="1157593" y="2340740"/>
+                  <a:pt x="1353170" y="2314312"/>
+                  <a:pt x="1474744" y="2330169"/>
+                </a:cubicBezTo>
+                <a:cubicBezTo>
+                  <a:pt x="1739034" y="2367170"/>
+                  <a:pt x="2019183" y="2330169"/>
+                  <a:pt x="2272901" y="2446458"/>
+                </a:cubicBezTo>
+                <a:cubicBezTo>
+                  <a:pt x="2373332" y="2488744"/>
+                  <a:pt x="2442048" y="2520459"/>
+                  <a:pt x="2389190" y="2636747"/>
+                </a:cubicBezTo>
+                <a:cubicBezTo>
+                  <a:pt x="2336332" y="2758321"/>
+                  <a:pt x="2405048" y="2800607"/>
+                  <a:pt x="2489621" y="2848179"/>
+                </a:cubicBezTo>
+                <a:cubicBezTo>
+                  <a:pt x="2553051" y="2885180"/>
+                  <a:pt x="2648195" y="2874609"/>
+                  <a:pt x="2701053" y="2985611"/>
+                </a:cubicBezTo>
+                <a:cubicBezTo>
+                  <a:pt x="2146043" y="2969753"/>
+                  <a:pt x="1606888" y="2879895"/>
+                  <a:pt x="1057165" y="2964468"/>
+                </a:cubicBezTo>
+                <a:cubicBezTo>
+                  <a:pt x="1659748" y="3175900"/>
+                  <a:pt x="2320474" y="3165328"/>
+                  <a:pt x="2912485" y="3408477"/>
+                </a:cubicBezTo>
+                <a:cubicBezTo>
+                  <a:pt x="2891342" y="3493050"/>
+                  <a:pt x="2753911" y="3456048"/>
+                  <a:pt x="2748626" y="3582909"/>
+                </a:cubicBezTo>
+                <a:cubicBezTo>
+                  <a:pt x="3060489" y="3715055"/>
+                  <a:pt x="3435782" y="3625195"/>
+                  <a:pt x="3763503" y="3820771"/>
+                </a:cubicBezTo>
+                <a:cubicBezTo>
+                  <a:pt x="3573213" y="3910629"/>
+                  <a:pt x="3398782" y="3762626"/>
+                  <a:pt x="3219063" y="3847199"/>
+                </a:cubicBezTo>
+                <a:cubicBezTo>
+                  <a:pt x="3277208" y="3974060"/>
+                  <a:pt x="5909545" y="4756360"/>
+                  <a:pt x="6385269" y="4840933"/>
+                </a:cubicBezTo>
+                <a:cubicBezTo>
+                  <a:pt x="7171204" y="4982659"/>
+                  <a:pt x="9157515" y="5302348"/>
+                  <a:pt x="10285854" y="5471118"/>
+                </a:cubicBezTo>
+                <a:lnTo>
+                  <a:pt x="10423900" y="5491534"/>
+                </a:lnTo>
+                <a:close/>
+              </a:path>
+            </a:pathLst>
+          </a:custGeom>
+          <a:solidFill>
+            <a:srgbClr val="81A6C4">
+              <a:alpha val="20000"/>
+            </a:srgbClr>
+          </a:solidFill>
+          <a:ln w="32707" cap="flat">
+            <a:noFill/>
+            <a:prstDash val="solid"/>
+            <a:miter/>
+          </a:ln>
+        </p:spPr>
+        <p:txBody>
+          <a:bodyPr wrap="square" rtlCol="0" anchor="ctr">
+            <a:noAutofit/>
+          </a:bodyPr>
+          <a:lstStyle/>
+          <a:p>
+            <a:endParaRPr lang="en-US"/>
+          </a:p>
+        </p:txBody>
+      </p:sp>
       <p:sp>
         <p:nvSpPr>
           <p:cNvPr id="2" name="Title 1">
@@ -15855,38 +16330,38 @@
         </p:nvSpPr>
         <p:spPr>
           <a:xfrm>
-            <a:off x="838200" y="365125"/>
-            <a:ext cx="10174793" cy="1011391"/>
+            <a:off x="5526156" y="365125"/>
+            <a:ext cx="5827643" cy="1511300"/>
           </a:xfrm>
         </p:spPr>
         <p:txBody>
-          <a:bodyPr>
-            <a:noAutofit/>
+          <a:bodyPr vert="horz" lIns="91440" tIns="45720" rIns="91440" bIns="45720" rtlCol="0" anchor="b">
+            <a:normAutofit/>
           </a:bodyPr>
           <a:lstStyle/>
           <a:p>
             <a:r>
-              <a:rPr lang="en-US" sz="2800"/>
+              <a:rPr lang="en-US" sz="3400" i="1"/>
               <a:t>Explanatory Data Analysis – </a:t>
             </a:r>
             <a:r>
-              <a:rPr lang="en-US" sz="2800" b="1" i="1"/>
+              <a:rPr lang="en-US" sz="3400" b="1" i="1"/>
               <a:t>EDA </a:t>
             </a:r>
             <a:r>
-              <a:rPr lang="en-US" sz="2800" i="1"/>
+              <a:rPr lang="en-US" sz="3400" i="1"/>
               <a:t>(showcasing the most affecting feature)</a:t>
             </a:r>
-            <a:endParaRPr lang="en-IN" sz="2800" b="1" i="1" dirty="0"/>
+            <a:endParaRPr lang="en-US" sz="3400" b="1" i="1"/>
           </a:p>
         </p:txBody>
       </p:sp>
       <p:pic>
         <p:nvPicPr>
-          <p:cNvPr id="4106" name="Picture 10">
+          <p:cNvPr id="4110" name="Picture 14">
             <a:extLst>
               <a:ext uri="{FF2B5EF4-FFF2-40B4-BE49-F238E27FC236}">
-                <a16:creationId xmlns:a16="http://schemas.microsoft.com/office/drawing/2014/main" id="{4B0655CF-53BF-8C2A-1F2C-212E2AE736CC}"/>
+                <a16:creationId xmlns:a16="http://schemas.microsoft.com/office/drawing/2014/main" id="{F814038F-26CE-7F70-F7CB-A3224B3EF65D}"/>
               </a:ext>
             </a:extLst>
           </p:cNvPr>
@@ -15903,15 +16378,14 @@
               </a:ext>
             </a:extLst>
           </a:blip>
-          <a:srcRect/>
           <a:stretch>
             <a:fillRect/>
           </a:stretch>
         </p:blipFill>
         <p:spPr bwMode="auto">
           <a:xfrm>
-            <a:off x="534170" y="1718218"/>
-            <a:ext cx="4525108" cy="2912041"/>
+            <a:off x="551268" y="339804"/>
+            <a:ext cx="4483154" cy="2880428"/>
           </a:xfrm>
           <a:prstGeom prst="rect">
             <a:avLst/>
@@ -15950,15 +16424,14 @@
               </a:ext>
             </a:extLst>
           </a:blip>
-          <a:srcRect/>
           <a:stretch>
             <a:fillRect/>
           </a:stretch>
         </p:blipFill>
         <p:spPr bwMode="auto">
           <a:xfrm>
-            <a:off x="6772341" y="1170590"/>
-            <a:ext cx="4312732" cy="2775370"/>
+            <a:off x="551432" y="3400024"/>
+            <a:ext cx="4482791" cy="2880195"/>
           </a:xfrm>
           <a:prstGeom prst="rect">
             <a:avLst/>
@@ -15975,12 +16448,452 @@
           </a:extLst>
         </p:spPr>
       </p:pic>
+      <p:sp>
+        <p:nvSpPr>
+          <p:cNvPr id="8" name="Rectangle 5">
+            <a:extLst>
+              <a:ext uri="{FF2B5EF4-FFF2-40B4-BE49-F238E27FC236}">
+                <a16:creationId xmlns:a16="http://schemas.microsoft.com/office/drawing/2014/main" id="{912E8CE0-9A5B-BDC2-D474-EEC4A35A158D}"/>
+              </a:ext>
+            </a:extLst>
+          </p:cNvPr>
+          <p:cNvSpPr>
+            <a:spLocks noChangeArrowheads="1"/>
+          </p:cNvSpPr>
+          <p:nvPr/>
+        </p:nvSpPr>
+        <p:spPr bwMode="auto">
+          <a:xfrm>
+            <a:off x="5526156" y="2055813"/>
+            <a:ext cx="5827644" cy="4121149"/>
+          </a:xfrm>
+          <a:prstGeom prst="rect">
+            <a:avLst/>
+          </a:prstGeom>
+          <a:extLst>
+            <a:ext uri="{909E8E84-426E-40DD-AFC4-6F175D3DCCD1}">
+              <a14:hiddenFill xmlns:a14="http://schemas.microsoft.com/office/drawing/2010/main">
+                <a:solidFill>
+                  <a:schemeClr val="accent1"/>
+                </a:solidFill>
+              </a14:hiddenFill>
+            </a:ext>
+            <a:ext uri="{91240B29-F687-4F45-9708-019B960494DF}">
+              <a14:hiddenLine xmlns:a14="http://schemas.microsoft.com/office/drawing/2010/main" w="9525">
+                <a:solidFill>
+                  <a:schemeClr val="tx1"/>
+                </a:solidFill>
+                <a:miter lim="800000"/>
+                <a:headEnd/>
+                <a:tailEnd/>
+              </a14:hiddenLine>
+            </a:ext>
+            <a:ext uri="{AF507438-7753-43E0-B8FC-AC1667EBCBE1}">
+              <a14:hiddenEffects xmlns:a14="http://schemas.microsoft.com/office/drawing/2010/main">
+                <a:effectLst>
+                  <a:outerShdw dist="35921" dir="2700000" algn="ctr" rotWithShape="0">
+                    <a:schemeClr val="bg2"/>
+                  </a:outerShdw>
+                </a:effectLst>
+              </a14:hiddenEffects>
+            </a:ext>
+          </a:extLst>
+        </p:spPr>
+        <p:txBody>
+          <a:bodyPr vert="horz" lIns="91440" tIns="45720" rIns="91440" bIns="45720" numCol="1" rtlCol="0" anchor="t" anchorCtr="0" compatLnSpc="1">
+            <a:prstTxWarp prst="textNoShape">
+              <a:avLst/>
+            </a:prstTxWarp>
+            <a:normAutofit/>
+          </a:bodyPr>
+          <a:lstStyle/>
+          <a:p>
+            <a:pPr marL="0" marR="0" lvl="0" indent="-228600" fontAlgn="base">
+              <a:lnSpc>
+                <a:spcPct val="90000"/>
+              </a:lnSpc>
+              <a:spcBef>
+                <a:spcPct val="0"/>
+              </a:spcBef>
+              <a:spcAft>
+                <a:spcPts val="600"/>
+              </a:spcAft>
+              <a:buClrTx/>
+              <a:buSzTx/>
+              <a:buFont typeface="Arial" panose="020B0604020202020204" pitchFamily="34" charset="0"/>
+              <a:buChar char="•"/>
+              <a:tabLst/>
+            </a:pPr>
+            <a:r>
+              <a:rPr lang="en-US" altLang="en-US" sz="1700" b="1" dirty="0"/>
+              <a:t>Key Insights:</a:t>
+            </a:r>
+          </a:p>
+          <a:p>
+            <a:pPr lvl="1" indent="-228600" fontAlgn="base">
+              <a:lnSpc>
+                <a:spcPct val="90000"/>
+              </a:lnSpc>
+              <a:spcBef>
+                <a:spcPct val="0"/>
+              </a:spcBef>
+              <a:spcAft>
+                <a:spcPts val="600"/>
+              </a:spcAft>
+              <a:buFont typeface="Arial" panose="020B0604020202020204" pitchFamily="34" charset="0"/>
+              <a:buChar char="•"/>
+            </a:pPr>
+            <a:r>
+              <a:rPr lang="en-US" altLang="en-US" sz="1700" dirty="0"/>
+              <a:t>Strong correlations identified between CSUSHPISA   and features like </a:t>
+            </a:r>
+            <a:r>
+              <a:rPr lang="en-US" altLang="en-US" sz="1700" dirty="0" err="1"/>
+              <a:t>median_sale_price</a:t>
+            </a:r>
+            <a:r>
+              <a:rPr lang="en-US" altLang="en-US" sz="1700" dirty="0"/>
+              <a:t>, inventory, and </a:t>
+            </a:r>
+            <a:r>
+              <a:rPr lang="en-US" altLang="en-US" sz="1700" dirty="0" err="1"/>
+              <a:t>homes_sold</a:t>
+            </a:r>
+            <a:r>
+              <a:rPr lang="en-US" altLang="en-US" sz="1700" dirty="0"/>
+              <a:t>.</a:t>
+            </a:r>
+          </a:p>
+          <a:p>
+            <a:pPr lvl="1" indent="-228600" fontAlgn="base">
+              <a:lnSpc>
+                <a:spcPct val="90000"/>
+              </a:lnSpc>
+              <a:spcBef>
+                <a:spcPct val="0"/>
+              </a:spcBef>
+              <a:spcAft>
+                <a:spcPts val="600"/>
+              </a:spcAft>
+              <a:buFont typeface="Arial" panose="020B0604020202020204" pitchFamily="34" charset="0"/>
+              <a:buChar char="•"/>
+            </a:pPr>
+            <a:r>
+              <a:rPr lang="en-US" altLang="en-US" sz="1700" dirty="0"/>
+              <a:t>Seasonal trends observed in inventory and sales  metrics.</a:t>
+            </a:r>
+          </a:p>
+          <a:p>
+            <a:pPr lvl="1" indent="-228600" fontAlgn="base">
+              <a:lnSpc>
+                <a:spcPct val="90000"/>
+              </a:lnSpc>
+              <a:spcBef>
+                <a:spcPct val="0"/>
+              </a:spcBef>
+              <a:spcAft>
+                <a:spcPts val="600"/>
+              </a:spcAft>
+              <a:buFont typeface="Arial" panose="020B0604020202020204" pitchFamily="34" charset="0"/>
+              <a:buChar char="•"/>
+            </a:pPr>
+            <a:r>
+              <a:rPr lang="en-US" altLang="en-US" sz="1700" dirty="0"/>
+              <a:t>Outliers detected in </a:t>
+            </a:r>
+            <a:r>
+              <a:rPr lang="en-US" altLang="en-US" sz="1700" dirty="0" err="1"/>
+              <a:t>median_sale_price</a:t>
+            </a:r>
+            <a:r>
+              <a:rPr lang="en-US" altLang="en-US" sz="1700" dirty="0"/>
+              <a:t> and inventory.</a:t>
+            </a:r>
+          </a:p>
+          <a:p>
+            <a:pPr marL="0" marR="0" lvl="0" indent="-228600" fontAlgn="base">
+              <a:lnSpc>
+                <a:spcPct val="90000"/>
+              </a:lnSpc>
+              <a:spcBef>
+                <a:spcPct val="0"/>
+              </a:spcBef>
+              <a:spcAft>
+                <a:spcPts val="600"/>
+              </a:spcAft>
+              <a:buClrTx/>
+              <a:buSzTx/>
+              <a:buFont typeface="Arial" panose="020B0604020202020204" pitchFamily="34" charset="0"/>
+              <a:buChar char="•"/>
+              <a:tabLst/>
+            </a:pPr>
+            <a:r>
+              <a:rPr lang="en-US" altLang="en-US" sz="1700" dirty="0"/>
+              <a:t> </a:t>
+            </a:r>
+            <a:r>
+              <a:rPr lang="en-US" altLang="en-US" sz="1700" b="1" dirty="0"/>
+              <a:t>Visualizations:</a:t>
+            </a:r>
+          </a:p>
+          <a:p>
+            <a:pPr lvl="1" indent="-228600" fontAlgn="base">
+              <a:lnSpc>
+                <a:spcPct val="90000"/>
+              </a:lnSpc>
+              <a:spcBef>
+                <a:spcPct val="0"/>
+              </a:spcBef>
+              <a:spcAft>
+                <a:spcPts val="600"/>
+              </a:spcAft>
+              <a:buFont typeface="Arial" panose="020B0604020202020204" pitchFamily="34" charset="0"/>
+              <a:buChar char="•"/>
+            </a:pPr>
+            <a:r>
+              <a:rPr lang="en-US" altLang="en-US" sz="1700" dirty="0"/>
+              <a:t>Correlation heatmap for feature relationships.</a:t>
+            </a:r>
+          </a:p>
+          <a:p>
+            <a:pPr lvl="1" indent="-228600" fontAlgn="base">
+              <a:lnSpc>
+                <a:spcPct val="90000"/>
+              </a:lnSpc>
+              <a:spcBef>
+                <a:spcPct val="0"/>
+              </a:spcBef>
+              <a:spcAft>
+                <a:spcPts val="600"/>
+              </a:spcAft>
+              <a:buFont typeface="Arial" panose="020B0604020202020204" pitchFamily="34" charset="0"/>
+              <a:buChar char="•"/>
+            </a:pPr>
+            <a:r>
+              <a:rPr lang="en-US" altLang="en-US" sz="1700" dirty="0"/>
+              <a:t>Time-series trends for CSUSHPISA and key     	features.</a:t>
+            </a:r>
+          </a:p>
+          <a:p>
+            <a:pPr lvl="1" indent="-228600" fontAlgn="base">
+              <a:lnSpc>
+                <a:spcPct val="90000"/>
+              </a:lnSpc>
+              <a:spcBef>
+                <a:spcPct val="0"/>
+              </a:spcBef>
+              <a:spcAft>
+                <a:spcPts val="600"/>
+              </a:spcAft>
+              <a:buFont typeface="Arial" panose="020B0604020202020204" pitchFamily="34" charset="0"/>
+              <a:buChar char="•"/>
+            </a:pPr>
+            <a:r>
+              <a:rPr lang="en-US" altLang="en-US" sz="1700" dirty="0"/>
+              <a:t>Boxplots for outlier detection.</a:t>
+            </a:r>
+          </a:p>
+          <a:p>
+            <a:pPr marL="0" marR="0" lvl="0" indent="-228600" fontAlgn="base">
+              <a:lnSpc>
+                <a:spcPct val="90000"/>
+              </a:lnSpc>
+              <a:spcBef>
+                <a:spcPct val="0"/>
+              </a:spcBef>
+              <a:spcAft>
+                <a:spcPts val="600"/>
+              </a:spcAft>
+              <a:buClrTx/>
+              <a:buSzTx/>
+              <a:buFont typeface="Arial" panose="020B0604020202020204" pitchFamily="34" charset="0"/>
+              <a:buChar char="•"/>
+              <a:tabLst/>
+            </a:pPr>
+            <a:endParaRPr lang="en-US" altLang="en-US" sz="1700" dirty="0"/>
+          </a:p>
+        </p:txBody>
+      </p:sp>
+    </p:spTree>
+    <p:extLst>
+      <p:ext uri="{BB962C8B-B14F-4D97-AF65-F5344CB8AC3E}">
+        <p14:creationId xmlns:p14="http://schemas.microsoft.com/office/powerpoint/2010/main" val="704490636"/>
+      </p:ext>
+    </p:extLst>
+  </p:cSld>
+  <p:clrMapOvr>
+    <a:masterClrMapping/>
+  </p:clrMapOvr>
+</p:sld>
+</file>
+
+<file path=ppt/slides/slide3.xml><?xml version="1.0" encoding="utf-8"?>
+<p:sld xmlns:a="http://schemas.openxmlformats.org/drawingml/2006/main" xmlns:r="http://schemas.openxmlformats.org/officeDocument/2006/relationships" xmlns:p="http://schemas.openxmlformats.org/presentationml/2006/main">
+  <p:cSld>
+    <p:bg>
+      <p:bgPr>
+        <a:solidFill>
+          <a:schemeClr val="bg1"/>
+        </a:solidFill>
+        <a:effectLst/>
+      </p:bgPr>
+    </p:bg>
+    <p:spTree>
+      <p:nvGrpSpPr>
+        <p:cNvPr id="1" name=""/>
+        <p:cNvGrpSpPr/>
+        <p:nvPr/>
+      </p:nvGrpSpPr>
+      <p:grpSpPr>
+        <a:xfrm>
+          <a:off x="0" y="0"/>
+          <a:ext cx="0" cy="0"/>
+          <a:chOff x="0" y="0"/>
+          <a:chExt cx="0" cy="0"/>
+        </a:xfrm>
+      </p:grpSpPr>
+      <p:sp>
+        <p:nvSpPr>
+          <p:cNvPr id="5138" name="Rectangle 5137">
+            <a:extLst>
+              <a:ext uri="{FF2B5EF4-FFF2-40B4-BE49-F238E27FC236}">
+                <a16:creationId xmlns:a16="http://schemas.microsoft.com/office/drawing/2014/main" id="{6F79B0DD-2C63-4EE5-804F-B8E391FC1E45}"/>
+              </a:ext>
+              <a:ext uri="{C183D7F6-B498-43B3-948B-1728B52AA6E4}">
+                <adec:decorative xmlns:adec="http://schemas.microsoft.com/office/drawing/2017/decorative" val="1"/>
+              </a:ext>
+            </a:extLst>
+          </p:cNvPr>
+          <p:cNvSpPr>
+            <a:spLocks noGrp="1" noRot="1" noChangeAspect="1" noMove="1" noResize="1" noEditPoints="1" noAdjustHandles="1" noChangeArrowheads="1" noChangeShapeType="1" noTextEdit="1"/>
+          </p:cNvSpPr>
+          <p:nvPr>
+            <p:extLst>
+              <p:ext uri="{386F3935-93C4-4BCD-93E2-E3B085C9AB24}">
+                <p16:designElem xmlns:p16="http://schemas.microsoft.com/office/powerpoint/2015/main" val="1"/>
+              </p:ext>
+            </p:extLst>
+          </p:nvPr>
+        </p:nvSpPr>
+        <p:spPr>
+          <a:xfrm>
+            <a:off x="3137" y="0"/>
+            <a:ext cx="12192000" cy="6858000"/>
+          </a:xfrm>
+          <a:prstGeom prst="rect">
+            <a:avLst/>
+          </a:prstGeom>
+          <a:solidFill>
+            <a:schemeClr val="bg1">
+              <a:lumMod val="75000"/>
+              <a:alpha val="80000"/>
+            </a:schemeClr>
+          </a:solidFill>
+          <a:ln>
+            <a:noFill/>
+          </a:ln>
+        </p:spPr>
+        <p:style>
+          <a:lnRef idx="2">
+            <a:schemeClr val="accent1">
+              <a:shade val="50000"/>
+            </a:schemeClr>
+          </a:lnRef>
+          <a:fillRef idx="1">
+            <a:schemeClr val="accent1"/>
+          </a:fillRef>
+          <a:effectRef idx="0">
+            <a:schemeClr val="accent1"/>
+          </a:effectRef>
+          <a:fontRef idx="minor">
+            <a:schemeClr val="lt1"/>
+          </a:fontRef>
+        </p:style>
+        <p:txBody>
+          <a:bodyPr rtlCol="0" anchor="ctr"/>
+          <a:lstStyle/>
+          <a:p>
+            <a:pPr algn="ctr"/>
+            <a:endParaRPr lang="en-US"/>
+          </a:p>
+        </p:txBody>
+      </p:sp>
+      <p:sp>
+        <p:nvSpPr>
+          <p:cNvPr id="5140" name="Rectangle 5139">
+            <a:extLst>
+              <a:ext uri="{FF2B5EF4-FFF2-40B4-BE49-F238E27FC236}">
+                <a16:creationId xmlns:a16="http://schemas.microsoft.com/office/drawing/2014/main" id="{627DB8AB-CD55-4C8F-9043-52652B89231A}"/>
+              </a:ext>
+              <a:ext uri="{C183D7F6-B498-43B3-948B-1728B52AA6E4}">
+                <adec:decorative xmlns:adec="http://schemas.microsoft.com/office/drawing/2017/decorative" val="1"/>
+              </a:ext>
+            </a:extLst>
+          </p:cNvPr>
+          <p:cNvSpPr>
+            <a:spLocks noGrp="1" noRot="1" noChangeAspect="1" noMove="1" noResize="1" noEditPoints="1" noAdjustHandles="1" noChangeArrowheads="1" noChangeShapeType="1" noTextEdit="1"/>
+          </p:cNvSpPr>
+          <p:nvPr>
+            <p:extLst>
+              <p:ext uri="{386F3935-93C4-4BCD-93E2-E3B085C9AB24}">
+                <p16:designElem xmlns:p16="http://schemas.microsoft.com/office/powerpoint/2015/main" val="1"/>
+              </p:ext>
+            </p:extLst>
+          </p:nvPr>
+        </p:nvSpPr>
+        <p:spPr>
+          <a:xfrm>
+            <a:off x="643466" y="643466"/>
+            <a:ext cx="5364255" cy="2706794"/>
+          </a:xfrm>
+          <a:prstGeom prst="rect">
+            <a:avLst/>
+          </a:prstGeom>
+          <a:solidFill>
+            <a:srgbClr val="FFFFFF"/>
+          </a:solidFill>
+          <a:ln w="9525">
+            <a:noFill/>
+          </a:ln>
+          <a:effectLst>
+            <a:outerShdw blurRad="63500" dist="17780" dir="5400000" algn="t" rotWithShape="0">
+              <a:prstClr val="black">
+                <a:alpha val="43000"/>
+              </a:prstClr>
+            </a:outerShdw>
+          </a:effectLst>
+        </p:spPr>
+        <p:style>
+          <a:lnRef idx="2">
+            <a:schemeClr val="accent1">
+              <a:shade val="50000"/>
+            </a:schemeClr>
+          </a:lnRef>
+          <a:fillRef idx="1">
+            <a:schemeClr val="accent1"/>
+          </a:fillRef>
+          <a:effectRef idx="0">
+            <a:schemeClr val="accent1"/>
+          </a:effectRef>
+          <a:fontRef idx="minor">
+            <a:schemeClr val="lt1"/>
+          </a:fontRef>
+        </p:style>
+        <p:txBody>
+          <a:bodyPr rtlCol="0" anchor="ctr"/>
+          <a:lstStyle/>
+          <a:p>
+            <a:pPr algn="ctr"/>
+            <a:endParaRPr lang="en-US"/>
+          </a:p>
+        </p:txBody>
+      </p:sp>
       <p:pic>
         <p:nvPicPr>
-          <p:cNvPr id="4110" name="Picture 14">
+          <p:cNvPr id="5124" name="Picture 4">
             <a:extLst>
               <a:ext uri="{FF2B5EF4-FFF2-40B4-BE49-F238E27FC236}">
-                <a16:creationId xmlns:a16="http://schemas.microsoft.com/office/drawing/2014/main" id="{F814038F-26CE-7F70-F7CB-A3224B3EF65D}"/>
+                <a16:creationId xmlns:a16="http://schemas.microsoft.com/office/drawing/2014/main" id="{FEB37FD8-F52E-F056-840E-E6D4CE7A7716}"/>
               </a:ext>
             </a:extLst>
           </p:cNvPr>
@@ -15990,22 +16903,21 @@
           <p:nvPr/>
         </p:nvPicPr>
         <p:blipFill>
-          <a:blip r:embed="rId4">
+          <a:blip r:embed="rId2">
             <a:extLst>
               <a:ext uri="{28A0092B-C50C-407E-A947-70E740481C1C}">
                 <a14:useLocalDpi xmlns:a14="http://schemas.microsoft.com/office/drawing/2010/main" val="0"/>
               </a:ext>
             </a:extLst>
           </a:blip>
-          <a:srcRect/>
           <a:stretch>
             <a:fillRect/>
           </a:stretch>
         </p:blipFill>
         <p:spPr bwMode="auto">
           <a:xfrm>
-            <a:off x="5161572" y="3931878"/>
-            <a:ext cx="4525108" cy="2912040"/>
+            <a:off x="1311300" y="701369"/>
+            <a:ext cx="4010112" cy="2576498"/>
           </a:xfrm>
           <a:prstGeom prst="rect">
             <a:avLst/>
@@ -16022,62 +16934,73 @@
           </a:extLst>
         </p:spPr>
       </p:pic>
-    </p:spTree>
-    <p:extLst>
-      <p:ext uri="{BB962C8B-B14F-4D97-AF65-F5344CB8AC3E}">
-        <p14:creationId xmlns:p14="http://schemas.microsoft.com/office/powerpoint/2010/main" val="704490636"/>
-      </p:ext>
-    </p:extLst>
-  </p:cSld>
-  <p:clrMapOvr>
-    <a:masterClrMapping/>
-  </p:clrMapOvr>
-</p:sld>
-</file>
-
-<file path=ppt/slides/slide3.xml><?xml version="1.0" encoding="utf-8"?>
-<p:sld xmlns:a="http://schemas.openxmlformats.org/drawingml/2006/main" xmlns:r="http://schemas.openxmlformats.org/officeDocument/2006/relationships" xmlns:p="http://schemas.openxmlformats.org/presentationml/2006/main">
-  <p:cSld>
-    <p:spTree>
-      <p:nvGrpSpPr>
-        <p:cNvPr id="1" name=""/>
-        <p:cNvGrpSpPr/>
-        <p:nvPr/>
-      </p:nvGrpSpPr>
-      <p:grpSpPr>
-        <a:xfrm>
-          <a:off x="0" y="0"/>
-          <a:ext cx="0" cy="0"/>
-          <a:chOff x="0" y="0"/>
-          <a:chExt cx="0" cy="0"/>
-        </a:xfrm>
-      </p:grpSpPr>
       <p:sp>
         <p:nvSpPr>
-          <p:cNvPr id="2" name="Title 1">
+          <p:cNvPr id="5141" name="Rectangle 5140">
             <a:extLst>
               <a:ext uri="{FF2B5EF4-FFF2-40B4-BE49-F238E27FC236}">
-                <a16:creationId xmlns:a16="http://schemas.microsoft.com/office/drawing/2014/main" id="{9BF85437-D4D0-093F-B5E8-63E6264A124A}"/>
+                <a16:creationId xmlns:a16="http://schemas.microsoft.com/office/drawing/2014/main" id="{53059C5A-91CB-4024-9B4E-20082E25C70B}"/>
+              </a:ext>
+              <a:ext uri="{C183D7F6-B498-43B3-948B-1728B52AA6E4}">
+                <adec:decorative xmlns:adec="http://schemas.microsoft.com/office/drawing/2017/decorative" val="1"/>
               </a:ext>
             </a:extLst>
           </p:cNvPr>
           <p:cNvSpPr>
-            <a:spLocks noGrp="1"/>
+            <a:spLocks noGrp="1" noRot="1" noChangeAspect="1" noMove="1" noResize="1" noEditPoints="1" noAdjustHandles="1" noChangeArrowheads="1" noChangeShapeType="1" noTextEdit="1"/>
           </p:cNvSpPr>
           <p:nvPr>
-            <p:ph type="title"/>
+            <p:extLst>
+              <p:ext uri="{386F3935-93C4-4BCD-93E2-E3B085C9AB24}">
+                <p16:designElem xmlns:p16="http://schemas.microsoft.com/office/powerpoint/2015/main" val="1"/>
+              </p:ext>
+            </p:extLst>
           </p:nvPr>
         </p:nvSpPr>
-        <p:spPr/>
+        <p:spPr>
+          <a:xfrm>
+            <a:off x="6168589" y="643466"/>
+            <a:ext cx="5376806" cy="2706794"/>
+          </a:xfrm>
+          <a:prstGeom prst="rect">
+            <a:avLst/>
+          </a:prstGeom>
+          <a:solidFill>
+            <a:srgbClr val="FFFFFF"/>
+          </a:solidFill>
+          <a:ln w="9525">
+            <a:noFill/>
+          </a:ln>
+          <a:effectLst>
+            <a:outerShdw blurRad="63500" dist="17780" dir="5400000" algn="t" rotWithShape="0">
+              <a:prstClr val="black">
+                <a:alpha val="43000"/>
+              </a:prstClr>
+            </a:outerShdw>
+          </a:effectLst>
+        </p:spPr>
+        <p:style>
+          <a:lnRef idx="2">
+            <a:schemeClr val="accent1">
+              <a:shade val="50000"/>
+            </a:schemeClr>
+          </a:lnRef>
+          <a:fillRef idx="1">
+            <a:schemeClr val="accent1"/>
+          </a:fillRef>
+          <a:effectRef idx="0">
+            <a:schemeClr val="accent1"/>
+          </a:effectRef>
+          <a:fontRef idx="minor">
+            <a:schemeClr val="lt1"/>
+          </a:fontRef>
+        </p:style>
         <p:txBody>
-          <a:bodyPr/>
+          <a:bodyPr rtlCol="0" anchor="ctr"/>
           <a:lstStyle/>
           <a:p>
-            <a:r>
-              <a:rPr lang="en-US"/>
-              <a:t>EDA Plots</a:t>
-            </a:r>
-            <a:endParaRPr lang="en-IN" dirty="0"/>
+            <a:pPr algn="ctr"/>
+            <a:endParaRPr lang="en-US"/>
           </a:p>
         </p:txBody>
       </p:sp>
@@ -16096,22 +17019,21 @@
           <p:nvPr/>
         </p:nvPicPr>
         <p:blipFill>
-          <a:blip r:embed="rId2">
+          <a:blip r:embed="rId3">
             <a:extLst>
               <a:ext uri="{28A0092B-C50C-407E-A947-70E740481C1C}">
                 <a14:useLocalDpi xmlns:a14="http://schemas.microsoft.com/office/drawing/2010/main" val="0"/>
               </a:ext>
             </a:extLst>
           </a:blip>
-          <a:srcRect/>
           <a:stretch>
             <a:fillRect/>
           </a:stretch>
         </p:blipFill>
         <p:spPr bwMode="auto">
           <a:xfrm>
-            <a:off x="194307" y="2066410"/>
-            <a:ext cx="5304925" cy="3413875"/>
+            <a:off x="6842695" y="701369"/>
+            <a:ext cx="4010112" cy="2576498"/>
           </a:xfrm>
           <a:prstGeom prst="rect">
             <a:avLst/>
@@ -16128,12 +17050,82 @@
           </a:extLst>
         </p:spPr>
       </p:pic>
+      <p:sp>
+        <p:nvSpPr>
+          <p:cNvPr id="5137" name="Rectangle 5136">
+            <a:extLst>
+              <a:ext uri="{FF2B5EF4-FFF2-40B4-BE49-F238E27FC236}">
+                <a16:creationId xmlns:a16="http://schemas.microsoft.com/office/drawing/2014/main" id="{184884BF-A898-4EFF-9504-E13EBE3FF62E}"/>
+              </a:ext>
+              <a:ext uri="{C183D7F6-B498-43B3-948B-1728B52AA6E4}">
+                <adec:decorative xmlns:adec="http://schemas.microsoft.com/office/drawing/2017/decorative" val="1"/>
+              </a:ext>
+            </a:extLst>
+          </p:cNvPr>
+          <p:cNvSpPr>
+            <a:spLocks noGrp="1" noRot="1" noChangeAspect="1" noMove="1" noResize="1" noEditPoints="1" noAdjustHandles="1" noChangeArrowheads="1" noChangeShapeType="1" noTextEdit="1"/>
+          </p:cNvSpPr>
+          <p:nvPr>
+            <p:extLst>
+              <p:ext uri="{386F3935-93C4-4BCD-93E2-E3B085C9AB24}">
+                <p16:designElem xmlns:p16="http://schemas.microsoft.com/office/powerpoint/2015/main" val="1"/>
+              </p:ext>
+            </p:extLst>
+          </p:nvPr>
+        </p:nvSpPr>
+        <p:spPr>
+          <a:xfrm>
+            <a:off x="643466" y="3514513"/>
+            <a:ext cx="5364255" cy="2703406"/>
+          </a:xfrm>
+          <a:prstGeom prst="rect">
+            <a:avLst/>
+          </a:prstGeom>
+          <a:solidFill>
+            <a:srgbClr val="FFFFFF"/>
+          </a:solidFill>
+          <a:ln w="9525">
+            <a:noFill/>
+          </a:ln>
+          <a:effectLst>
+            <a:outerShdw blurRad="63500" dist="17780" dir="5400000" algn="t" rotWithShape="0">
+              <a:prstClr val="black">
+                <a:alpha val="43000"/>
+              </a:prstClr>
+            </a:outerShdw>
+          </a:effectLst>
+        </p:spPr>
+        <p:style>
+          <a:lnRef idx="2">
+            <a:schemeClr val="accent1">
+              <a:shade val="50000"/>
+            </a:schemeClr>
+          </a:lnRef>
+          <a:fillRef idx="1">
+            <a:schemeClr val="accent1"/>
+          </a:fillRef>
+          <a:effectRef idx="0">
+            <a:schemeClr val="accent1"/>
+          </a:effectRef>
+          <a:fontRef idx="minor">
+            <a:schemeClr val="lt1"/>
+          </a:fontRef>
+        </p:style>
+        <p:txBody>
+          <a:bodyPr rtlCol="0" anchor="ctr"/>
+          <a:lstStyle/>
+          <a:p>
+            <a:pPr algn="ctr"/>
+            <a:endParaRPr lang="en-US"/>
+          </a:p>
+        </p:txBody>
+      </p:sp>
       <p:pic>
         <p:nvPicPr>
-          <p:cNvPr id="5124" name="Picture 4">
+          <p:cNvPr id="4106" name="Picture 10">
             <a:extLst>
               <a:ext uri="{FF2B5EF4-FFF2-40B4-BE49-F238E27FC236}">
-                <a16:creationId xmlns:a16="http://schemas.microsoft.com/office/drawing/2014/main" id="{FEB37FD8-F52E-F056-840E-E6D4CE7A7716}"/>
+                <a16:creationId xmlns:a16="http://schemas.microsoft.com/office/drawing/2014/main" id="{4B0655CF-53BF-8C2A-1F2C-212E2AE736CC}"/>
               </a:ext>
             </a:extLst>
           </p:cNvPr>
@@ -16143,22 +17135,21 @@
           <p:nvPr/>
         </p:nvPicPr>
         <p:blipFill>
-          <a:blip r:embed="rId3">
+          <a:blip r:embed="rId4">
             <a:extLst>
               <a:ext uri="{28A0092B-C50C-407E-A947-70E740481C1C}">
                 <a14:useLocalDpi xmlns:a14="http://schemas.microsoft.com/office/drawing/2010/main" val="0"/>
               </a:ext>
             </a:extLst>
           </a:blip>
-          <a:srcRect/>
           <a:stretch>
             <a:fillRect/>
           </a:stretch>
         </p:blipFill>
         <p:spPr bwMode="auto">
           <a:xfrm>
-            <a:off x="6521976" y="0"/>
-            <a:ext cx="5046261" cy="3005614"/>
+            <a:off x="1318216" y="3572416"/>
+            <a:ext cx="4010112" cy="2576498"/>
           </a:xfrm>
           <a:prstGeom prst="rect">
             <a:avLst/>
@@ -16175,6 +17166,76 @@
           </a:extLst>
         </p:spPr>
       </p:pic>
+      <p:sp>
+        <p:nvSpPr>
+          <p:cNvPr id="5139" name="Rectangle 5138">
+            <a:extLst>
+              <a:ext uri="{FF2B5EF4-FFF2-40B4-BE49-F238E27FC236}">
+                <a16:creationId xmlns:a16="http://schemas.microsoft.com/office/drawing/2014/main" id="{7B32D337-FDA6-4468-ADB1-7038E5FC0BA9}"/>
+              </a:ext>
+              <a:ext uri="{C183D7F6-B498-43B3-948B-1728B52AA6E4}">
+                <adec:decorative xmlns:adec="http://schemas.microsoft.com/office/drawing/2017/decorative" val="1"/>
+              </a:ext>
+            </a:extLst>
+          </p:cNvPr>
+          <p:cNvSpPr>
+            <a:spLocks noGrp="1" noRot="1" noChangeAspect="1" noMove="1" noResize="1" noEditPoints="1" noAdjustHandles="1" noChangeArrowheads="1" noChangeShapeType="1" noTextEdit="1"/>
+          </p:cNvSpPr>
+          <p:nvPr>
+            <p:extLst>
+              <p:ext uri="{386F3935-93C4-4BCD-93E2-E3B085C9AB24}">
+                <p16:designElem xmlns:p16="http://schemas.microsoft.com/office/powerpoint/2015/main" val="1"/>
+              </p:ext>
+            </p:extLst>
+          </p:nvPr>
+        </p:nvSpPr>
+        <p:spPr>
+          <a:xfrm>
+            <a:off x="6168589" y="3514513"/>
+            <a:ext cx="5376806" cy="2706794"/>
+          </a:xfrm>
+          <a:prstGeom prst="rect">
+            <a:avLst/>
+          </a:prstGeom>
+          <a:solidFill>
+            <a:srgbClr val="FFFFFF"/>
+          </a:solidFill>
+          <a:ln w="9525">
+            <a:noFill/>
+          </a:ln>
+          <a:effectLst>
+            <a:outerShdw blurRad="63500" dist="17780" dir="5400000" algn="t" rotWithShape="0">
+              <a:prstClr val="black">
+                <a:alpha val="43000"/>
+              </a:prstClr>
+            </a:outerShdw>
+          </a:effectLst>
+        </p:spPr>
+        <p:style>
+          <a:lnRef idx="2">
+            <a:schemeClr val="accent1">
+              <a:shade val="50000"/>
+            </a:schemeClr>
+          </a:lnRef>
+          <a:fillRef idx="1">
+            <a:schemeClr val="accent1"/>
+          </a:fillRef>
+          <a:effectRef idx="0">
+            <a:schemeClr val="accent1"/>
+          </a:effectRef>
+          <a:fontRef idx="minor">
+            <a:schemeClr val="lt1"/>
+          </a:fontRef>
+        </p:style>
+        <p:txBody>
+          <a:bodyPr rtlCol="0" anchor="ctr"/>
+          <a:lstStyle/>
+          <a:p>
+            <a:pPr algn="ctr"/>
+            <a:endParaRPr lang="en-US"/>
+          </a:p>
+        </p:txBody>
+      </p:sp>
       <p:pic>
         <p:nvPicPr>
           <p:cNvPr id="5126" name="Picture 6">
@@ -16190,22 +17251,21 @@
           <p:nvPr/>
         </p:nvPicPr>
         <p:blipFill>
-          <a:blip r:embed="rId4">
+          <a:blip r:embed="rId5">
             <a:extLst>
               <a:ext uri="{28A0092B-C50C-407E-A947-70E740481C1C}">
                 <a14:useLocalDpi xmlns:a14="http://schemas.microsoft.com/office/drawing/2010/main" val="0"/>
               </a:ext>
             </a:extLst>
           </a:blip>
-          <a:srcRect/>
           <a:stretch>
             <a:fillRect/>
           </a:stretch>
         </p:blipFill>
         <p:spPr bwMode="auto">
           <a:xfrm>
-            <a:off x="5976613" y="2995017"/>
-            <a:ext cx="6136988" cy="3862983"/>
+            <a:off x="6802734" y="3572414"/>
+            <a:ext cx="4089679" cy="2576499"/>
           </a:xfrm>
           <a:prstGeom prst="rect">
             <a:avLst/>
@@ -18249,8 +19309,8 @@
         </p:blipFill>
         <p:spPr bwMode="auto">
           <a:xfrm>
-            <a:off x="6903834" y="68137"/>
-            <a:ext cx="4631674" cy="4272720"/>
+            <a:off x="6815345" y="68137"/>
+            <a:ext cx="4875211" cy="4272720"/>
           </a:xfrm>
           <a:prstGeom prst="rect">
             <a:avLst/>
@@ -18343,6 +19403,1285 @@
 <file path=ppt/slides/slide5.xml><?xml version="1.0" encoding="utf-8"?>
 <p:sld xmlns:a="http://schemas.openxmlformats.org/drawingml/2006/main" xmlns:r="http://schemas.openxmlformats.org/officeDocument/2006/relationships" xmlns:p="http://schemas.openxmlformats.org/presentationml/2006/main">
   <p:cSld>
+    <p:bg>
+      <p:bgPr>
+        <a:solidFill>
+          <a:schemeClr val="bg1"/>
+        </a:solidFill>
+        <a:effectLst/>
+      </p:bgPr>
+    </p:bg>
+    <p:spTree>
+      <p:nvGrpSpPr>
+        <p:cNvPr id="1" name=""/>
+        <p:cNvGrpSpPr/>
+        <p:nvPr/>
+      </p:nvGrpSpPr>
+      <p:grpSpPr>
+        <a:xfrm>
+          <a:off x="0" y="0"/>
+          <a:ext cx="0" cy="0"/>
+          <a:chOff x="0" y="0"/>
+          <a:chExt cx="0" cy="0"/>
+        </a:xfrm>
+      </p:grpSpPr>
+      <p:sp useBgFill="1">
+        <p:nvSpPr>
+          <p:cNvPr id="28" name="Rectangle 27">
+            <a:extLst>
+              <a:ext uri="{FF2B5EF4-FFF2-40B4-BE49-F238E27FC236}">
+                <a16:creationId xmlns:a16="http://schemas.microsoft.com/office/drawing/2014/main" id="{85F55C16-BC21-49EF-A4FF-C3155BB93BD3}"/>
+              </a:ext>
+              <a:ext uri="{C183D7F6-B498-43B3-948B-1728B52AA6E4}">
+                <adec:decorative xmlns:adec="http://schemas.microsoft.com/office/drawing/2017/decorative" val="1"/>
+              </a:ext>
+            </a:extLst>
+          </p:cNvPr>
+          <p:cNvSpPr>
+            <a:spLocks noGrp="1" noRot="1" noChangeAspect="1" noMove="1" noResize="1" noEditPoints="1" noAdjustHandles="1" noChangeArrowheads="1" noChangeShapeType="1" noTextEdit="1"/>
+          </p:cNvSpPr>
+          <p:nvPr>
+            <p:extLst>
+              <p:ext uri="{386F3935-93C4-4BCD-93E2-E3B085C9AB24}">
+                <p16:designElem xmlns:p16="http://schemas.microsoft.com/office/powerpoint/2015/main" val="1"/>
+              </p:ext>
+            </p:extLst>
+          </p:nvPr>
+        </p:nvSpPr>
+        <p:spPr>
+          <a:xfrm>
+            <a:off x="0" y="0"/>
+            <a:ext cx="12188952" cy="6858000"/>
+          </a:xfrm>
+          <a:prstGeom prst="rect">
+            <a:avLst/>
+          </a:prstGeom>
+          <a:ln>
+            <a:noFill/>
+          </a:ln>
+        </p:spPr>
+        <p:style>
+          <a:lnRef idx="2">
+            <a:schemeClr val="accent1">
+              <a:shade val="50000"/>
+            </a:schemeClr>
+          </a:lnRef>
+          <a:fillRef idx="1">
+            <a:schemeClr val="accent1"/>
+          </a:fillRef>
+          <a:effectRef idx="0">
+            <a:schemeClr val="accent1"/>
+          </a:effectRef>
+          <a:fontRef idx="minor">
+            <a:schemeClr val="lt1"/>
+          </a:fontRef>
+        </p:style>
+        <p:txBody>
+          <a:bodyPr rtlCol="0" anchor="ctr"/>
+          <a:lstStyle/>
+          <a:p>
+            <a:pPr algn="ctr"/>
+            <a:endParaRPr lang="en-US"/>
+          </a:p>
+        </p:txBody>
+      </p:sp>
+      <p:sp>
+        <p:nvSpPr>
+          <p:cNvPr id="2" name="Title 1">
+            <a:extLst>
+              <a:ext uri="{FF2B5EF4-FFF2-40B4-BE49-F238E27FC236}">
+                <a16:creationId xmlns:a16="http://schemas.microsoft.com/office/drawing/2014/main" id="{8255A7CD-F1A2-2CB5-9047-8DAE0C1E78BC}"/>
+              </a:ext>
+            </a:extLst>
+          </p:cNvPr>
+          <p:cNvSpPr>
+            <a:spLocks noGrp="1"/>
+          </p:cNvSpPr>
+          <p:nvPr>
+            <p:ph type="title"/>
+          </p:nvPr>
+        </p:nvSpPr>
+        <p:spPr>
+          <a:xfrm>
+            <a:off x="6513788" y="365125"/>
+            <a:ext cx="4840010" cy="1952744"/>
+          </a:xfrm>
+        </p:spPr>
+        <p:txBody>
+          <a:bodyPr>
+            <a:normAutofit/>
+          </a:bodyPr>
+          <a:lstStyle/>
+          <a:p>
+            <a:r>
+              <a:rPr lang="en-US" b="1"/>
+              <a:t>Feature Engineering Steps</a:t>
+            </a:r>
+            <a:endParaRPr lang="en-IN" b="1"/>
+          </a:p>
+        </p:txBody>
+      </p:sp>
+      <p:sp>
+        <p:nvSpPr>
+          <p:cNvPr id="30" name="Freeform: Shape 29">
+            <a:extLst>
+              <a:ext uri="{FF2B5EF4-FFF2-40B4-BE49-F238E27FC236}">
+                <a16:creationId xmlns:a16="http://schemas.microsoft.com/office/drawing/2014/main" id="{0C5F069E-AFE6-4825-8945-46F2918A5019}"/>
+              </a:ext>
+              <a:ext uri="{C183D7F6-B498-43B3-948B-1728B52AA6E4}">
+                <adec:decorative xmlns:adec="http://schemas.microsoft.com/office/drawing/2017/decorative" val="1"/>
+              </a:ext>
+            </a:extLst>
+          </p:cNvPr>
+          <p:cNvSpPr>
+            <a:spLocks noGrp="1" noRot="1" noChangeAspect="1" noMove="1" noResize="1" noEditPoints="1" noAdjustHandles="1" noChangeArrowheads="1" noChangeShapeType="1" noTextEdit="1"/>
+          </p:cNvSpPr>
+          <p:nvPr>
+            <p:extLst>
+              <p:ext uri="{386F3935-93C4-4BCD-93E2-E3B085C9AB24}">
+                <p16:designElem xmlns:p16="http://schemas.microsoft.com/office/powerpoint/2015/main" val="1"/>
+              </p:ext>
+            </p:extLst>
+          </p:nvPr>
+        </p:nvSpPr>
+        <p:spPr>
+          <a:xfrm>
+            <a:off x="3" y="0"/>
+            <a:ext cx="6116569" cy="6858000"/>
+          </a:xfrm>
+          <a:custGeom>
+            <a:avLst/>
+            <a:gdLst>
+              <a:gd name="connsiteX0" fmla="*/ 0 w 6116569"/>
+              <a:gd name="connsiteY0" fmla="*/ 0 h 6879321"/>
+              <a:gd name="connsiteX1" fmla="*/ 2935851 w 6116569"/>
+              <a:gd name="connsiteY1" fmla="*/ 0 h 6879321"/>
+              <a:gd name="connsiteX2" fmla="*/ 3238280 w 6116569"/>
+              <a:gd name="connsiteY2" fmla="*/ 31980 h 6879321"/>
+              <a:gd name="connsiteX3" fmla="*/ 3660541 w 6116569"/>
+              <a:gd name="connsiteY3" fmla="*/ 550772 h 6879321"/>
+              <a:gd name="connsiteX4" fmla="*/ 3808902 w 6116569"/>
+              <a:gd name="connsiteY4" fmla="*/ 589860 h 6879321"/>
+              <a:gd name="connsiteX5" fmla="*/ 4413762 w 6116569"/>
+              <a:gd name="connsiteY5" fmla="*/ 625393 h 6879321"/>
+              <a:gd name="connsiteX6" fmla="*/ 4567830 w 6116569"/>
+              <a:gd name="connsiteY6" fmla="*/ 721333 h 6879321"/>
+              <a:gd name="connsiteX7" fmla="*/ 4171247 w 6116569"/>
+              <a:gd name="connsiteY7" fmla="*/ 792401 h 6879321"/>
+              <a:gd name="connsiteX8" fmla="*/ 4376671 w 6116569"/>
+              <a:gd name="connsiteY8" fmla="*/ 842148 h 6879321"/>
+              <a:gd name="connsiteX9" fmla="*/ 4527887 w 6116569"/>
+              <a:gd name="connsiteY9" fmla="*/ 813722 h 6879321"/>
+              <a:gd name="connsiteX10" fmla="*/ 4633452 w 6116569"/>
+              <a:gd name="connsiteY10" fmla="*/ 799508 h 6879321"/>
+              <a:gd name="connsiteX11" fmla="*/ 4947293 w 6116569"/>
+              <a:gd name="connsiteY11" fmla="*/ 870576 h 6879321"/>
+              <a:gd name="connsiteX12" fmla="*/ 5263988 w 6116569"/>
+              <a:gd name="connsiteY12" fmla="*/ 820828 h 6879321"/>
+              <a:gd name="connsiteX13" fmla="*/ 5249723 w 6116569"/>
+              <a:gd name="connsiteY13" fmla="*/ 895449 h 6879321"/>
+              <a:gd name="connsiteX14" fmla="*/ 4744723 w 6116569"/>
+              <a:gd name="connsiteY14" fmla="*/ 1197485 h 6879321"/>
+              <a:gd name="connsiteX15" fmla="*/ 4767548 w 6116569"/>
+              <a:gd name="connsiteY15" fmla="*/ 1346727 h 6879321"/>
+              <a:gd name="connsiteX16" fmla="*/ 4539299 w 6116569"/>
+              <a:gd name="connsiteY16" fmla="*/ 1421348 h 6879321"/>
+              <a:gd name="connsiteX17" fmla="*/ 4607773 w 6116569"/>
+              <a:gd name="connsiteY17" fmla="*/ 1485309 h 6879321"/>
+              <a:gd name="connsiteX18" fmla="*/ 4579242 w 6116569"/>
+              <a:gd name="connsiteY18" fmla="*/ 1535055 h 6879321"/>
+              <a:gd name="connsiteX19" fmla="*/ 5278255 w 6116569"/>
+              <a:gd name="connsiteY19" fmla="*/ 1609676 h 6879321"/>
+              <a:gd name="connsiteX20" fmla="*/ 5771843 w 6116569"/>
+              <a:gd name="connsiteY20" fmla="*/ 1630997 h 6879321"/>
+              <a:gd name="connsiteX21" fmla="*/ 6105656 w 6116569"/>
+              <a:gd name="connsiteY21" fmla="*/ 1748257 h 6879321"/>
+              <a:gd name="connsiteX22" fmla="*/ 5691955 w 6116569"/>
+              <a:gd name="connsiteY22" fmla="*/ 2167555 h 6879321"/>
+              <a:gd name="connsiteX23" fmla="*/ 5475118 w 6116569"/>
+              <a:gd name="connsiteY23" fmla="*/ 2348776 h 6879321"/>
+              <a:gd name="connsiteX24" fmla="*/ 5826051 w 6116569"/>
+              <a:gd name="connsiteY24" fmla="*/ 2291922 h 6879321"/>
+              <a:gd name="connsiteX25" fmla="*/ 5552153 w 6116569"/>
+              <a:gd name="connsiteY25" fmla="*/ 2597513 h 6879321"/>
+              <a:gd name="connsiteX26" fmla="*/ 5603508 w 6116569"/>
+              <a:gd name="connsiteY26" fmla="*/ 2647260 h 6879321"/>
+              <a:gd name="connsiteX27" fmla="*/ 5700515 w 6116569"/>
+              <a:gd name="connsiteY27" fmla="*/ 2679240 h 6879321"/>
+              <a:gd name="connsiteX28" fmla="*/ 5246870 w 6116569"/>
+              <a:gd name="connsiteY28" fmla="*/ 2888889 h 6879321"/>
+              <a:gd name="connsiteX29" fmla="*/ 4836022 w 6116569"/>
+              <a:gd name="connsiteY29" fmla="*/ 3169605 h 6879321"/>
+              <a:gd name="connsiteX30" fmla="*/ 4736163 w 6116569"/>
+              <a:gd name="connsiteY30" fmla="*/ 3233565 h 6879321"/>
+              <a:gd name="connsiteX31" fmla="*/ 4853141 w 6116569"/>
+              <a:gd name="connsiteY31" fmla="*/ 3233565 h 6879321"/>
+              <a:gd name="connsiteX32" fmla="*/ 4944440 w 6116569"/>
+              <a:gd name="connsiteY32" fmla="*/ 3226459 h 6879321"/>
+              <a:gd name="connsiteX33" fmla="*/ 5109921 w 6116569"/>
+              <a:gd name="connsiteY33" fmla="*/ 3283313 h 6879321"/>
+              <a:gd name="connsiteX34" fmla="*/ 5694809 w 6116569"/>
+              <a:gd name="connsiteY34" fmla="*/ 3141178 h 6879321"/>
+              <a:gd name="connsiteX35" fmla="*/ 5566419 w 6116569"/>
+              <a:gd name="connsiteY35" fmla="*/ 3301079 h 6879321"/>
+              <a:gd name="connsiteX36" fmla="*/ 5415203 w 6116569"/>
+              <a:gd name="connsiteY36" fmla="*/ 3397020 h 6879321"/>
+              <a:gd name="connsiteX37" fmla="*/ 5612068 w 6116569"/>
+              <a:gd name="connsiteY37" fmla="*/ 3432554 h 6879321"/>
+              <a:gd name="connsiteX38" fmla="*/ 5206927 w 6116569"/>
+              <a:gd name="connsiteY38" fmla="*/ 3599562 h 6879321"/>
+              <a:gd name="connsiteX39" fmla="*/ 5301079 w 6116569"/>
+              <a:gd name="connsiteY39" fmla="*/ 3723930 h 6879321"/>
+              <a:gd name="connsiteX40" fmla="*/ 4507915 w 6116569"/>
+              <a:gd name="connsiteY40" fmla="*/ 4306683 h 6879321"/>
+              <a:gd name="connsiteX41" fmla="*/ 3982942 w 6116569"/>
+              <a:gd name="connsiteY41" fmla="*/ 4587399 h 6879321"/>
+              <a:gd name="connsiteX42" fmla="*/ 4185513 w 6116569"/>
+              <a:gd name="connsiteY42" fmla="*/ 4541205 h 6879321"/>
+              <a:gd name="connsiteX43" fmla="*/ 5212633 w 6116569"/>
+              <a:gd name="connsiteY43" fmla="*/ 4455924 h 6879321"/>
+              <a:gd name="connsiteX44" fmla="*/ 5312492 w 6116569"/>
+              <a:gd name="connsiteY44" fmla="*/ 4473691 h 6879321"/>
+              <a:gd name="connsiteX45" fmla="*/ 4596361 w 6116569"/>
+              <a:gd name="connsiteY45" fmla="*/ 4818368 h 6879321"/>
+              <a:gd name="connsiteX46" fmla="*/ 4873113 w 6116569"/>
+              <a:gd name="connsiteY46" fmla="*/ 4885882 h 6879321"/>
+              <a:gd name="connsiteX47" fmla="*/ 4935881 w 6116569"/>
+              <a:gd name="connsiteY47" fmla="*/ 4914309 h 6879321"/>
+              <a:gd name="connsiteX48" fmla="*/ 4873113 w 6116569"/>
+              <a:gd name="connsiteY48" fmla="*/ 5003143 h 6879321"/>
+              <a:gd name="connsiteX49" fmla="*/ 4721898 w 6116569"/>
+              <a:gd name="connsiteY49" fmla="*/ 5095530 h 6879321"/>
+              <a:gd name="connsiteX50" fmla="*/ 5132745 w 6116569"/>
+              <a:gd name="connsiteY50" fmla="*/ 4949842 h 6879321"/>
+              <a:gd name="connsiteX51" fmla="*/ 5101362 w 6116569"/>
+              <a:gd name="connsiteY51" fmla="*/ 5081317 h 6879321"/>
+              <a:gd name="connsiteX52" fmla="*/ 5138452 w 6116569"/>
+              <a:gd name="connsiteY52" fmla="*/ 5198578 h 6879321"/>
+              <a:gd name="connsiteX53" fmla="*/ 4904497 w 6116569"/>
+              <a:gd name="connsiteY53" fmla="*/ 5362033 h 6879321"/>
+              <a:gd name="connsiteX54" fmla="*/ 4579242 w 6116569"/>
+              <a:gd name="connsiteY54" fmla="*/ 5674729 h 6879321"/>
+              <a:gd name="connsiteX55" fmla="*/ 4253988 w 6116569"/>
+              <a:gd name="connsiteY55" fmla="*/ 5884379 h 6879321"/>
+              <a:gd name="connsiteX56" fmla="*/ 3985795 w 6116569"/>
+              <a:gd name="connsiteY56" fmla="*/ 6069153 h 6879321"/>
+              <a:gd name="connsiteX57" fmla="*/ 4231163 w 6116569"/>
+              <a:gd name="connsiteY57" fmla="*/ 6030066 h 6879321"/>
+              <a:gd name="connsiteX58" fmla="*/ 3814609 w 6116569"/>
+              <a:gd name="connsiteY58" fmla="*/ 6317889 h 6879321"/>
+              <a:gd name="connsiteX59" fmla="*/ 3751840 w 6116569"/>
+              <a:gd name="connsiteY59" fmla="*/ 6339209 h 6879321"/>
+              <a:gd name="connsiteX60" fmla="*/ 3089919 w 6116569"/>
+              <a:gd name="connsiteY60" fmla="*/ 6563071 h 6879321"/>
+              <a:gd name="connsiteX61" fmla="*/ 2961529 w 6116569"/>
+              <a:gd name="connsiteY61" fmla="*/ 6662566 h 6879321"/>
+              <a:gd name="connsiteX62" fmla="*/ 3107038 w 6116569"/>
+              <a:gd name="connsiteY62" fmla="*/ 6673226 h 6879321"/>
+              <a:gd name="connsiteX63" fmla="*/ 3594919 w 6116569"/>
+              <a:gd name="connsiteY63" fmla="*/ 6591499 h 6879321"/>
+              <a:gd name="connsiteX64" fmla="*/ 3261106 w 6116569"/>
+              <a:gd name="connsiteY64" fmla="*/ 6726527 h 6879321"/>
+              <a:gd name="connsiteX65" fmla="*/ 3620597 w 6116569"/>
+              <a:gd name="connsiteY65" fmla="*/ 6740740 h 6879321"/>
+              <a:gd name="connsiteX66" fmla="*/ 3703337 w 6116569"/>
+              <a:gd name="connsiteY66" fmla="*/ 6826020 h 6879321"/>
+              <a:gd name="connsiteX67" fmla="*/ 3689072 w 6116569"/>
+              <a:gd name="connsiteY67" fmla="*/ 6879321 h 6879321"/>
+              <a:gd name="connsiteX68" fmla="*/ 0 w 6116569"/>
+              <a:gd name="connsiteY68" fmla="*/ 6879321 h 6879321"/>
+            </a:gdLst>
+            <a:ahLst/>
+            <a:cxnLst>
+              <a:cxn ang="0">
+                <a:pos x="connsiteX0" y="connsiteY0"/>
+              </a:cxn>
+              <a:cxn ang="0">
+                <a:pos x="connsiteX1" y="connsiteY1"/>
+              </a:cxn>
+              <a:cxn ang="0">
+                <a:pos x="connsiteX2" y="connsiteY2"/>
+              </a:cxn>
+              <a:cxn ang="0">
+                <a:pos x="connsiteX3" y="connsiteY3"/>
+              </a:cxn>
+              <a:cxn ang="0">
+                <a:pos x="connsiteX4" y="connsiteY4"/>
+              </a:cxn>
+              <a:cxn ang="0">
+                <a:pos x="connsiteX5" y="connsiteY5"/>
+              </a:cxn>
+              <a:cxn ang="0">
+                <a:pos x="connsiteX6" y="connsiteY6"/>
+              </a:cxn>
+              <a:cxn ang="0">
+                <a:pos x="connsiteX7" y="connsiteY7"/>
+              </a:cxn>
+              <a:cxn ang="0">
+                <a:pos x="connsiteX8" y="connsiteY8"/>
+              </a:cxn>
+              <a:cxn ang="0">
+                <a:pos x="connsiteX9" y="connsiteY9"/>
+              </a:cxn>
+              <a:cxn ang="0">
+                <a:pos x="connsiteX10" y="connsiteY10"/>
+              </a:cxn>
+              <a:cxn ang="0">
+                <a:pos x="connsiteX11" y="connsiteY11"/>
+              </a:cxn>
+              <a:cxn ang="0">
+                <a:pos x="connsiteX12" y="connsiteY12"/>
+              </a:cxn>
+              <a:cxn ang="0">
+                <a:pos x="connsiteX13" y="connsiteY13"/>
+              </a:cxn>
+              <a:cxn ang="0">
+                <a:pos x="connsiteX14" y="connsiteY14"/>
+              </a:cxn>
+              <a:cxn ang="0">
+                <a:pos x="connsiteX15" y="connsiteY15"/>
+              </a:cxn>
+              <a:cxn ang="0">
+                <a:pos x="connsiteX16" y="connsiteY16"/>
+              </a:cxn>
+              <a:cxn ang="0">
+                <a:pos x="connsiteX17" y="connsiteY17"/>
+              </a:cxn>
+              <a:cxn ang="0">
+                <a:pos x="connsiteX18" y="connsiteY18"/>
+              </a:cxn>
+              <a:cxn ang="0">
+                <a:pos x="connsiteX19" y="connsiteY19"/>
+              </a:cxn>
+              <a:cxn ang="0">
+                <a:pos x="connsiteX20" y="connsiteY20"/>
+              </a:cxn>
+              <a:cxn ang="0">
+                <a:pos x="connsiteX21" y="connsiteY21"/>
+              </a:cxn>
+              <a:cxn ang="0">
+                <a:pos x="connsiteX22" y="connsiteY22"/>
+              </a:cxn>
+              <a:cxn ang="0">
+                <a:pos x="connsiteX23" y="connsiteY23"/>
+              </a:cxn>
+              <a:cxn ang="0">
+                <a:pos x="connsiteX24" y="connsiteY24"/>
+              </a:cxn>
+              <a:cxn ang="0">
+                <a:pos x="connsiteX25" y="connsiteY25"/>
+              </a:cxn>
+              <a:cxn ang="0">
+                <a:pos x="connsiteX26" y="connsiteY26"/>
+              </a:cxn>
+              <a:cxn ang="0">
+                <a:pos x="connsiteX27" y="connsiteY27"/>
+              </a:cxn>
+              <a:cxn ang="0">
+                <a:pos x="connsiteX28" y="connsiteY28"/>
+              </a:cxn>
+              <a:cxn ang="0">
+                <a:pos x="connsiteX29" y="connsiteY29"/>
+              </a:cxn>
+              <a:cxn ang="0">
+                <a:pos x="connsiteX30" y="connsiteY30"/>
+              </a:cxn>
+              <a:cxn ang="0">
+                <a:pos x="connsiteX31" y="connsiteY31"/>
+              </a:cxn>
+              <a:cxn ang="0">
+                <a:pos x="connsiteX32" y="connsiteY32"/>
+              </a:cxn>
+              <a:cxn ang="0">
+                <a:pos x="connsiteX33" y="connsiteY33"/>
+              </a:cxn>
+              <a:cxn ang="0">
+                <a:pos x="connsiteX34" y="connsiteY34"/>
+              </a:cxn>
+              <a:cxn ang="0">
+                <a:pos x="connsiteX35" y="connsiteY35"/>
+              </a:cxn>
+              <a:cxn ang="0">
+                <a:pos x="connsiteX36" y="connsiteY36"/>
+              </a:cxn>
+              <a:cxn ang="0">
+                <a:pos x="connsiteX37" y="connsiteY37"/>
+              </a:cxn>
+              <a:cxn ang="0">
+                <a:pos x="connsiteX38" y="connsiteY38"/>
+              </a:cxn>
+              <a:cxn ang="0">
+                <a:pos x="connsiteX39" y="connsiteY39"/>
+              </a:cxn>
+              <a:cxn ang="0">
+                <a:pos x="connsiteX40" y="connsiteY40"/>
+              </a:cxn>
+              <a:cxn ang="0">
+                <a:pos x="connsiteX41" y="connsiteY41"/>
+              </a:cxn>
+              <a:cxn ang="0">
+                <a:pos x="connsiteX42" y="connsiteY42"/>
+              </a:cxn>
+              <a:cxn ang="0">
+                <a:pos x="connsiteX43" y="connsiteY43"/>
+              </a:cxn>
+              <a:cxn ang="0">
+                <a:pos x="connsiteX44" y="connsiteY44"/>
+              </a:cxn>
+              <a:cxn ang="0">
+                <a:pos x="connsiteX45" y="connsiteY45"/>
+              </a:cxn>
+              <a:cxn ang="0">
+                <a:pos x="connsiteX46" y="connsiteY46"/>
+              </a:cxn>
+              <a:cxn ang="0">
+                <a:pos x="connsiteX47" y="connsiteY47"/>
+              </a:cxn>
+              <a:cxn ang="0">
+                <a:pos x="connsiteX48" y="connsiteY48"/>
+              </a:cxn>
+              <a:cxn ang="0">
+                <a:pos x="connsiteX49" y="connsiteY49"/>
+              </a:cxn>
+              <a:cxn ang="0">
+                <a:pos x="connsiteX50" y="connsiteY50"/>
+              </a:cxn>
+              <a:cxn ang="0">
+                <a:pos x="connsiteX51" y="connsiteY51"/>
+              </a:cxn>
+              <a:cxn ang="0">
+                <a:pos x="connsiteX52" y="connsiteY52"/>
+              </a:cxn>
+              <a:cxn ang="0">
+                <a:pos x="connsiteX53" y="connsiteY53"/>
+              </a:cxn>
+              <a:cxn ang="0">
+                <a:pos x="connsiteX54" y="connsiteY54"/>
+              </a:cxn>
+              <a:cxn ang="0">
+                <a:pos x="connsiteX55" y="connsiteY55"/>
+              </a:cxn>
+              <a:cxn ang="0">
+                <a:pos x="connsiteX56" y="connsiteY56"/>
+              </a:cxn>
+              <a:cxn ang="0">
+                <a:pos x="connsiteX57" y="connsiteY57"/>
+              </a:cxn>
+              <a:cxn ang="0">
+                <a:pos x="connsiteX58" y="connsiteY58"/>
+              </a:cxn>
+              <a:cxn ang="0">
+                <a:pos x="connsiteX59" y="connsiteY59"/>
+              </a:cxn>
+              <a:cxn ang="0">
+                <a:pos x="connsiteX60" y="connsiteY60"/>
+              </a:cxn>
+              <a:cxn ang="0">
+                <a:pos x="connsiteX61" y="connsiteY61"/>
+              </a:cxn>
+              <a:cxn ang="0">
+                <a:pos x="connsiteX62" y="connsiteY62"/>
+              </a:cxn>
+              <a:cxn ang="0">
+                <a:pos x="connsiteX63" y="connsiteY63"/>
+              </a:cxn>
+              <a:cxn ang="0">
+                <a:pos x="connsiteX64" y="connsiteY64"/>
+              </a:cxn>
+              <a:cxn ang="0">
+                <a:pos x="connsiteX65" y="connsiteY65"/>
+              </a:cxn>
+              <a:cxn ang="0">
+                <a:pos x="connsiteX66" y="connsiteY66"/>
+              </a:cxn>
+              <a:cxn ang="0">
+                <a:pos x="connsiteX67" y="connsiteY67"/>
+              </a:cxn>
+              <a:cxn ang="0">
+                <a:pos x="connsiteX68" y="connsiteY68"/>
+              </a:cxn>
+            </a:cxnLst>
+            <a:rect l="l" t="t" r="r" b="b"/>
+            <a:pathLst>
+              <a:path w="6116569" h="6879321">
+                <a:moveTo>
+                  <a:pt x="0" y="0"/>
+                </a:moveTo>
+                <a:lnTo>
+                  <a:pt x="2935851" y="0"/>
+                </a:lnTo>
+                <a:cubicBezTo>
+                  <a:pt x="3035710" y="10660"/>
+                  <a:pt x="3138421" y="17767"/>
+                  <a:pt x="3238280" y="31980"/>
+                </a:cubicBezTo>
+                <a:cubicBezTo>
+                  <a:pt x="3817462" y="106602"/>
+                  <a:pt x="3127009" y="277163"/>
+                  <a:pt x="3660541" y="550772"/>
+                </a:cubicBezTo>
+                <a:cubicBezTo>
+                  <a:pt x="3706191" y="575645"/>
+                  <a:pt x="3757546" y="579199"/>
+                  <a:pt x="3808902" y="589860"/>
+                </a:cubicBezTo>
+                <a:cubicBezTo>
+                  <a:pt x="4008620" y="625393"/>
+                  <a:pt x="4211192" y="618286"/>
+                  <a:pt x="4413762" y="625393"/>
+                </a:cubicBezTo>
+                <a:cubicBezTo>
+                  <a:pt x="4465118" y="628946"/>
+                  <a:pt x="4525033" y="625393"/>
+                  <a:pt x="4567830" y="721333"/>
+                </a:cubicBezTo>
+                <a:cubicBezTo>
+                  <a:pt x="4425175" y="724888"/>
+                  <a:pt x="4305344" y="731994"/>
+                  <a:pt x="4171247" y="792401"/>
+                </a:cubicBezTo>
+                <a:cubicBezTo>
+                  <a:pt x="4239722" y="859916"/>
+                  <a:pt x="4322462" y="795955"/>
+                  <a:pt x="4376671" y="842148"/>
+                </a:cubicBezTo>
+                <a:cubicBezTo>
+                  <a:pt x="4428027" y="888342"/>
+                  <a:pt x="4470824" y="891896"/>
+                  <a:pt x="4527887" y="813722"/>
+                </a:cubicBezTo>
+                <a:cubicBezTo>
+                  <a:pt x="4556417" y="774634"/>
+                  <a:pt x="4604920" y="778187"/>
+                  <a:pt x="4633452" y="799508"/>
+                </a:cubicBezTo>
+                <a:cubicBezTo>
+                  <a:pt x="4781813" y="913216"/>
+                  <a:pt x="4778960" y="909662"/>
+                  <a:pt x="4947293" y="870576"/>
+                </a:cubicBezTo>
+                <a:cubicBezTo>
+                  <a:pt x="5055712" y="845701"/>
+                  <a:pt x="5166983" y="806615"/>
+                  <a:pt x="5263988" y="820828"/>
+                </a:cubicBezTo>
+                <a:cubicBezTo>
+                  <a:pt x="5275401" y="867022"/>
+                  <a:pt x="5263988" y="888342"/>
+                  <a:pt x="5249723" y="895449"/>
+                </a:cubicBezTo>
+                <a:cubicBezTo>
+                  <a:pt x="5021475" y="1005604"/>
+                  <a:pt x="4975825" y="1122864"/>
+                  <a:pt x="4744723" y="1197485"/>
+                </a:cubicBezTo>
+                <a:cubicBezTo>
+                  <a:pt x="4724751" y="1268552"/>
+                  <a:pt x="4807491" y="1275660"/>
+                  <a:pt x="4767548" y="1346727"/>
+                </a:cubicBezTo>
+                <a:cubicBezTo>
+                  <a:pt x="4693367" y="1407134"/>
+                  <a:pt x="4610627" y="1346727"/>
+                  <a:pt x="4539299" y="1421348"/>
+                </a:cubicBezTo>
+                <a:cubicBezTo>
+                  <a:pt x="4550712" y="1471094"/>
+                  <a:pt x="4610627" y="1432008"/>
+                  <a:pt x="4607773" y="1485309"/>
+                </a:cubicBezTo>
+                <a:cubicBezTo>
+                  <a:pt x="4604920" y="1517288"/>
+                  <a:pt x="4593508" y="1527948"/>
+                  <a:pt x="4579242" y="1535055"/>
+                </a:cubicBezTo>
+                <a:cubicBezTo>
+                  <a:pt x="4776107" y="1538608"/>
+                  <a:pt x="5383820" y="1574142"/>
+                  <a:pt x="5278255" y="1609676"/>
+                </a:cubicBezTo>
+                <a:cubicBezTo>
+                  <a:pt x="5418057" y="1698511"/>
+                  <a:pt x="5623481" y="1609676"/>
+                  <a:pt x="5771843" y="1630997"/>
+                </a:cubicBezTo>
+                <a:cubicBezTo>
+                  <a:pt x="5925911" y="1652316"/>
+                  <a:pt x="6171278" y="1719830"/>
+                  <a:pt x="6105656" y="1748257"/>
+                </a:cubicBezTo>
+                <a:cubicBezTo>
+                  <a:pt x="6031475" y="1780238"/>
+                  <a:pt x="5766136" y="2146235"/>
+                  <a:pt x="5691955" y="2167555"/>
+                </a:cubicBezTo>
+                <a:cubicBezTo>
+                  <a:pt x="5606362" y="2188875"/>
+                  <a:pt x="5589243" y="2217302"/>
+                  <a:pt x="5475118" y="2348776"/>
+                </a:cubicBezTo>
+                <a:cubicBezTo>
+                  <a:pt x="5398085" y="2437610"/>
+                  <a:pt x="5709074" y="2238623"/>
+                  <a:pt x="5826051" y="2291922"/>
+                </a:cubicBezTo>
+                <a:cubicBezTo>
+                  <a:pt x="5868848" y="2309690"/>
+                  <a:pt x="5552153" y="2554872"/>
+                  <a:pt x="5552153" y="2597513"/>
+                </a:cubicBezTo>
+                <a:cubicBezTo>
+                  <a:pt x="5549300" y="2640153"/>
+                  <a:pt x="5577831" y="2647260"/>
+                  <a:pt x="5603508" y="2647260"/>
+                </a:cubicBezTo>
+                <a:cubicBezTo>
+                  <a:pt x="5660571" y="2647260"/>
+                  <a:pt x="5640599" y="2686346"/>
+                  <a:pt x="5700515" y="2679240"/>
+                </a:cubicBezTo>
+                <a:cubicBezTo>
+                  <a:pt x="5523622" y="2800055"/>
+                  <a:pt x="5418057" y="2778734"/>
+                  <a:pt x="5246870" y="2888889"/>
+                </a:cubicBezTo>
+                <a:cubicBezTo>
+                  <a:pt x="5164130" y="2942189"/>
+                  <a:pt x="4921615" y="3119857"/>
+                  <a:pt x="4836022" y="3169605"/>
+                </a:cubicBezTo>
+                <a:cubicBezTo>
+                  <a:pt x="4801785" y="3187371"/>
+                  <a:pt x="4758988" y="3173158"/>
+                  <a:pt x="4736163" y="3233565"/>
+                </a:cubicBezTo>
+                <a:cubicBezTo>
+                  <a:pt x="4770400" y="3279759"/>
+                  <a:pt x="4816050" y="3254885"/>
+                  <a:pt x="4853141" y="3233565"/>
+                </a:cubicBezTo>
+                <a:cubicBezTo>
+                  <a:pt x="4944440" y="3176711"/>
+                  <a:pt x="4935881" y="3190925"/>
+                  <a:pt x="4944440" y="3226459"/>
+                </a:cubicBezTo>
+                <a:cubicBezTo>
+                  <a:pt x="4972972" y="3350827"/>
+                  <a:pt x="5044300" y="3308186"/>
+                  <a:pt x="5109921" y="3283313"/>
+                </a:cubicBezTo>
+                <a:cubicBezTo>
+                  <a:pt x="5303932" y="3208692"/>
+                  <a:pt x="5500797" y="3215799"/>
+                  <a:pt x="5694809" y="3141178"/>
+                </a:cubicBezTo>
+                <a:cubicBezTo>
+                  <a:pt x="5714781" y="3134070"/>
+                  <a:pt x="5612068" y="3283313"/>
+                  <a:pt x="5566419" y="3301079"/>
+                </a:cubicBezTo>
+                <a:cubicBezTo>
+                  <a:pt x="5515063" y="3322399"/>
+                  <a:pt x="5452294" y="3311739"/>
+                  <a:pt x="5415203" y="3397020"/>
+                </a:cubicBezTo>
+                <a:cubicBezTo>
+                  <a:pt x="5477972" y="3414787"/>
+                  <a:pt x="5552153" y="3372147"/>
+                  <a:pt x="5612068" y="3432554"/>
+                </a:cubicBezTo>
+                <a:cubicBezTo>
+                  <a:pt x="5469413" y="3528494"/>
+                  <a:pt x="5329610" y="3535601"/>
+                  <a:pt x="5206927" y="3599562"/>
+                </a:cubicBezTo>
+                <a:cubicBezTo>
+                  <a:pt x="5192661" y="3706163"/>
+                  <a:pt x="5272548" y="3663523"/>
+                  <a:pt x="5301079" y="3723930"/>
+                </a:cubicBezTo>
+                <a:cubicBezTo>
+                  <a:pt x="5072830" y="3844745"/>
+                  <a:pt x="4564977" y="4232062"/>
+                  <a:pt x="4507915" y="4306683"/>
+                </a:cubicBezTo>
+                <a:cubicBezTo>
+                  <a:pt x="4390937" y="4463031"/>
+                  <a:pt x="3900202" y="4562525"/>
+                  <a:pt x="3982942" y="4587399"/>
+                </a:cubicBezTo>
+                <a:cubicBezTo>
+                  <a:pt x="4051417" y="4608719"/>
+                  <a:pt x="4119891" y="4587399"/>
+                  <a:pt x="4185513" y="4541205"/>
+                </a:cubicBezTo>
+                <a:cubicBezTo>
+                  <a:pt x="4291078" y="4466584"/>
+                  <a:pt x="5010062" y="4523438"/>
+                  <a:pt x="5212633" y="4455924"/>
+                </a:cubicBezTo>
+                <a:cubicBezTo>
+                  <a:pt x="5241164" y="4445264"/>
+                  <a:pt x="5283960" y="4409730"/>
+                  <a:pt x="5312492" y="4473691"/>
+                </a:cubicBezTo>
+                <a:cubicBezTo>
+                  <a:pt x="5098508" y="4704659"/>
+                  <a:pt x="4833169" y="4654913"/>
+                  <a:pt x="4596361" y="4818368"/>
+                </a:cubicBezTo>
+                <a:cubicBezTo>
+                  <a:pt x="4684807" y="4917861"/>
+                  <a:pt x="4776107" y="4907202"/>
+                  <a:pt x="4873113" y="4885882"/>
+                </a:cubicBezTo>
+                <a:cubicBezTo>
+                  <a:pt x="4895938" y="4878775"/>
+                  <a:pt x="4930175" y="4871668"/>
+                  <a:pt x="4935881" y="4914309"/>
+                </a:cubicBezTo>
+                <a:cubicBezTo>
+                  <a:pt x="4941587" y="4967609"/>
+                  <a:pt x="4898790" y="4978270"/>
+                  <a:pt x="4873113" y="5003143"/>
+                </a:cubicBezTo>
+                <a:cubicBezTo>
+                  <a:pt x="4833169" y="5038676"/>
+                  <a:pt x="4773254" y="4999590"/>
+                  <a:pt x="4721898" y="5095530"/>
+                </a:cubicBezTo>
+                <a:cubicBezTo>
+                  <a:pt x="4873113" y="5067104"/>
+                  <a:pt x="4998650" y="5020910"/>
+                  <a:pt x="5132745" y="4949842"/>
+                </a:cubicBezTo>
+                <a:cubicBezTo>
+                  <a:pt x="5121333" y="5006696"/>
+                  <a:pt x="5081390" y="5035123"/>
+                  <a:pt x="5101362" y="5081317"/>
+                </a:cubicBezTo>
+                <a:cubicBezTo>
+                  <a:pt x="5118480" y="5116850"/>
+                  <a:pt x="5164130" y="5131063"/>
+                  <a:pt x="5138452" y="5198578"/>
+                </a:cubicBezTo>
+                <a:cubicBezTo>
+                  <a:pt x="5067125" y="5273199"/>
+                  <a:pt x="4967265" y="5258986"/>
+                  <a:pt x="4904497" y="5362033"/>
+                </a:cubicBezTo>
+                <a:cubicBezTo>
+                  <a:pt x="4818903" y="5507721"/>
+                  <a:pt x="4684807" y="5564575"/>
+                  <a:pt x="4579242" y="5674729"/>
+                </a:cubicBezTo>
+                <a:cubicBezTo>
+                  <a:pt x="4545005" y="5713816"/>
+                  <a:pt x="4313903" y="5841738"/>
+                  <a:pt x="4253988" y="5884379"/>
+                </a:cubicBezTo>
+                <a:cubicBezTo>
+                  <a:pt x="4168395" y="5944786"/>
+                  <a:pt x="4071389" y="5966106"/>
+                  <a:pt x="3985795" y="6069153"/>
+                </a:cubicBezTo>
+                <a:cubicBezTo>
+                  <a:pt x="4065682" y="6086921"/>
+                  <a:pt x="4134157" y="5990979"/>
+                  <a:pt x="4231163" y="6030066"/>
+                </a:cubicBezTo>
+                <a:cubicBezTo>
+                  <a:pt x="4074242" y="6133114"/>
+                  <a:pt x="3931586" y="6182861"/>
+                  <a:pt x="3814609" y="6317889"/>
+                </a:cubicBezTo>
+                <a:cubicBezTo>
+                  <a:pt x="3800343" y="6335656"/>
+                  <a:pt x="3771812" y="6332102"/>
+                  <a:pt x="3751840" y="6339209"/>
+                </a:cubicBezTo>
+                <a:cubicBezTo>
+                  <a:pt x="3529298" y="6406723"/>
+                  <a:pt x="3309608" y="6467130"/>
+                  <a:pt x="3089919" y="6563071"/>
+                </a:cubicBezTo>
+                <a:cubicBezTo>
+                  <a:pt x="3041416" y="6584392"/>
+                  <a:pt x="2955823" y="6595052"/>
+                  <a:pt x="2961529" y="6662566"/>
+                </a:cubicBezTo>
+                <a:cubicBezTo>
+                  <a:pt x="2972941" y="6765613"/>
+                  <a:pt x="3055681" y="6687439"/>
+                  <a:pt x="3107038" y="6673226"/>
+                </a:cubicBezTo>
+                <a:cubicBezTo>
+                  <a:pt x="3269664" y="6634138"/>
+                  <a:pt x="3432292" y="6570178"/>
+                  <a:pt x="3594919" y="6591499"/>
+                </a:cubicBezTo>
+                <a:cubicBezTo>
+                  <a:pt x="3483648" y="6637693"/>
+                  <a:pt x="3372376" y="6680332"/>
+                  <a:pt x="3261106" y="6726527"/>
+                </a:cubicBezTo>
+                <a:cubicBezTo>
+                  <a:pt x="3386642" y="6705206"/>
+                  <a:pt x="3495061" y="6786934"/>
+                  <a:pt x="3620597" y="6740740"/>
+                </a:cubicBezTo>
+                <a:cubicBezTo>
+                  <a:pt x="3660541" y="6726527"/>
+                  <a:pt x="3700484" y="6765613"/>
+                  <a:pt x="3703337" y="6826020"/>
+                </a:cubicBezTo>
+                <a:cubicBezTo>
+                  <a:pt x="3706191" y="6847340"/>
+                  <a:pt x="3700484" y="6865108"/>
+                  <a:pt x="3689072" y="6879321"/>
+                </a:cubicBezTo>
+                <a:lnTo>
+                  <a:pt x="0" y="6879321"/>
+                </a:lnTo>
+                <a:close/>
+              </a:path>
+            </a:pathLst>
+          </a:custGeom>
+          <a:solidFill>
+            <a:schemeClr val="tx1">
+              <a:lumMod val="85000"/>
+              <a:lumOff val="15000"/>
+            </a:schemeClr>
+          </a:solidFill>
+          <a:ln>
+            <a:noFill/>
+          </a:ln>
+        </p:spPr>
+        <p:style>
+          <a:lnRef idx="2">
+            <a:schemeClr val="accent1">
+              <a:shade val="50000"/>
+            </a:schemeClr>
+          </a:lnRef>
+          <a:fillRef idx="1">
+            <a:schemeClr val="accent1"/>
+          </a:fillRef>
+          <a:effectRef idx="0">
+            <a:schemeClr val="accent1"/>
+          </a:effectRef>
+          <a:fontRef idx="minor">
+            <a:schemeClr val="lt1"/>
+          </a:fontRef>
+        </p:style>
+        <p:txBody>
+          <a:bodyPr wrap="square" rtlCol="0" anchor="ctr">
+            <a:noAutofit/>
+          </a:bodyPr>
+          <a:lstStyle/>
+          <a:p>
+            <a:pPr algn="ctr"/>
+            <a:endParaRPr lang="en-US"/>
+          </a:p>
+        </p:txBody>
+      </p:sp>
+      <p:pic>
+        <p:nvPicPr>
+          <p:cNvPr id="8" name="Graphic 7" descr="Laptop Secure">
+            <a:extLst>
+              <a:ext uri="{FF2B5EF4-FFF2-40B4-BE49-F238E27FC236}">
+                <a16:creationId xmlns:a16="http://schemas.microsoft.com/office/drawing/2014/main" id="{6814D190-9D13-2283-2553-C9F7009287B6}"/>
+              </a:ext>
+            </a:extLst>
+          </p:cNvPr>
+          <p:cNvPicPr>
+            <a:picLocks noChangeAspect="1"/>
+          </p:cNvPicPr>
+          <p:nvPr/>
+        </p:nvPicPr>
+        <p:blipFill>
+          <a:blip r:embed="rId2">
+            <a:extLst>
+              <a:ext uri="{28A0092B-C50C-407E-A947-70E740481C1C}">
+                <a14:useLocalDpi xmlns:a14="http://schemas.microsoft.com/office/drawing/2010/main" val="0"/>
+              </a:ext>
+              <a:ext uri="{96DAC541-7B7A-43D3-8B79-37D633B846F1}">
+                <asvg:svgBlip xmlns:asvg="http://schemas.microsoft.com/office/drawing/2016/SVG/main" r:embed="rId3"/>
+              </a:ext>
+            </a:extLst>
+          </a:blip>
+          <a:stretch>
+            <a:fillRect/>
+          </a:stretch>
+        </p:blipFill>
+        <p:spPr>
+          <a:xfrm>
+            <a:off x="601134" y="1918107"/>
+            <a:ext cx="3195204" cy="3195204"/>
+          </a:xfrm>
+          <a:prstGeom prst="rect">
+            <a:avLst/>
+          </a:prstGeom>
+        </p:spPr>
+      </p:pic>
+      <p:sp>
+        <p:nvSpPr>
+          <p:cNvPr id="23" name="Rectangle 1">
+            <a:extLst>
+              <a:ext uri="{FF2B5EF4-FFF2-40B4-BE49-F238E27FC236}">
+                <a16:creationId xmlns:a16="http://schemas.microsoft.com/office/drawing/2014/main" id="{0D9BDE7C-A04D-EA9A-7664-6CC7359245E9}"/>
+              </a:ext>
+            </a:extLst>
+          </p:cNvPr>
+          <p:cNvSpPr>
+            <a:spLocks noGrp="1" noChangeArrowheads="1"/>
+          </p:cNvSpPr>
+          <p:nvPr>
+            <p:ph idx="1"/>
+          </p:nvPr>
+        </p:nvSpPr>
+        <p:spPr bwMode="auto">
+          <a:xfrm>
+            <a:off x="5807947" y="2401557"/>
+            <a:ext cx="6116569" cy="3775406"/>
+          </a:xfrm>
+          <a:prstGeom prst="rect">
+            <a:avLst/>
+          </a:prstGeom>
+          <a:extLst>
+            <a:ext uri="{909E8E84-426E-40DD-AFC4-6F175D3DCCD1}">
+              <a14:hiddenFill xmlns:a14="http://schemas.microsoft.com/office/drawing/2010/main">
+                <a:solidFill>
+                  <a:schemeClr val="accent1"/>
+                </a:solidFill>
+              </a14:hiddenFill>
+            </a:ext>
+            <a:ext uri="{91240B29-F687-4F45-9708-019B960494DF}">
+              <a14:hiddenLine xmlns:a14="http://schemas.microsoft.com/office/drawing/2010/main" w="9525">
+                <a:solidFill>
+                  <a:schemeClr val="tx1"/>
+                </a:solidFill>
+                <a:miter lim="800000"/>
+                <a:headEnd/>
+                <a:tailEnd/>
+              </a14:hiddenLine>
+            </a:ext>
+            <a:ext uri="{AF507438-7753-43E0-B8FC-AC1667EBCBE1}">
+              <a14:hiddenEffects xmlns:a14="http://schemas.microsoft.com/office/drawing/2010/main">
+                <a:effectLst>
+                  <a:outerShdw dist="35921" dir="2700000" algn="ctr" rotWithShape="0">
+                    <a:schemeClr val="bg2"/>
+                  </a:outerShdw>
+                </a:effectLst>
+              </a14:hiddenEffects>
+            </a:ext>
+          </a:extLst>
+        </p:spPr>
+        <p:txBody>
+          <a:bodyPr vert="horz" lIns="91440" tIns="45720" rIns="91440" bIns="45720" numCol="1" anchorCtr="0" compatLnSpc="1">
+            <a:prstTxWarp prst="textNoShape">
+              <a:avLst/>
+            </a:prstTxWarp>
+            <a:noAutofit/>
+          </a:bodyPr>
+          <a:lstStyle/>
+          <a:p>
+            <a:pPr marL="0" marR="0" lvl="0" indent="0" defTabSz="914400" rtl="0" eaLnBrk="0" fontAlgn="base" latinLnBrk="0" hangingPunct="0">
+              <a:lnSpc>
+                <a:spcPct val="90000"/>
+              </a:lnSpc>
+              <a:spcBef>
+                <a:spcPct val="0"/>
+              </a:spcBef>
+              <a:spcAft>
+                <a:spcPts val="600"/>
+              </a:spcAft>
+              <a:buClrTx/>
+              <a:buSzTx/>
+              <a:buFontTx/>
+              <a:buChar char="•"/>
+              <a:tabLst/>
+            </a:pPr>
+            <a:r>
+              <a:rPr lang="en-US" altLang="en-US" sz="1600" b="1" dirty="0"/>
+              <a:t> Lagged Features:</a:t>
+            </a:r>
+          </a:p>
+          <a:p>
+            <a:pPr marL="457200" lvl="1" indent="0" eaLnBrk="0" fontAlgn="base" hangingPunct="0">
+              <a:lnSpc>
+                <a:spcPct val="90000"/>
+              </a:lnSpc>
+              <a:spcBef>
+                <a:spcPct val="0"/>
+              </a:spcBef>
+              <a:spcAft>
+                <a:spcPts val="600"/>
+              </a:spcAft>
+              <a:buFontTx/>
+              <a:buChar char="•"/>
+            </a:pPr>
+            <a:r>
+              <a:rPr lang="en-US" altLang="en-US" sz="1600" dirty="0"/>
+              <a:t>Created 1, 3, and 6-month lags for critical metrics (e.g., </a:t>
+            </a:r>
+            <a:r>
+              <a:rPr lang="en-US" altLang="en-US" sz="1600"/>
+              <a:t>median_sale_price</a:t>
+            </a:r>
+            <a:r>
+              <a:rPr lang="en-US" altLang="en-US" sz="1600" dirty="0"/>
+              <a:t>, inventory).</a:t>
+            </a:r>
+          </a:p>
+          <a:p>
+            <a:pPr marL="0" marR="0" lvl="0" indent="0" defTabSz="914400" rtl="0" eaLnBrk="0" fontAlgn="base" latinLnBrk="0" hangingPunct="0">
+              <a:lnSpc>
+                <a:spcPct val="90000"/>
+              </a:lnSpc>
+              <a:spcBef>
+                <a:spcPct val="0"/>
+              </a:spcBef>
+              <a:spcAft>
+                <a:spcPts val="600"/>
+              </a:spcAft>
+              <a:buClrTx/>
+              <a:buSzTx/>
+              <a:buFontTx/>
+              <a:buChar char="•"/>
+              <a:tabLst/>
+            </a:pPr>
+            <a:r>
+              <a:rPr lang="en-US" altLang="en-US" sz="1600" dirty="0"/>
+              <a:t> </a:t>
+            </a:r>
+            <a:r>
+              <a:rPr lang="en-US" altLang="en-US" sz="1600" b="1" dirty="0"/>
+              <a:t>Seasonality Adjustments:</a:t>
+            </a:r>
+          </a:p>
+          <a:p>
+            <a:pPr marL="457200" lvl="1" indent="0" eaLnBrk="0" fontAlgn="base" hangingPunct="0">
+              <a:lnSpc>
+                <a:spcPct val="90000"/>
+              </a:lnSpc>
+              <a:spcBef>
+                <a:spcPct val="0"/>
+              </a:spcBef>
+              <a:spcAft>
+                <a:spcPts val="600"/>
+              </a:spcAft>
+              <a:buFontTx/>
+              <a:buChar char="•"/>
+            </a:pPr>
+            <a:r>
+              <a:rPr lang="en-US" altLang="en-US" sz="1600" dirty="0"/>
+              <a:t>Added seasonal indicators (e.g., </a:t>
+            </a:r>
+            <a:r>
+              <a:rPr lang="en-US" altLang="en-US" sz="1600"/>
+              <a:t>is_spring</a:t>
+            </a:r>
+            <a:r>
+              <a:rPr lang="en-US" altLang="en-US" sz="1600" dirty="0"/>
+              <a:t>, </a:t>
+            </a:r>
+            <a:r>
+              <a:rPr lang="en-US" altLang="en-US" sz="1600"/>
+              <a:t>is_summer</a:t>
+            </a:r>
+            <a:r>
+              <a:rPr lang="en-US" altLang="en-US" sz="1600" dirty="0"/>
+              <a:t>).</a:t>
+            </a:r>
+          </a:p>
+          <a:p>
+            <a:pPr marL="457200" lvl="1" indent="0" eaLnBrk="0" fontAlgn="base" hangingPunct="0">
+              <a:lnSpc>
+                <a:spcPct val="90000"/>
+              </a:lnSpc>
+              <a:spcBef>
+                <a:spcPct val="0"/>
+              </a:spcBef>
+              <a:spcAft>
+                <a:spcPts val="600"/>
+              </a:spcAft>
+              <a:buFontTx/>
+              <a:buChar char="•"/>
+            </a:pPr>
+            <a:r>
+              <a:rPr lang="en-US" altLang="en-US" sz="1600" dirty="0"/>
+              <a:t>Seasonally adjusted </a:t>
+            </a:r>
+            <a:r>
+              <a:rPr lang="en-US" altLang="en-US" sz="1600"/>
+              <a:t>median_sale_price</a:t>
+            </a:r>
+            <a:r>
+              <a:rPr lang="en-US" altLang="en-US" sz="1600" dirty="0"/>
+              <a:t>.</a:t>
+            </a:r>
+          </a:p>
+          <a:p>
+            <a:pPr marL="0" marR="0" lvl="0" indent="0" defTabSz="914400" rtl="0" eaLnBrk="0" fontAlgn="base" latinLnBrk="0" hangingPunct="0">
+              <a:lnSpc>
+                <a:spcPct val="90000"/>
+              </a:lnSpc>
+              <a:spcBef>
+                <a:spcPct val="0"/>
+              </a:spcBef>
+              <a:spcAft>
+                <a:spcPts val="600"/>
+              </a:spcAft>
+              <a:buClrTx/>
+              <a:buSzTx/>
+              <a:buFontTx/>
+              <a:buChar char="•"/>
+              <a:tabLst/>
+            </a:pPr>
+            <a:r>
+              <a:rPr lang="en-US" altLang="en-US" sz="1600" dirty="0"/>
+              <a:t> </a:t>
+            </a:r>
+            <a:r>
+              <a:rPr lang="en-US" altLang="en-US" sz="1600" b="1" dirty="0"/>
+              <a:t>Derived Metrics:</a:t>
+            </a:r>
+          </a:p>
+          <a:p>
+            <a:pPr marL="457200" lvl="1" indent="0" eaLnBrk="0" fontAlgn="base" hangingPunct="0">
+              <a:lnSpc>
+                <a:spcPct val="90000"/>
+              </a:lnSpc>
+              <a:spcBef>
+                <a:spcPct val="0"/>
+              </a:spcBef>
+              <a:spcAft>
+                <a:spcPts val="600"/>
+              </a:spcAft>
+              <a:buFontTx/>
+              <a:buChar char="•"/>
+            </a:pPr>
+            <a:r>
+              <a:rPr lang="en-US" altLang="en-US" sz="1600" dirty="0"/>
+              <a:t>Inventory-to-sales ratio, price-per-unit metrics, and adjusted months of supply.</a:t>
+            </a:r>
+          </a:p>
+          <a:p>
+            <a:pPr marL="0" marR="0" lvl="0" indent="0" defTabSz="914400" rtl="0" eaLnBrk="0" fontAlgn="base" latinLnBrk="0" hangingPunct="0">
+              <a:lnSpc>
+                <a:spcPct val="90000"/>
+              </a:lnSpc>
+              <a:spcBef>
+                <a:spcPct val="0"/>
+              </a:spcBef>
+              <a:spcAft>
+                <a:spcPts val="600"/>
+              </a:spcAft>
+              <a:buClrTx/>
+              <a:buSzTx/>
+              <a:buFontTx/>
+              <a:buChar char="•"/>
+              <a:tabLst/>
+            </a:pPr>
+            <a:r>
+              <a:rPr lang="en-US" altLang="en-US" sz="1600" dirty="0"/>
+              <a:t> </a:t>
+            </a:r>
+            <a:r>
+              <a:rPr lang="en-US" altLang="en-US" sz="1600" b="1" dirty="0"/>
+              <a:t>Log Transformations:</a:t>
+            </a:r>
+          </a:p>
+          <a:p>
+            <a:pPr marL="457200" lvl="1" indent="0" eaLnBrk="0" fontAlgn="base" hangingPunct="0">
+              <a:lnSpc>
+                <a:spcPct val="90000"/>
+              </a:lnSpc>
+              <a:spcBef>
+                <a:spcPct val="0"/>
+              </a:spcBef>
+              <a:spcAft>
+                <a:spcPts val="600"/>
+              </a:spcAft>
+              <a:buFontTx/>
+              <a:buChar char="•"/>
+            </a:pPr>
+            <a:r>
+              <a:rPr lang="en-US" altLang="en-US" sz="1600" dirty="0"/>
+              <a:t>Applied to skewed features like </a:t>
+            </a:r>
+            <a:r>
+              <a:rPr lang="en-US" altLang="en-US" sz="1600"/>
+              <a:t>median_sale_price</a:t>
+            </a:r>
+            <a:r>
+              <a:rPr lang="en-US" altLang="en-US" sz="1600" dirty="0"/>
+              <a:t> and inventory.</a:t>
+            </a:r>
+          </a:p>
+          <a:p>
+            <a:pPr marL="0" marR="0" lvl="0" indent="0" defTabSz="914400" rtl="0" eaLnBrk="0" fontAlgn="base" latinLnBrk="0" hangingPunct="0">
+              <a:lnSpc>
+                <a:spcPct val="90000"/>
+              </a:lnSpc>
+              <a:spcBef>
+                <a:spcPct val="0"/>
+              </a:spcBef>
+              <a:spcAft>
+                <a:spcPts val="600"/>
+              </a:spcAft>
+              <a:buClrTx/>
+              <a:buSzTx/>
+              <a:buFontTx/>
+              <a:buChar char="•"/>
+              <a:tabLst/>
+            </a:pPr>
+            <a:r>
+              <a:rPr lang="en-US" altLang="en-US" sz="1600" dirty="0"/>
+              <a:t> </a:t>
+            </a:r>
+            <a:r>
+              <a:rPr lang="en-US" altLang="en-US" sz="1600" b="1" dirty="0"/>
+              <a:t>Final Features:</a:t>
+            </a:r>
+          </a:p>
+          <a:p>
+            <a:pPr marL="457200" lvl="1" indent="0" eaLnBrk="0" fontAlgn="base" hangingPunct="0">
+              <a:lnSpc>
+                <a:spcPct val="90000"/>
+              </a:lnSpc>
+              <a:spcBef>
+                <a:spcPct val="0"/>
+              </a:spcBef>
+              <a:spcAft>
+                <a:spcPts val="600"/>
+              </a:spcAft>
+              <a:buFontTx/>
+              <a:buChar char="•"/>
+            </a:pPr>
+            <a:r>
+              <a:rPr lang="en-US" altLang="en-US" sz="1600" dirty="0"/>
+              <a:t>Selected top features using Random Forest feature importance and correlation analysis.</a:t>
+            </a:r>
+          </a:p>
+        </p:txBody>
+      </p:sp>
+    </p:spTree>
+    <p:extLst>
+      <p:ext uri="{BB962C8B-B14F-4D97-AF65-F5344CB8AC3E}">
+        <p14:creationId xmlns:p14="http://schemas.microsoft.com/office/powerpoint/2010/main" val="4272333714"/>
+      </p:ext>
+    </p:extLst>
+  </p:cSld>
+  <p:clrMapOvr>
+    <a:overrideClrMapping bg1="dk1" tx1="lt1" bg2="dk2" tx2="lt2" accent1="accent1" accent2="accent2" accent3="accent3" accent4="accent4" accent5="accent5" accent6="accent6" hlink="hlink" folHlink="folHlink"/>
+  </p:clrMapOvr>
+</p:sld>
+</file>
+
+<file path=ppt/slides/slide6.xml><?xml version="1.0" encoding="utf-8"?>
+<p:sld xmlns:a="http://schemas.openxmlformats.org/drawingml/2006/main" xmlns:r="http://schemas.openxmlformats.org/officeDocument/2006/relationships" xmlns:p="http://schemas.openxmlformats.org/presentationml/2006/main">
+  <p:cSld>
     <p:spTree>
       <p:nvGrpSpPr>
         <p:cNvPr id="1" name=""/>
@@ -18409,13 +20748,13 @@
           <p:nvPr>
             <p:extLst>
               <p:ext uri="{D42A27DB-BD31-4B8C-83A1-F6EECF244321}">
-                <p14:modId xmlns:p14="http://schemas.microsoft.com/office/powerpoint/2010/main" val="2985119301"/>
+                <p14:modId xmlns:p14="http://schemas.microsoft.com/office/powerpoint/2010/main" val="4125152927"/>
               </p:ext>
             </p:extLst>
           </p:nvPr>
         </p:nvGraphicFramePr>
         <p:xfrm>
-          <a:off x="838200" y="3067665"/>
+          <a:off x="796412" y="2806408"/>
           <a:ext cx="10599176" cy="3509468"/>
         </p:xfrm>
         <a:graphic>
@@ -21282,7 +23621,7 @@
 </p:sld>
 </file>
 
-<file path=ppt/slides/slide6.xml><?xml version="1.0" encoding="utf-8"?>
+<file path=ppt/slides/slide7.xml><?xml version="1.0" encoding="utf-8"?>
 <p:sld xmlns:a="http://schemas.openxmlformats.org/drawingml/2006/main" xmlns:r="http://schemas.openxmlformats.org/officeDocument/2006/relationships" xmlns:p="http://schemas.openxmlformats.org/presentationml/2006/main">
   <p:cSld>
     <p:bg>
@@ -23600,7 +25939,7 @@
 </p:sld>
 </file>
 
-<file path=ppt/slides/slide7.xml><?xml version="1.0" encoding="utf-8"?>
+<file path=ppt/slides/slide8.xml><?xml version="1.0" encoding="utf-8"?>
 <p:sld xmlns:a="http://schemas.openxmlformats.org/drawingml/2006/main" xmlns:r="http://schemas.openxmlformats.org/officeDocument/2006/relationships" xmlns:p="http://schemas.openxmlformats.org/presentationml/2006/main">
   <p:cSld>
     <p:bg>
@@ -23627,7 +25966,7 @@
       </p:grpSpPr>
       <p:sp>
         <p:nvSpPr>
-          <p:cNvPr id="14" name="Graphic 1">
+          <p:cNvPr id="23" name="Graphic 1">
             <a:extLst>
               <a:ext uri="{FF2B5EF4-FFF2-40B4-BE49-F238E27FC236}">
                 <a16:creationId xmlns:a16="http://schemas.microsoft.com/office/drawing/2014/main" id="{0D57E7FA-E8FC-45AC-868F-CDC8144939D6}"/>
@@ -24757,10 +27096,10 @@
       </p:sp>
       <p:sp useBgFill="1">
         <p:nvSpPr>
-          <p:cNvPr id="16" name="Rectangle 15">
+          <p:cNvPr id="25" name="Rectangle 24">
             <a:extLst>
               <a:ext uri="{FF2B5EF4-FFF2-40B4-BE49-F238E27FC236}">
-                <a16:creationId xmlns:a16="http://schemas.microsoft.com/office/drawing/2014/main" id="{BB3F6F06-A72D-4442-A031-E1D2004CB3F9}"/>
+                <a16:creationId xmlns:a16="http://schemas.microsoft.com/office/drawing/2014/main" id="{B7BD7FCF-A254-4A97-A15C-319B67622677}"/>
               </a:ext>
               <a:ext uri="{C183D7F6-B498-43B3-948B-1728B52AA6E4}">
                 <adec:decorative xmlns:adec="http://schemas.microsoft.com/office/drawing/2017/decorative" val="1"/>
@@ -24817,10 +27156,10 @@
       </p:sp>
       <p:sp>
         <p:nvSpPr>
-          <p:cNvPr id="18" name="Freeform: Shape 17">
+          <p:cNvPr id="27" name="Freeform: Shape 26">
             <a:extLst>
               <a:ext uri="{FF2B5EF4-FFF2-40B4-BE49-F238E27FC236}">
-                <a16:creationId xmlns:a16="http://schemas.microsoft.com/office/drawing/2014/main" id="{9CF7FE1C-8BC5-4B0C-A2BC-93AB72C90FDD}"/>
+                <a16:creationId xmlns:a16="http://schemas.microsoft.com/office/drawing/2014/main" id="{52FFAF72-6204-4676-9C6F-9A4CC4D91805}"/>
               </a:ext>
               <a:ext uri="{C183D7F6-B498-43B3-948B-1728B52AA6E4}">
                 <adec:decorative xmlns:adec="http://schemas.microsoft.com/office/drawing/2017/decorative" val="1"/>
@@ -24839,83 +27178,199 @@
           </p:nvPr>
         </p:nvSpPr>
         <p:spPr>
-          <a:xfrm>
-            <a:off x="1768100" y="-1"/>
-            <a:ext cx="10423900" cy="5920155"/>
+          <a:xfrm flipH="1">
+            <a:off x="0" y="0"/>
+            <a:ext cx="5962785" cy="6858000"/>
           </a:xfrm>
           <a:custGeom>
             <a:avLst/>
             <a:gdLst>
-              <a:gd name="connsiteX0" fmla="*/ 10423900 w 10423900"/>
-              <a:gd name="connsiteY0" fmla="*/ 0 h 5491534"/>
-              <a:gd name="connsiteX1" fmla="*/ 3493157 w 10423900"/>
-              <a:gd name="connsiteY1" fmla="*/ 0 h 5491534"/>
-              <a:gd name="connsiteX2" fmla="*/ 3493018 w 10423900"/>
-              <a:gd name="connsiteY2" fmla="*/ 31 h 5491534"/>
-              <a:gd name="connsiteX3" fmla="*/ 3245493 w 10423900"/>
-              <a:gd name="connsiteY3" fmla="*/ 104839 h 5491534"/>
-              <a:gd name="connsiteX4" fmla="*/ 4434802 w 10423900"/>
-              <a:gd name="connsiteY4" fmla="*/ 284558 h 5491534"/>
-              <a:gd name="connsiteX5" fmla="*/ 4011937 w 10423900"/>
-              <a:gd name="connsiteY5" fmla="*/ 395559 h 5491534"/>
-              <a:gd name="connsiteX6" fmla="*/ 3573213 w 10423900"/>
-              <a:gd name="connsiteY6" fmla="*/ 474847 h 5491534"/>
-              <a:gd name="connsiteX7" fmla="*/ 3097489 w 10423900"/>
-              <a:gd name="connsiteY7" fmla="*/ 532990 h 5491534"/>
-              <a:gd name="connsiteX8" fmla="*/ 2664052 w 10423900"/>
-              <a:gd name="connsiteY8" fmla="*/ 649279 h 5491534"/>
-              <a:gd name="connsiteX9" fmla="*/ 3795218 w 10423900"/>
-              <a:gd name="connsiteY9" fmla="*/ 696852 h 5491534"/>
-              <a:gd name="connsiteX10" fmla="*/ 3208492 w 10423900"/>
-              <a:gd name="connsiteY10" fmla="*/ 802568 h 5491534"/>
-              <a:gd name="connsiteX11" fmla="*/ 2727483 w 10423900"/>
-              <a:gd name="connsiteY11" fmla="*/ 939999 h 5491534"/>
-              <a:gd name="connsiteX12" fmla="*/ 2389190 w 10423900"/>
-              <a:gd name="connsiteY12" fmla="*/ 1003429 h 5491534"/>
-              <a:gd name="connsiteX13" fmla="*/ 2029754 w 10423900"/>
-              <a:gd name="connsiteY13" fmla="*/ 1019287 h 5491534"/>
-              <a:gd name="connsiteX14" fmla="*/ 1945181 w 10423900"/>
-              <a:gd name="connsiteY14" fmla="*/ 1119716 h 5491534"/>
-              <a:gd name="connsiteX15" fmla="*/ 2056184 w 10423900"/>
-              <a:gd name="connsiteY15" fmla="*/ 1225434 h 5491534"/>
-              <a:gd name="connsiteX16" fmla="*/ 2225329 w 10423900"/>
-              <a:gd name="connsiteY16" fmla="*/ 1236004 h 5491534"/>
-              <a:gd name="connsiteX17" fmla="*/ 3234920 w 10423900"/>
-              <a:gd name="connsiteY17" fmla="*/ 1262435 h 5491534"/>
-              <a:gd name="connsiteX18" fmla="*/ 0 w 10423900"/>
-              <a:gd name="connsiteY18" fmla="*/ 1495009 h 5491534"/>
-              <a:gd name="connsiteX19" fmla="*/ 438724 w 10423900"/>
-              <a:gd name="connsiteY19" fmla="*/ 1637728 h 5491534"/>
-              <a:gd name="connsiteX20" fmla="*/ 586726 w 10423900"/>
-              <a:gd name="connsiteY20" fmla="*/ 2028877 h 5491534"/>
-              <a:gd name="connsiteX21" fmla="*/ 1125878 w 10423900"/>
-              <a:gd name="connsiteY21" fmla="*/ 2250882 h 5491534"/>
-              <a:gd name="connsiteX22" fmla="*/ 1474744 w 10423900"/>
-              <a:gd name="connsiteY22" fmla="*/ 2330169 h 5491534"/>
-              <a:gd name="connsiteX23" fmla="*/ 2272901 w 10423900"/>
-              <a:gd name="connsiteY23" fmla="*/ 2446458 h 5491534"/>
-              <a:gd name="connsiteX24" fmla="*/ 2389190 w 10423900"/>
-              <a:gd name="connsiteY24" fmla="*/ 2636747 h 5491534"/>
-              <a:gd name="connsiteX25" fmla="*/ 2489621 w 10423900"/>
-              <a:gd name="connsiteY25" fmla="*/ 2848179 h 5491534"/>
-              <a:gd name="connsiteX26" fmla="*/ 2701053 w 10423900"/>
-              <a:gd name="connsiteY26" fmla="*/ 2985611 h 5491534"/>
-              <a:gd name="connsiteX27" fmla="*/ 1057165 w 10423900"/>
-              <a:gd name="connsiteY27" fmla="*/ 2964468 h 5491534"/>
-              <a:gd name="connsiteX28" fmla="*/ 2912485 w 10423900"/>
-              <a:gd name="connsiteY28" fmla="*/ 3408477 h 5491534"/>
-              <a:gd name="connsiteX29" fmla="*/ 2748626 w 10423900"/>
-              <a:gd name="connsiteY29" fmla="*/ 3582909 h 5491534"/>
-              <a:gd name="connsiteX30" fmla="*/ 3763503 w 10423900"/>
-              <a:gd name="connsiteY30" fmla="*/ 3820771 h 5491534"/>
-              <a:gd name="connsiteX31" fmla="*/ 3219063 w 10423900"/>
-              <a:gd name="connsiteY31" fmla="*/ 3847199 h 5491534"/>
-              <a:gd name="connsiteX32" fmla="*/ 6385269 w 10423900"/>
-              <a:gd name="connsiteY32" fmla="*/ 4840933 h 5491534"/>
-              <a:gd name="connsiteX33" fmla="*/ 10285854 w 10423900"/>
-              <a:gd name="connsiteY33" fmla="*/ 5471118 h 5491534"/>
-              <a:gd name="connsiteX34" fmla="*/ 10423900 w 10423900"/>
-              <a:gd name="connsiteY34" fmla="*/ 5491534 h 5491534"/>
+              <a:gd name="connsiteX0" fmla="*/ 1044839 w 5962785"/>
+              <a:gd name="connsiteY0" fmla="*/ 0 h 6858000"/>
+              <a:gd name="connsiteX1" fmla="*/ 5962785 w 5962785"/>
+              <a:gd name="connsiteY1" fmla="*/ 0 h 6858000"/>
+              <a:gd name="connsiteX2" fmla="*/ 5962785 w 5962785"/>
+              <a:gd name="connsiteY2" fmla="*/ 6858000 h 6858000"/>
+              <a:gd name="connsiteX3" fmla="*/ 1469886 w 5962785"/>
+              <a:gd name="connsiteY3" fmla="*/ 6858000 h 6858000"/>
+              <a:gd name="connsiteX4" fmla="*/ 1416006 w 5962785"/>
+              <a:gd name="connsiteY4" fmla="*/ 6823984 h 6858000"/>
+              <a:gd name="connsiteX5" fmla="*/ 1232473 w 5962785"/>
+              <a:gd name="connsiteY5" fmla="*/ 6733873 h 6858000"/>
+              <a:gd name="connsiteX6" fmla="*/ 1075471 w 5962785"/>
+              <a:gd name="connsiteY6" fmla="*/ 6503186 h 6858000"/>
+              <a:gd name="connsiteX7" fmla="*/ 1020229 w 5962785"/>
+              <a:gd name="connsiteY7" fmla="*/ 6438306 h 6858000"/>
+              <a:gd name="connsiteX8" fmla="*/ 883579 w 5962785"/>
+              <a:gd name="connsiteY8" fmla="*/ 6351798 h 6858000"/>
+              <a:gd name="connsiteX9" fmla="*/ 645167 w 5962785"/>
+              <a:gd name="connsiteY9" fmla="*/ 6167969 h 6858000"/>
+              <a:gd name="connsiteX10" fmla="*/ 732391 w 5962785"/>
+              <a:gd name="connsiteY10" fmla="*/ 6124716 h 6858000"/>
+              <a:gd name="connsiteX11" fmla="*/ 985339 w 5962785"/>
+              <a:gd name="connsiteY11" fmla="*/ 6236455 h 6858000"/>
+              <a:gd name="connsiteX12" fmla="*/ 1168509 w 5962785"/>
+              <a:gd name="connsiteY12" fmla="*/ 6265291 h 6858000"/>
+              <a:gd name="connsiteX13" fmla="*/ 909746 w 5962785"/>
+              <a:gd name="connsiteY13" fmla="*/ 6070649 h 6858000"/>
+              <a:gd name="connsiteX14" fmla="*/ 659704 w 5962785"/>
+              <a:gd name="connsiteY14" fmla="*/ 5818335 h 6858000"/>
+              <a:gd name="connsiteX15" fmla="*/ 851597 w 5962785"/>
+              <a:gd name="connsiteY15" fmla="*/ 5865193 h 6858000"/>
+              <a:gd name="connsiteX16" fmla="*/ 860319 w 5962785"/>
+              <a:gd name="connsiteY16" fmla="*/ 5832753 h 6858000"/>
+              <a:gd name="connsiteX17" fmla="*/ 691686 w 5962785"/>
+              <a:gd name="connsiteY17" fmla="*/ 5533581 h 6858000"/>
+              <a:gd name="connsiteX18" fmla="*/ 610278 w 5962785"/>
+              <a:gd name="connsiteY18" fmla="*/ 5411029 h 6858000"/>
+              <a:gd name="connsiteX19" fmla="*/ 238123 w 5962785"/>
+              <a:gd name="connsiteY19" fmla="*/ 5046976 h 6858000"/>
+              <a:gd name="connsiteX20" fmla="*/ 592833 w 5962785"/>
+              <a:gd name="connsiteY20" fmla="*/ 5209177 h 6858000"/>
+              <a:gd name="connsiteX21" fmla="*/ 226494 w 5962785"/>
+              <a:gd name="connsiteY21" fmla="*/ 4855939 h 6858000"/>
+              <a:gd name="connsiteX22" fmla="*/ 49139 w 5962785"/>
+              <a:gd name="connsiteY22" fmla="*/ 4726177 h 6858000"/>
+              <a:gd name="connsiteX23" fmla="*/ 5527 w 5962785"/>
+              <a:gd name="connsiteY23" fmla="*/ 4650483 h 6858000"/>
+              <a:gd name="connsiteX24" fmla="*/ 84029 w 5962785"/>
+              <a:gd name="connsiteY24" fmla="*/ 4632460 h 6858000"/>
+              <a:gd name="connsiteX25" fmla="*/ 325347 w 5962785"/>
+              <a:gd name="connsiteY25" fmla="*/ 4661296 h 6858000"/>
+              <a:gd name="connsiteX26" fmla="*/ 25879 w 5962785"/>
+              <a:gd name="connsiteY26" fmla="*/ 4423401 h 6858000"/>
+              <a:gd name="connsiteX27" fmla="*/ 249753 w 5962785"/>
+              <a:gd name="connsiteY27" fmla="*/ 4459446 h 6858000"/>
+              <a:gd name="connsiteX28" fmla="*/ 313718 w 5962785"/>
+              <a:gd name="connsiteY28" fmla="*/ 4365729 h 6858000"/>
+              <a:gd name="connsiteX29" fmla="*/ 418386 w 5962785"/>
+              <a:gd name="connsiteY29" fmla="*/ 4214341 h 6858000"/>
+              <a:gd name="connsiteX30" fmla="*/ 491072 w 5962785"/>
+              <a:gd name="connsiteY30" fmla="*/ 4131438 h 6858000"/>
+              <a:gd name="connsiteX31" fmla="*/ 520147 w 5962785"/>
+              <a:gd name="connsiteY31" fmla="*/ 3864706 h 6858000"/>
+              <a:gd name="connsiteX32" fmla="*/ 459090 w 5962785"/>
+              <a:gd name="connsiteY32" fmla="*/ 3572743 h 6858000"/>
+              <a:gd name="connsiteX33" fmla="*/ 290458 w 5962785"/>
+              <a:gd name="connsiteY33" fmla="*/ 3424959 h 6858000"/>
+              <a:gd name="connsiteX34" fmla="*/ 339884 w 5962785"/>
+              <a:gd name="connsiteY34" fmla="*/ 3259153 h 6858000"/>
+              <a:gd name="connsiteX35" fmla="*/ 697501 w 5962785"/>
+              <a:gd name="connsiteY35" fmla="*/ 3360078 h 6858000"/>
+              <a:gd name="connsiteX36" fmla="*/ 165437 w 5962785"/>
+              <a:gd name="connsiteY36" fmla="*/ 2967190 h 6858000"/>
+              <a:gd name="connsiteX37" fmla="*/ 255568 w 5962785"/>
+              <a:gd name="connsiteY37" fmla="*/ 2949167 h 6858000"/>
+              <a:gd name="connsiteX38" fmla="*/ 578296 w 5962785"/>
+              <a:gd name="connsiteY38" fmla="*/ 2725691 h 6858000"/>
+              <a:gd name="connsiteX39" fmla="*/ 595740 w 5962785"/>
+              <a:gd name="connsiteY39" fmla="*/ 2714876 h 6858000"/>
+              <a:gd name="connsiteX40" fmla="*/ 650982 w 5962785"/>
+              <a:gd name="connsiteY40" fmla="*/ 2574301 h 6858000"/>
+              <a:gd name="connsiteX41" fmla="*/ 825429 w 5962785"/>
+              <a:gd name="connsiteY41" fmla="*/ 2552674 h 6858000"/>
+              <a:gd name="connsiteX42" fmla="*/ 970802 w 5962785"/>
+              <a:gd name="connsiteY42" fmla="*/ 2585115 h 6858000"/>
+              <a:gd name="connsiteX43" fmla="*/ 1127805 w 5962785"/>
+              <a:gd name="connsiteY43" fmla="*/ 2545465 h 6858000"/>
+              <a:gd name="connsiteX44" fmla="*/ 1267362 w 5962785"/>
+              <a:gd name="connsiteY44" fmla="*/ 2563488 h 6858000"/>
+              <a:gd name="connsiteX45" fmla="*/ 1386568 w 5962785"/>
+              <a:gd name="connsiteY45" fmla="*/ 2538257 h 6858000"/>
+              <a:gd name="connsiteX46" fmla="*/ 1270270 w 5962785"/>
+              <a:gd name="connsiteY46" fmla="*/ 2419309 h 6858000"/>
+              <a:gd name="connsiteX47" fmla="*/ 1107453 w 5962785"/>
+              <a:gd name="connsiteY47" fmla="*/ 2419309 h 6858000"/>
+              <a:gd name="connsiteX48" fmla="*/ 991154 w 5962785"/>
+              <a:gd name="connsiteY48" fmla="*/ 2343615 h 6858000"/>
+              <a:gd name="connsiteX49" fmla="*/ 880671 w 5962785"/>
+              <a:gd name="connsiteY49" fmla="*/ 2206645 h 6858000"/>
+              <a:gd name="connsiteX50" fmla="*/ 491072 w 5962785"/>
+              <a:gd name="connsiteY50" fmla="*/ 1986771 h 6858000"/>
+              <a:gd name="connsiteX51" fmla="*/ 421293 w 5962785"/>
+              <a:gd name="connsiteY51" fmla="*/ 1903868 h 6858000"/>
+              <a:gd name="connsiteX52" fmla="*/ 1531941 w 5962785"/>
+              <a:gd name="connsiteY52" fmla="*/ 2224667 h 6858000"/>
+              <a:gd name="connsiteX53" fmla="*/ 1188861 w 5962785"/>
+              <a:gd name="connsiteY53" fmla="*/ 2091301 h 6858000"/>
+              <a:gd name="connsiteX54" fmla="*/ 1421458 w 5962785"/>
+              <a:gd name="connsiteY54" fmla="*/ 2116532 h 6858000"/>
+              <a:gd name="connsiteX55" fmla="*/ 1549386 w 5962785"/>
+              <a:gd name="connsiteY55" fmla="*/ 2026420 h 6858000"/>
+              <a:gd name="connsiteX56" fmla="*/ 1549386 w 5962785"/>
+              <a:gd name="connsiteY56" fmla="*/ 1997584 h 6858000"/>
+              <a:gd name="connsiteX57" fmla="*/ 1453440 w 5962785"/>
+              <a:gd name="connsiteY57" fmla="*/ 1914682 h 6858000"/>
+              <a:gd name="connsiteX58" fmla="*/ 1398198 w 5962785"/>
+              <a:gd name="connsiteY58" fmla="*/ 1860614 h 6858000"/>
+              <a:gd name="connsiteX59" fmla="*/ 1247011 w 5962785"/>
+              <a:gd name="connsiteY59" fmla="*/ 1665972 h 6858000"/>
+              <a:gd name="connsiteX60" fmla="*/ 1354586 w 5962785"/>
+              <a:gd name="connsiteY60" fmla="*/ 1644345 h 6858000"/>
+              <a:gd name="connsiteX61" fmla="*/ 1395290 w 5962785"/>
+              <a:gd name="connsiteY61" fmla="*/ 1604696 h 6858000"/>
+              <a:gd name="connsiteX62" fmla="*/ 1366216 w 5962785"/>
+              <a:gd name="connsiteY62" fmla="*/ 1547025 h 6858000"/>
+              <a:gd name="connsiteX63" fmla="*/ 1031858 w 5962785"/>
+              <a:gd name="connsiteY63" fmla="*/ 1370405 h 6858000"/>
+              <a:gd name="connsiteX64" fmla="*/ 1005692 w 5962785"/>
+              <a:gd name="connsiteY64" fmla="*/ 1233435 h 6858000"/>
+              <a:gd name="connsiteX65" fmla="*/ 1069655 w 5962785"/>
+              <a:gd name="connsiteY65" fmla="*/ 1211808 h 6858000"/>
+              <a:gd name="connsiteX66" fmla="*/ 1142342 w 5962785"/>
+              <a:gd name="connsiteY66" fmla="*/ 1222621 h 6858000"/>
+              <a:gd name="connsiteX67" fmla="*/ 1084193 w 5962785"/>
+              <a:gd name="connsiteY67" fmla="*/ 1114487 h 6858000"/>
+              <a:gd name="connsiteX68" fmla="*/ 848689 w 5962785"/>
+              <a:gd name="connsiteY68" fmla="*/ 1006353 h 6858000"/>
+              <a:gd name="connsiteX69" fmla="*/ 805077 w 5962785"/>
+              <a:gd name="connsiteY69" fmla="*/ 948681 h 6858000"/>
+              <a:gd name="connsiteX70" fmla="*/ 863226 w 5962785"/>
+              <a:gd name="connsiteY70" fmla="*/ 919844 h 6858000"/>
+              <a:gd name="connsiteX71" fmla="*/ 906838 w 5962785"/>
+              <a:gd name="connsiteY71" fmla="*/ 909031 h 6858000"/>
+              <a:gd name="connsiteX72" fmla="*/ 5527 w 5962785"/>
+              <a:gd name="connsiteY72" fmla="*/ 458471 h 6858000"/>
+              <a:gd name="connsiteX73" fmla="*/ 209049 w 5962785"/>
+              <a:gd name="connsiteY73" fmla="*/ 454867 h 6858000"/>
+              <a:gd name="connsiteX74" fmla="*/ 409664 w 5962785"/>
+              <a:gd name="connsiteY74" fmla="*/ 526956 h 6858000"/>
+              <a:gd name="connsiteX75" fmla="*/ 621908 w 5962785"/>
+              <a:gd name="connsiteY75" fmla="*/ 516143 h 6858000"/>
+              <a:gd name="connsiteX76" fmla="*/ 822522 w 5962785"/>
+              <a:gd name="connsiteY76" fmla="*/ 552188 h 6858000"/>
+              <a:gd name="connsiteX77" fmla="*/ 996969 w 5962785"/>
+              <a:gd name="connsiteY77" fmla="*/ 552188 h 6858000"/>
+              <a:gd name="connsiteX78" fmla="*/ 834151 w 5962785"/>
+              <a:gd name="connsiteY78" fmla="*/ 498120 h 6858000"/>
+              <a:gd name="connsiteX79" fmla="*/ 773095 w 5962785"/>
+              <a:gd name="connsiteY79" fmla="*/ 408008 h 6858000"/>
+              <a:gd name="connsiteX80" fmla="*/ 793447 w 5962785"/>
+              <a:gd name="connsiteY80" fmla="*/ 325106 h 6858000"/>
+              <a:gd name="connsiteX81" fmla="*/ 860319 w 5962785"/>
+              <a:gd name="connsiteY81" fmla="*/ 350336 h 6858000"/>
+              <a:gd name="connsiteX82" fmla="*/ 938820 w 5962785"/>
+              <a:gd name="connsiteY82" fmla="*/ 444054 h 6858000"/>
+              <a:gd name="connsiteX83" fmla="*/ 956265 w 5962785"/>
+              <a:gd name="connsiteY83" fmla="*/ 386381 h 6858000"/>
+              <a:gd name="connsiteX84" fmla="*/ 1002784 w 5962785"/>
+              <a:gd name="connsiteY84" fmla="*/ 343127 h 6858000"/>
+              <a:gd name="connsiteX85" fmla="*/ 1270270 w 5962785"/>
+              <a:gd name="connsiteY85" fmla="*/ 364755 h 6858000"/>
+              <a:gd name="connsiteX86" fmla="*/ 1092915 w 5962785"/>
+              <a:gd name="connsiteY86" fmla="*/ 180926 h 6858000"/>
+              <a:gd name="connsiteX87" fmla="*/ 979525 w 5962785"/>
+              <a:gd name="connsiteY87" fmla="*/ 152090 h 6858000"/>
+              <a:gd name="connsiteX88" fmla="*/ 953358 w 5962785"/>
+              <a:gd name="connsiteY88" fmla="*/ 76396 h 6858000"/>
+              <a:gd name="connsiteX89" fmla="*/ 1005692 w 5962785"/>
+              <a:gd name="connsiteY89" fmla="*/ 58373 h 6858000"/>
+              <a:gd name="connsiteX90" fmla="*/ 1267362 w 5962785"/>
+              <a:gd name="connsiteY90" fmla="*/ 123254 h 6858000"/>
+              <a:gd name="connsiteX91" fmla="*/ 1310975 w 5962785"/>
+              <a:gd name="connsiteY91" fmla="*/ 98023 h 6858000"/>
+              <a:gd name="connsiteX92" fmla="*/ 1159787 w 5962785"/>
+              <a:gd name="connsiteY92" fmla="*/ 43505 h 6858000"/>
             </a:gdLst>
             <a:ahLst/>
             <a:cxnLst>
@@ -25024,198 +27479,675 @@
               <a:cxn ang="0">
                 <a:pos x="connsiteX34" y="connsiteY34"/>
               </a:cxn>
+              <a:cxn ang="0">
+                <a:pos x="connsiteX35" y="connsiteY35"/>
+              </a:cxn>
+              <a:cxn ang="0">
+                <a:pos x="connsiteX36" y="connsiteY36"/>
+              </a:cxn>
+              <a:cxn ang="0">
+                <a:pos x="connsiteX37" y="connsiteY37"/>
+              </a:cxn>
+              <a:cxn ang="0">
+                <a:pos x="connsiteX38" y="connsiteY38"/>
+              </a:cxn>
+              <a:cxn ang="0">
+                <a:pos x="connsiteX39" y="connsiteY39"/>
+              </a:cxn>
+              <a:cxn ang="0">
+                <a:pos x="connsiteX40" y="connsiteY40"/>
+              </a:cxn>
+              <a:cxn ang="0">
+                <a:pos x="connsiteX41" y="connsiteY41"/>
+              </a:cxn>
+              <a:cxn ang="0">
+                <a:pos x="connsiteX42" y="connsiteY42"/>
+              </a:cxn>
+              <a:cxn ang="0">
+                <a:pos x="connsiteX43" y="connsiteY43"/>
+              </a:cxn>
+              <a:cxn ang="0">
+                <a:pos x="connsiteX44" y="connsiteY44"/>
+              </a:cxn>
+              <a:cxn ang="0">
+                <a:pos x="connsiteX45" y="connsiteY45"/>
+              </a:cxn>
+              <a:cxn ang="0">
+                <a:pos x="connsiteX46" y="connsiteY46"/>
+              </a:cxn>
+              <a:cxn ang="0">
+                <a:pos x="connsiteX47" y="connsiteY47"/>
+              </a:cxn>
+              <a:cxn ang="0">
+                <a:pos x="connsiteX48" y="connsiteY48"/>
+              </a:cxn>
+              <a:cxn ang="0">
+                <a:pos x="connsiteX49" y="connsiteY49"/>
+              </a:cxn>
+              <a:cxn ang="0">
+                <a:pos x="connsiteX50" y="connsiteY50"/>
+              </a:cxn>
+              <a:cxn ang="0">
+                <a:pos x="connsiteX51" y="connsiteY51"/>
+              </a:cxn>
+              <a:cxn ang="0">
+                <a:pos x="connsiteX52" y="connsiteY52"/>
+              </a:cxn>
+              <a:cxn ang="0">
+                <a:pos x="connsiteX53" y="connsiteY53"/>
+              </a:cxn>
+              <a:cxn ang="0">
+                <a:pos x="connsiteX54" y="connsiteY54"/>
+              </a:cxn>
+              <a:cxn ang="0">
+                <a:pos x="connsiteX55" y="connsiteY55"/>
+              </a:cxn>
+              <a:cxn ang="0">
+                <a:pos x="connsiteX56" y="connsiteY56"/>
+              </a:cxn>
+              <a:cxn ang="0">
+                <a:pos x="connsiteX57" y="connsiteY57"/>
+              </a:cxn>
+              <a:cxn ang="0">
+                <a:pos x="connsiteX58" y="connsiteY58"/>
+              </a:cxn>
+              <a:cxn ang="0">
+                <a:pos x="connsiteX59" y="connsiteY59"/>
+              </a:cxn>
+              <a:cxn ang="0">
+                <a:pos x="connsiteX60" y="connsiteY60"/>
+              </a:cxn>
+              <a:cxn ang="0">
+                <a:pos x="connsiteX61" y="connsiteY61"/>
+              </a:cxn>
+              <a:cxn ang="0">
+                <a:pos x="connsiteX62" y="connsiteY62"/>
+              </a:cxn>
+              <a:cxn ang="0">
+                <a:pos x="connsiteX63" y="connsiteY63"/>
+              </a:cxn>
+              <a:cxn ang="0">
+                <a:pos x="connsiteX64" y="connsiteY64"/>
+              </a:cxn>
+              <a:cxn ang="0">
+                <a:pos x="connsiteX65" y="connsiteY65"/>
+              </a:cxn>
+              <a:cxn ang="0">
+                <a:pos x="connsiteX66" y="connsiteY66"/>
+              </a:cxn>
+              <a:cxn ang="0">
+                <a:pos x="connsiteX67" y="connsiteY67"/>
+              </a:cxn>
+              <a:cxn ang="0">
+                <a:pos x="connsiteX68" y="connsiteY68"/>
+              </a:cxn>
+              <a:cxn ang="0">
+                <a:pos x="connsiteX69" y="connsiteY69"/>
+              </a:cxn>
+              <a:cxn ang="0">
+                <a:pos x="connsiteX70" y="connsiteY70"/>
+              </a:cxn>
+              <a:cxn ang="0">
+                <a:pos x="connsiteX71" y="connsiteY71"/>
+              </a:cxn>
+              <a:cxn ang="0">
+                <a:pos x="connsiteX72" y="connsiteY72"/>
+              </a:cxn>
+              <a:cxn ang="0">
+                <a:pos x="connsiteX73" y="connsiteY73"/>
+              </a:cxn>
+              <a:cxn ang="0">
+                <a:pos x="connsiteX74" y="connsiteY74"/>
+              </a:cxn>
+              <a:cxn ang="0">
+                <a:pos x="connsiteX75" y="connsiteY75"/>
+              </a:cxn>
+              <a:cxn ang="0">
+                <a:pos x="connsiteX76" y="connsiteY76"/>
+              </a:cxn>
+              <a:cxn ang="0">
+                <a:pos x="connsiteX77" y="connsiteY77"/>
+              </a:cxn>
+              <a:cxn ang="0">
+                <a:pos x="connsiteX78" y="connsiteY78"/>
+              </a:cxn>
+              <a:cxn ang="0">
+                <a:pos x="connsiteX79" y="connsiteY79"/>
+              </a:cxn>
+              <a:cxn ang="0">
+                <a:pos x="connsiteX80" y="connsiteY80"/>
+              </a:cxn>
+              <a:cxn ang="0">
+                <a:pos x="connsiteX81" y="connsiteY81"/>
+              </a:cxn>
+              <a:cxn ang="0">
+                <a:pos x="connsiteX82" y="connsiteY82"/>
+              </a:cxn>
+              <a:cxn ang="0">
+                <a:pos x="connsiteX83" y="connsiteY83"/>
+              </a:cxn>
+              <a:cxn ang="0">
+                <a:pos x="connsiteX84" y="connsiteY84"/>
+              </a:cxn>
+              <a:cxn ang="0">
+                <a:pos x="connsiteX85" y="connsiteY85"/>
+              </a:cxn>
+              <a:cxn ang="0">
+                <a:pos x="connsiteX86" y="connsiteY86"/>
+              </a:cxn>
+              <a:cxn ang="0">
+                <a:pos x="connsiteX87" y="connsiteY87"/>
+              </a:cxn>
+              <a:cxn ang="0">
+                <a:pos x="connsiteX88" y="connsiteY88"/>
+              </a:cxn>
+              <a:cxn ang="0">
+                <a:pos x="connsiteX89" y="connsiteY89"/>
+              </a:cxn>
+              <a:cxn ang="0">
+                <a:pos x="connsiteX90" y="connsiteY90"/>
+              </a:cxn>
+              <a:cxn ang="0">
+                <a:pos x="connsiteX91" y="connsiteY91"/>
+              </a:cxn>
+              <a:cxn ang="0">
+                <a:pos x="connsiteX92" y="connsiteY92"/>
+              </a:cxn>
             </a:cxnLst>
             <a:rect l="l" t="t" r="r" b="b"/>
             <a:pathLst>
-              <a:path w="10423900" h="5491534">
+              <a:path w="5962785" h="6858000">
                 <a:moveTo>
-                  <a:pt x="10423900" y="0"/>
+                  <a:pt x="1044839" y="0"/>
                 </a:moveTo>
                 <a:lnTo>
-                  <a:pt x="3493157" y="0"/>
+                  <a:pt x="5962785" y="0"/>
                 </a:lnTo>
                 <a:lnTo>
-                  <a:pt x="3493018" y="31"/>
+                  <a:pt x="5962785" y="6858000"/>
                 </a:lnTo>
-                <a:cubicBezTo>
-                  <a:pt x="3414969" y="12668"/>
-                  <a:pt x="3328744" y="21588"/>
-                  <a:pt x="3245493" y="104839"/>
-                </a:cubicBezTo>
-                <a:cubicBezTo>
-                  <a:pt x="3668357" y="162984"/>
-                  <a:pt x="4075366" y="51981"/>
-                  <a:pt x="4434802" y="284558"/>
-                </a:cubicBezTo>
-                <a:cubicBezTo>
-                  <a:pt x="4302656" y="400846"/>
-                  <a:pt x="4154654" y="374416"/>
-                  <a:pt x="4011937" y="395559"/>
-                </a:cubicBezTo>
-                <a:cubicBezTo>
-                  <a:pt x="3863934" y="416704"/>
-                  <a:pt x="3721217" y="453704"/>
-                  <a:pt x="3573213" y="474847"/>
-                </a:cubicBezTo>
-                <a:cubicBezTo>
-                  <a:pt x="3414639" y="501275"/>
-                  <a:pt x="3256063" y="506562"/>
-                  <a:pt x="3097489" y="532990"/>
-                </a:cubicBezTo>
-                <a:cubicBezTo>
-                  <a:pt x="2965345" y="554135"/>
-                  <a:pt x="2822627" y="517133"/>
-                  <a:pt x="2664052" y="649279"/>
-                </a:cubicBezTo>
-                <a:cubicBezTo>
-                  <a:pt x="3055203" y="744424"/>
-                  <a:pt x="3409352" y="601706"/>
-                  <a:pt x="3795218" y="696852"/>
-                </a:cubicBezTo>
-                <a:cubicBezTo>
-                  <a:pt x="3567928" y="781425"/>
-                  <a:pt x="3382924" y="754995"/>
-                  <a:pt x="3208492" y="802568"/>
-                </a:cubicBezTo>
-                <a:cubicBezTo>
-                  <a:pt x="3049916" y="850140"/>
-                  <a:pt x="2859627" y="797282"/>
-                  <a:pt x="2727483" y="939999"/>
-                </a:cubicBezTo>
-                <a:cubicBezTo>
-                  <a:pt x="2627052" y="1051000"/>
-                  <a:pt x="2521336" y="1066858"/>
-                  <a:pt x="2389190" y="1003429"/>
-                </a:cubicBezTo>
-                <a:cubicBezTo>
-                  <a:pt x="2272901" y="945284"/>
-                  <a:pt x="2146043" y="961142"/>
-                  <a:pt x="2029754" y="1019287"/>
-                </a:cubicBezTo>
-                <a:cubicBezTo>
-                  <a:pt x="1987468" y="1040430"/>
-                  <a:pt x="1945181" y="1066858"/>
-                  <a:pt x="1945181" y="1119716"/>
-                </a:cubicBezTo>
-                <a:cubicBezTo>
-                  <a:pt x="1945181" y="1193719"/>
-                  <a:pt x="1998039" y="1214862"/>
-                  <a:pt x="2056184" y="1225434"/>
-                </a:cubicBezTo>
-                <a:cubicBezTo>
-                  <a:pt x="2109042" y="1236004"/>
-                  <a:pt x="2172471" y="1246577"/>
-                  <a:pt x="2225329" y="1236004"/>
-                </a:cubicBezTo>
-                <a:cubicBezTo>
-                  <a:pt x="2563622" y="1177861"/>
-                  <a:pt x="2896629" y="1273005"/>
-                  <a:pt x="3234920" y="1262435"/>
-                </a:cubicBezTo>
-                <a:cubicBezTo>
-                  <a:pt x="2172471" y="1489724"/>
-                  <a:pt x="1099450" y="1415723"/>
-                  <a:pt x="0" y="1495009"/>
-                </a:cubicBezTo>
-                <a:cubicBezTo>
-                  <a:pt x="142717" y="1653583"/>
-                  <a:pt x="327721" y="1521439"/>
-                  <a:pt x="438724" y="1637728"/>
-                </a:cubicBezTo>
-                <a:cubicBezTo>
-                  <a:pt x="333006" y="1880875"/>
-                  <a:pt x="375293" y="2013020"/>
-                  <a:pt x="586726" y="2028877"/>
-                </a:cubicBezTo>
-                <a:cubicBezTo>
-                  <a:pt x="792873" y="2044734"/>
-                  <a:pt x="1014877" y="1960161"/>
-                  <a:pt x="1125878" y="2250882"/>
-                </a:cubicBezTo>
-                <a:cubicBezTo>
-                  <a:pt x="1157593" y="2340740"/>
-                  <a:pt x="1353170" y="2314312"/>
-                  <a:pt x="1474744" y="2330169"/>
-                </a:cubicBezTo>
-                <a:cubicBezTo>
-                  <a:pt x="1739034" y="2367170"/>
-                  <a:pt x="2019183" y="2330169"/>
-                  <a:pt x="2272901" y="2446458"/>
-                </a:cubicBezTo>
-                <a:cubicBezTo>
-                  <a:pt x="2373332" y="2488744"/>
-                  <a:pt x="2442048" y="2520459"/>
-                  <a:pt x="2389190" y="2636747"/>
-                </a:cubicBezTo>
-                <a:cubicBezTo>
-                  <a:pt x="2336332" y="2758321"/>
-                  <a:pt x="2405048" y="2800607"/>
-                  <a:pt x="2489621" y="2848179"/>
-                </a:cubicBezTo>
-                <a:cubicBezTo>
-                  <a:pt x="2553051" y="2885180"/>
-                  <a:pt x="2648195" y="2874609"/>
-                  <a:pt x="2701053" y="2985611"/>
-                </a:cubicBezTo>
-                <a:cubicBezTo>
-                  <a:pt x="2146043" y="2969753"/>
-                  <a:pt x="1606888" y="2879895"/>
-                  <a:pt x="1057165" y="2964468"/>
-                </a:cubicBezTo>
-                <a:cubicBezTo>
-                  <a:pt x="1659748" y="3175900"/>
-                  <a:pt x="2320474" y="3165328"/>
-                  <a:pt x="2912485" y="3408477"/>
-                </a:cubicBezTo>
-                <a:cubicBezTo>
-                  <a:pt x="2891342" y="3493050"/>
-                  <a:pt x="2753911" y="3456048"/>
-                  <a:pt x="2748626" y="3582909"/>
-                </a:cubicBezTo>
-                <a:cubicBezTo>
-                  <a:pt x="3060489" y="3715055"/>
-                  <a:pt x="3435782" y="3625195"/>
-                  <a:pt x="3763503" y="3820771"/>
-                </a:cubicBezTo>
-                <a:cubicBezTo>
-                  <a:pt x="3573213" y="3910629"/>
-                  <a:pt x="3398782" y="3762626"/>
-                  <a:pt x="3219063" y="3847199"/>
-                </a:cubicBezTo>
-                <a:cubicBezTo>
-                  <a:pt x="3277208" y="3974060"/>
-                  <a:pt x="5909545" y="4756360"/>
-                  <a:pt x="6385269" y="4840933"/>
-                </a:cubicBezTo>
-                <a:cubicBezTo>
-                  <a:pt x="7171204" y="4982659"/>
-                  <a:pt x="9157515" y="5302348"/>
-                  <a:pt x="10285854" y="5471118"/>
-                </a:cubicBezTo>
                 <a:lnTo>
-                  <a:pt x="10423900" y="5491534"/>
+                  <a:pt x="1469886" y="6858000"/>
                 </a:lnTo>
+                <a:lnTo>
+                  <a:pt x="1416006" y="6823984"/>
+                </a:lnTo>
+                <a:cubicBezTo>
+                  <a:pt x="1356767" y="6787940"/>
+                  <a:pt x="1296437" y="6755500"/>
+                  <a:pt x="1232473" y="6733873"/>
+                </a:cubicBezTo>
+                <a:cubicBezTo>
+                  <a:pt x="1145250" y="6705037"/>
+                  <a:pt x="1060933" y="6654575"/>
+                  <a:pt x="1075471" y="6503186"/>
+                </a:cubicBezTo>
+                <a:cubicBezTo>
+                  <a:pt x="1078378" y="6459932"/>
+                  <a:pt x="1055118" y="6427493"/>
+                  <a:pt x="1020229" y="6438306"/>
+                </a:cubicBezTo>
+                <a:cubicBezTo>
+                  <a:pt x="953358" y="6459932"/>
+                  <a:pt x="921375" y="6398656"/>
+                  <a:pt x="883579" y="6351798"/>
+                </a:cubicBezTo>
+                <a:cubicBezTo>
+                  <a:pt x="816707" y="6268895"/>
+                  <a:pt x="752743" y="6182387"/>
+                  <a:pt x="645167" y="6167969"/>
+                </a:cubicBezTo>
+                <a:cubicBezTo>
+                  <a:pt x="665519" y="6103088"/>
+                  <a:pt x="700408" y="6110298"/>
+                  <a:pt x="732391" y="6124716"/>
+                </a:cubicBezTo>
+                <a:cubicBezTo>
+                  <a:pt x="816707" y="6160761"/>
+                  <a:pt x="901023" y="6200410"/>
+                  <a:pt x="985339" y="6236455"/>
+                </a:cubicBezTo>
+                <a:cubicBezTo>
+                  <a:pt x="1040581" y="6258081"/>
+                  <a:pt x="1095822" y="6290522"/>
+                  <a:pt x="1168509" y="6265291"/>
+                </a:cubicBezTo>
+                <a:cubicBezTo>
+                  <a:pt x="1104545" y="6135530"/>
+                  <a:pt x="996969" y="6110298"/>
+                  <a:pt x="909746" y="6070649"/>
+                </a:cubicBezTo>
+                <a:cubicBezTo>
+                  <a:pt x="802169" y="6020185"/>
+                  <a:pt x="738206" y="5926470"/>
+                  <a:pt x="659704" y="5818335"/>
+                </a:cubicBezTo>
+                <a:cubicBezTo>
+                  <a:pt x="738206" y="5789500"/>
+                  <a:pt x="787632" y="5868798"/>
+                  <a:pt x="851597" y="5865193"/>
+                </a:cubicBezTo>
+                <a:cubicBezTo>
+                  <a:pt x="854504" y="5854380"/>
+                  <a:pt x="860319" y="5832753"/>
+                  <a:pt x="860319" y="5832753"/>
+                </a:cubicBezTo>
+                <a:cubicBezTo>
+                  <a:pt x="755650" y="5775081"/>
+                  <a:pt x="709132" y="5666947"/>
+                  <a:pt x="691686" y="5533581"/>
+                </a:cubicBezTo>
+                <a:cubicBezTo>
+                  <a:pt x="685872" y="5465095"/>
+                  <a:pt x="648075" y="5443468"/>
+                  <a:pt x="610278" y="5411029"/>
+                </a:cubicBezTo>
+                <a:cubicBezTo>
+                  <a:pt x="482350" y="5299289"/>
+                  <a:pt x="345700" y="5198364"/>
+                  <a:pt x="238123" y="5046976"/>
+                </a:cubicBezTo>
+                <a:cubicBezTo>
+                  <a:pt x="363144" y="5064998"/>
+                  <a:pt x="461997" y="5165924"/>
+                  <a:pt x="592833" y="5209177"/>
+                </a:cubicBezTo>
+                <a:cubicBezTo>
+                  <a:pt x="488165" y="5043371"/>
+                  <a:pt x="351514" y="4956864"/>
+                  <a:pt x="226494" y="4855939"/>
+                </a:cubicBezTo>
+                <a:cubicBezTo>
+                  <a:pt x="168344" y="4809081"/>
+                  <a:pt x="116011" y="4751408"/>
+                  <a:pt x="49139" y="4726177"/>
+                </a:cubicBezTo>
+                <a:cubicBezTo>
+                  <a:pt x="25879" y="4718968"/>
+                  <a:pt x="-14825" y="4700947"/>
+                  <a:pt x="5527" y="4650483"/>
+                </a:cubicBezTo>
+                <a:cubicBezTo>
+                  <a:pt x="22972" y="4607230"/>
+                  <a:pt x="54954" y="4621648"/>
+                  <a:pt x="84029" y="4632460"/>
+                </a:cubicBezTo>
+                <a:cubicBezTo>
+                  <a:pt x="153807" y="4661296"/>
+                  <a:pt x="229401" y="4661296"/>
+                  <a:pt x="325347" y="4661296"/>
+                </a:cubicBezTo>
+                <a:cubicBezTo>
+                  <a:pt x="243939" y="4524326"/>
+                  <a:pt x="95658" y="4567580"/>
+                  <a:pt x="25879" y="4423401"/>
+                </a:cubicBezTo>
+                <a:cubicBezTo>
+                  <a:pt x="113103" y="4398170"/>
+                  <a:pt x="179975" y="4448632"/>
+                  <a:pt x="249753" y="4459446"/>
+                </a:cubicBezTo>
+                <a:cubicBezTo>
+                  <a:pt x="313718" y="4470259"/>
+                  <a:pt x="328254" y="4445028"/>
+                  <a:pt x="313718" y="4365729"/>
+                </a:cubicBezTo>
+                <a:cubicBezTo>
+                  <a:pt x="290458" y="4243177"/>
+                  <a:pt x="325347" y="4181900"/>
+                  <a:pt x="418386" y="4214341"/>
+                </a:cubicBezTo>
+                <a:cubicBezTo>
+                  <a:pt x="505609" y="4246781"/>
+                  <a:pt x="514332" y="4199922"/>
+                  <a:pt x="491072" y="4131438"/>
+                </a:cubicBezTo>
+                <a:cubicBezTo>
+                  <a:pt x="456183" y="4030512"/>
+                  <a:pt x="493979" y="3951214"/>
+                  <a:pt x="520147" y="3864706"/>
+                </a:cubicBezTo>
+                <a:cubicBezTo>
+                  <a:pt x="560851" y="3734945"/>
+                  <a:pt x="543407" y="3670064"/>
+                  <a:pt x="459090" y="3572743"/>
+                </a:cubicBezTo>
+                <a:cubicBezTo>
+                  <a:pt x="409664" y="3518676"/>
+                  <a:pt x="360236" y="3471818"/>
+                  <a:pt x="290458" y="3424959"/>
+                </a:cubicBezTo>
+                <a:cubicBezTo>
+                  <a:pt x="450368" y="3399728"/>
+                  <a:pt x="284643" y="3313221"/>
+                  <a:pt x="339884" y="3259153"/>
+                </a:cubicBezTo>
+                <a:cubicBezTo>
+                  <a:pt x="453275" y="3237527"/>
+                  <a:pt x="543407" y="3410542"/>
+                  <a:pt x="697501" y="3360078"/>
+                </a:cubicBezTo>
+                <a:cubicBezTo>
+                  <a:pt x="511425" y="3212294"/>
+                  <a:pt x="302087" y="3165436"/>
+                  <a:pt x="165437" y="2967190"/>
+                </a:cubicBezTo>
+                <a:cubicBezTo>
+                  <a:pt x="197419" y="2923937"/>
+                  <a:pt x="229401" y="2967190"/>
+                  <a:pt x="255568" y="2949167"/>
+                </a:cubicBezTo>
+                <a:cubicBezTo>
+                  <a:pt x="255568" y="2938354"/>
+                  <a:pt x="560851" y="3006840"/>
+                  <a:pt x="578296" y="2725691"/>
+                </a:cubicBezTo>
+                <a:cubicBezTo>
+                  <a:pt x="584111" y="2725691"/>
+                  <a:pt x="589926" y="2725691"/>
+                  <a:pt x="595740" y="2714876"/>
+                </a:cubicBezTo>
+                <a:cubicBezTo>
+                  <a:pt x="627722" y="2675228"/>
+                  <a:pt x="598648" y="2581510"/>
+                  <a:pt x="650982" y="2574301"/>
+                </a:cubicBezTo>
+                <a:cubicBezTo>
+                  <a:pt x="709132" y="2567092"/>
+                  <a:pt x="764373" y="2534653"/>
+                  <a:pt x="825429" y="2552674"/>
+                </a:cubicBezTo>
+                <a:cubicBezTo>
+                  <a:pt x="871949" y="2567092"/>
+                  <a:pt x="921375" y="2585115"/>
+                  <a:pt x="970802" y="2585115"/>
+                </a:cubicBezTo>
+                <a:cubicBezTo>
+                  <a:pt x="1023136" y="2585115"/>
+                  <a:pt x="1095822" y="2707668"/>
+                  <a:pt x="1127805" y="2545465"/>
+                </a:cubicBezTo>
+                <a:cubicBezTo>
+                  <a:pt x="1127805" y="2538257"/>
+                  <a:pt x="1217936" y="2556280"/>
+                  <a:pt x="1267362" y="2563488"/>
+                </a:cubicBezTo>
+                <a:cubicBezTo>
+                  <a:pt x="1308067" y="2570698"/>
+                  <a:pt x="1357494" y="2603137"/>
+                  <a:pt x="1386568" y="2538257"/>
+                </a:cubicBezTo>
+                <a:cubicBezTo>
+                  <a:pt x="1401105" y="2498607"/>
+                  <a:pt x="1331326" y="2426518"/>
+                  <a:pt x="1270270" y="2419309"/>
+                </a:cubicBezTo>
+                <a:cubicBezTo>
+                  <a:pt x="1215029" y="2412101"/>
+                  <a:pt x="1159787" y="2404892"/>
+                  <a:pt x="1107453" y="2419309"/>
+                </a:cubicBezTo>
+                <a:cubicBezTo>
+                  <a:pt x="1043489" y="2437331"/>
+                  <a:pt x="1008599" y="2408495"/>
+                  <a:pt x="991154" y="2343615"/>
+                </a:cubicBezTo>
+                <a:cubicBezTo>
+                  <a:pt x="970802" y="2275131"/>
+                  <a:pt x="933005" y="2239085"/>
+                  <a:pt x="880671" y="2206645"/>
+                </a:cubicBezTo>
+                <a:cubicBezTo>
+                  <a:pt x="752743" y="2127346"/>
+                  <a:pt x="630630" y="2033629"/>
+                  <a:pt x="491072" y="1986771"/>
+                </a:cubicBezTo>
+                <a:cubicBezTo>
+                  <a:pt x="464905" y="1979562"/>
+                  <a:pt x="432923" y="1965145"/>
+                  <a:pt x="421293" y="1903868"/>
+                </a:cubicBezTo>
+                <a:cubicBezTo>
+                  <a:pt x="799262" y="1997584"/>
+                  <a:pt x="1142342" y="2239085"/>
+                  <a:pt x="1531941" y="2224667"/>
+                </a:cubicBezTo>
+                <a:cubicBezTo>
+                  <a:pt x="1427272" y="2148974"/>
+                  <a:pt x="1302252" y="2145369"/>
+                  <a:pt x="1188861" y="2091301"/>
+                </a:cubicBezTo>
+                <a:cubicBezTo>
+                  <a:pt x="1270270" y="2051652"/>
+                  <a:pt x="1345864" y="2094906"/>
+                  <a:pt x="1421458" y="2116532"/>
+                </a:cubicBezTo>
+                <a:cubicBezTo>
+                  <a:pt x="1485422" y="2134554"/>
+                  <a:pt x="1543571" y="2138160"/>
+                  <a:pt x="1549386" y="2026420"/>
+                </a:cubicBezTo>
+                <a:cubicBezTo>
+                  <a:pt x="1549386" y="2015607"/>
+                  <a:pt x="1549386" y="2008398"/>
+                  <a:pt x="1549386" y="1997584"/>
+                </a:cubicBezTo>
+                <a:cubicBezTo>
+                  <a:pt x="1526126" y="1950727"/>
+                  <a:pt x="1494144" y="1929099"/>
+                  <a:pt x="1453440" y="1914682"/>
+                </a:cubicBezTo>
+                <a:cubicBezTo>
+                  <a:pt x="1430180" y="1907473"/>
+                  <a:pt x="1398198" y="1893056"/>
+                  <a:pt x="1398198" y="1860614"/>
+                </a:cubicBezTo>
+                <a:cubicBezTo>
+                  <a:pt x="1401105" y="1738063"/>
+                  <a:pt x="1322604" y="1702018"/>
+                  <a:pt x="1247011" y="1665972"/>
+                </a:cubicBezTo>
+                <a:cubicBezTo>
+                  <a:pt x="1287715" y="1604696"/>
+                  <a:pt x="1322604" y="1647950"/>
+                  <a:pt x="1354586" y="1644345"/>
+                </a:cubicBezTo>
+                <a:cubicBezTo>
+                  <a:pt x="1374939" y="1640741"/>
+                  <a:pt x="1395290" y="1637138"/>
+                  <a:pt x="1395290" y="1604696"/>
+                </a:cubicBezTo>
+                <a:cubicBezTo>
+                  <a:pt x="1395290" y="1579465"/>
+                  <a:pt x="1386568" y="1547025"/>
+                  <a:pt x="1366216" y="1547025"/>
+                </a:cubicBezTo>
+                <a:cubicBezTo>
+                  <a:pt x="1238288" y="1543420"/>
+                  <a:pt x="1165601" y="1370405"/>
+                  <a:pt x="1031858" y="1370405"/>
+                </a:cubicBezTo>
+                <a:cubicBezTo>
+                  <a:pt x="950450" y="1370405"/>
+                  <a:pt x="1072563" y="1273083"/>
+                  <a:pt x="1005692" y="1233435"/>
+                </a:cubicBezTo>
+                <a:cubicBezTo>
+                  <a:pt x="991154" y="1222621"/>
+                  <a:pt x="1046396" y="1208203"/>
+                  <a:pt x="1069655" y="1211808"/>
+                </a:cubicBezTo>
+                <a:cubicBezTo>
+                  <a:pt x="1092915" y="1215412"/>
+                  <a:pt x="1113268" y="1240644"/>
+                  <a:pt x="1142342" y="1222621"/>
+                </a:cubicBezTo>
+                <a:cubicBezTo>
+                  <a:pt x="1156879" y="1157741"/>
+                  <a:pt x="1119082" y="1132510"/>
+                  <a:pt x="1084193" y="1114487"/>
+                </a:cubicBezTo>
+                <a:cubicBezTo>
+                  <a:pt x="1008599" y="1071234"/>
+                  <a:pt x="933005" y="1020771"/>
+                  <a:pt x="848689" y="1006353"/>
+                </a:cubicBezTo>
+                <a:cubicBezTo>
+                  <a:pt x="819615" y="1002748"/>
+                  <a:pt x="802169" y="984726"/>
+                  <a:pt x="805077" y="948681"/>
+                </a:cubicBezTo>
+                <a:cubicBezTo>
+                  <a:pt x="810892" y="901822"/>
+                  <a:pt x="839967" y="916240"/>
+                  <a:pt x="863226" y="919844"/>
+                </a:cubicBezTo>
+                <a:cubicBezTo>
+                  <a:pt x="877764" y="923450"/>
+                  <a:pt x="892301" y="934263"/>
+                  <a:pt x="906838" y="909031"/>
+                </a:cubicBezTo>
+                <a:cubicBezTo>
+                  <a:pt x="566666" y="653113"/>
+                  <a:pt x="386404" y="667532"/>
+                  <a:pt x="5527" y="458471"/>
+                </a:cubicBezTo>
+                <a:cubicBezTo>
+                  <a:pt x="89843" y="418822"/>
+                  <a:pt x="150900" y="447658"/>
+                  <a:pt x="209049" y="454867"/>
+                </a:cubicBezTo>
+                <a:cubicBezTo>
+                  <a:pt x="354422" y="472890"/>
+                  <a:pt x="264290" y="505329"/>
+                  <a:pt x="409664" y="526956"/>
+                </a:cubicBezTo>
+                <a:cubicBezTo>
+                  <a:pt x="479443" y="537770"/>
+                  <a:pt x="543407" y="573815"/>
+                  <a:pt x="621908" y="516143"/>
+                </a:cubicBezTo>
+                <a:cubicBezTo>
+                  <a:pt x="674242" y="476494"/>
+                  <a:pt x="758558" y="519747"/>
+                  <a:pt x="822522" y="552188"/>
+                </a:cubicBezTo>
+                <a:cubicBezTo>
+                  <a:pt x="874856" y="581024"/>
+                  <a:pt x="927190" y="588232"/>
+                  <a:pt x="996969" y="552188"/>
+                </a:cubicBezTo>
+                <a:cubicBezTo>
+                  <a:pt x="933005" y="530562"/>
+                  <a:pt x="883579" y="512539"/>
+                  <a:pt x="834151" y="498120"/>
+                </a:cubicBezTo>
+                <a:cubicBezTo>
+                  <a:pt x="793447" y="487307"/>
+                  <a:pt x="770187" y="462076"/>
+                  <a:pt x="773095" y="408008"/>
+                </a:cubicBezTo>
+                <a:cubicBezTo>
+                  <a:pt x="773095" y="379172"/>
+                  <a:pt x="764373" y="339523"/>
+                  <a:pt x="793447" y="325106"/>
+                </a:cubicBezTo>
+                <a:cubicBezTo>
+                  <a:pt x="816707" y="310688"/>
+                  <a:pt x="848689" y="325106"/>
+                  <a:pt x="860319" y="350336"/>
+                </a:cubicBezTo>
+                <a:cubicBezTo>
+                  <a:pt x="874856" y="397195"/>
+                  <a:pt x="889393" y="440449"/>
+                  <a:pt x="938820" y="444054"/>
+                </a:cubicBezTo>
+                <a:cubicBezTo>
+                  <a:pt x="1005692" y="451262"/>
+                  <a:pt x="967894" y="422426"/>
+                  <a:pt x="956265" y="386381"/>
+                </a:cubicBezTo>
+                <a:cubicBezTo>
+                  <a:pt x="944635" y="346733"/>
+                  <a:pt x="979525" y="335919"/>
+                  <a:pt x="1002784" y="343127"/>
+                </a:cubicBezTo>
+                <a:cubicBezTo>
+                  <a:pt x="1090008" y="375569"/>
+                  <a:pt x="1180139" y="317897"/>
+                  <a:pt x="1270270" y="364755"/>
+                </a:cubicBezTo>
+                <a:cubicBezTo>
+                  <a:pt x="1247011" y="249411"/>
+                  <a:pt x="1197583" y="198949"/>
+                  <a:pt x="1092915" y="180926"/>
+                </a:cubicBezTo>
+                <a:cubicBezTo>
+                  <a:pt x="1055118" y="177322"/>
+                  <a:pt x="1014414" y="184530"/>
+                  <a:pt x="979525" y="152090"/>
+                </a:cubicBezTo>
+                <a:cubicBezTo>
+                  <a:pt x="959172" y="134068"/>
+                  <a:pt x="938820" y="112441"/>
+                  <a:pt x="953358" y="76396"/>
+                </a:cubicBezTo>
+                <a:cubicBezTo>
+                  <a:pt x="962080" y="51165"/>
+                  <a:pt x="985339" y="51165"/>
+                  <a:pt x="1005692" y="58373"/>
+                </a:cubicBezTo>
+                <a:cubicBezTo>
+                  <a:pt x="1090008" y="98023"/>
+                  <a:pt x="1180139" y="108837"/>
+                  <a:pt x="1267362" y="123254"/>
+                </a:cubicBezTo>
+                <a:cubicBezTo>
+                  <a:pt x="1281900" y="126859"/>
+                  <a:pt x="1296437" y="134068"/>
+                  <a:pt x="1310975" y="98023"/>
+                </a:cubicBezTo>
+                <a:cubicBezTo>
+                  <a:pt x="1260095" y="81803"/>
+                  <a:pt x="1209941" y="62879"/>
+                  <a:pt x="1159787" y="43505"/>
+                </a:cubicBezTo>
                 <a:close/>
               </a:path>
             </a:pathLst>
           </a:custGeom>
           <a:solidFill>
-            <a:srgbClr val="81A6C4">
+            <a:schemeClr val="accent1">
               <a:alpha val="20000"/>
-            </a:srgbClr>
+            </a:schemeClr>
           </a:solidFill>
-          <a:ln w="32707" cap="flat">
+          <a:ln>
             <a:noFill/>
-            <a:prstDash val="solid"/>
-            <a:miter/>
           </a:ln>
         </p:spPr>
+        <p:style>
+          <a:lnRef idx="2">
+            <a:schemeClr val="accent1">
+              <a:shade val="50000"/>
+            </a:schemeClr>
+          </a:lnRef>
+          <a:fillRef idx="1">
+            <a:schemeClr val="accent1"/>
+          </a:fillRef>
+          <a:effectRef idx="0">
+            <a:schemeClr val="accent1"/>
+          </a:effectRef>
+          <a:fontRef idx="minor">
+            <a:schemeClr val="lt1"/>
+          </a:fontRef>
+        </p:style>
         <p:txBody>
           <a:bodyPr wrap="square" rtlCol="0" anchor="ctr">
             <a:noAutofit/>
           </a:bodyPr>
           <a:lstStyle/>
           <a:p>
+            <a:pPr algn="ctr"/>
             <a:endParaRPr lang="en-US"/>
           </a:p>
         </p:txBody>
@@ -25238,8 +28170,8 @@
         </p:nvSpPr>
         <p:spPr>
           <a:xfrm>
-            <a:off x="5761142" y="630088"/>
-            <a:ext cx="5602705" cy="2678333"/>
+            <a:off x="643468" y="643467"/>
+            <a:ext cx="4620584" cy="4567137"/>
           </a:xfrm>
         </p:spPr>
         <p:txBody>
@@ -25249,12 +28181,12 @@
           <a:lstStyle/>
           <a:p>
             <a:r>
-              <a:rPr lang="en-US" sz="4700" b="0" i="1" dirty="0">
+              <a:rPr lang="en-US" sz="4800" b="0" i="1">
                 <a:effectLst/>
               </a:rPr>
               <a:t>Score comparison for all the Base models</a:t>
             </a:r>
-            <a:endParaRPr lang="en-US" sz="4700" i="1" dirty="0"/>
+            <a:endParaRPr lang="en-US" sz="4800" i="1"/>
           </a:p>
         </p:txBody>
       </p:sp>
@@ -25273,44 +28205,44 @@
           <p:nvPr>
             <p:extLst>
               <p:ext uri="{D42A27DB-BD31-4B8C-83A1-F6EECF244321}">
-                <p14:modId xmlns:p14="http://schemas.microsoft.com/office/powerpoint/2010/main" val="3245757444"/>
+                <p14:modId xmlns:p14="http://schemas.microsoft.com/office/powerpoint/2010/main" val="57125395"/>
               </p:ext>
             </p:extLst>
           </p:nvPr>
         </p:nvGraphicFramePr>
         <p:xfrm>
-          <a:off x="542264" y="3542280"/>
-          <a:ext cx="5768101" cy="2717855"/>
+          <a:off x="6606253" y="2289498"/>
+          <a:ext cx="4942283" cy="2279006"/>
         </p:xfrm>
         <a:graphic>
           <a:graphicData uri="http://schemas.openxmlformats.org/drawingml/2006/table">
             <a:tbl>
               <a:tblPr firstRow="1" bandRow="1">
-                <a:tableStyleId>{2D5ABB26-0587-4C30-8999-92F81FD0307C}</a:tableStyleId>
+                <a:tableStyleId>{9D7B26C5-4107-4FEC-AEDC-1716B250A1EF}</a:tableStyleId>
               </a:tblPr>
               <a:tblGrid>
-                <a:gridCol w="1413061">
+                <a:gridCol w="1210603">
                   <a:extLst>
                     <a:ext uri="{9D8B030D-6E8A-4147-A177-3AD203B41FA5}">
                       <a16:colId xmlns:a16="http://schemas.microsoft.com/office/drawing/2014/main" val="1170161297"/>
                     </a:ext>
                   </a:extLst>
                 </a:gridCol>
-                <a:gridCol w="1165366">
+                <a:gridCol w="997082">
                   <a:extLst>
                     <a:ext uri="{9D8B030D-6E8A-4147-A177-3AD203B41FA5}">
                       <a16:colId xmlns:a16="http://schemas.microsoft.com/office/drawing/2014/main" val="3638818227"/>
                     </a:ext>
                   </a:extLst>
                 </a:gridCol>
-                <a:gridCol w="1594837">
+                <a:gridCol w="1367299">
                   <a:extLst>
                     <a:ext uri="{9D8B030D-6E8A-4147-A177-3AD203B41FA5}">
                       <a16:colId xmlns:a16="http://schemas.microsoft.com/office/drawing/2014/main" val="3251631380"/>
                     </a:ext>
                   </a:extLst>
                 </a:gridCol>
-                <a:gridCol w="1594837">
+                <a:gridCol w="1367299">
                   <a:extLst>
                     <a:ext uri="{9D8B030D-6E8A-4147-A177-3AD203B41FA5}">
                       <a16:colId xmlns:a16="http://schemas.microsoft.com/office/drawing/2014/main" val="1588481341"/>
@@ -25318,7 +28250,167 @@
                   </a:extLst>
                 </a:gridCol>
               </a:tblGrid>
-              <a:tr h="434857">
+              <a:tr h="350005">
+                <a:tc>
+                  <a:txBody>
+                    <a:bodyPr/>
+                    <a:lstStyle/>
+                    <a:p>
+                      <a:r>
+                        <a:rPr lang="en-US" sz="1400" b="1"/>
+                        <a:t>Model</a:t>
+                      </a:r>
+                    </a:p>
+                  </a:txBody>
+                  <a:tcPr marL="95434" marR="95434" marT="47716" marB="47716"/>
+                </a:tc>
+                <a:tc>
+                  <a:txBody>
+                    <a:bodyPr/>
+                    <a:lstStyle/>
+                    <a:p>
+                      <a:r>
+                        <a:rPr lang="en-IN" sz="1400" b="1" kern="1200">
+                          <a:solidFill>
+                            <a:schemeClr val="tx1"/>
+                          </a:solidFill>
+                          <a:effectLst/>
+                        </a:rPr>
+                        <a:t>R²</a:t>
+                      </a:r>
+                      <a:endParaRPr lang="en-IN" sz="1400" b="1"/>
+                    </a:p>
+                  </a:txBody>
+                  <a:tcPr marL="95434" marR="95434" marT="47716" marB="47716"/>
+                </a:tc>
+                <a:tc>
+                  <a:txBody>
+                    <a:bodyPr/>
+                    <a:lstStyle/>
+                    <a:p>
+                      <a:r>
+                        <a:rPr lang="en-IN" sz="1400" b="1" kern="1200">
+                          <a:solidFill>
+                            <a:schemeClr val="tx1"/>
+                          </a:solidFill>
+                          <a:effectLst/>
+                        </a:rPr>
+                        <a:t>MAE</a:t>
+                      </a:r>
+                      <a:endParaRPr lang="en-IN" sz="1400" b="1"/>
+                    </a:p>
+                  </a:txBody>
+                  <a:tcPr marL="95434" marR="95434" marT="47716" marB="47716"/>
+                </a:tc>
+                <a:tc>
+                  <a:txBody>
+                    <a:bodyPr/>
+                    <a:lstStyle/>
+                    <a:p>
+                      <a:r>
+                        <a:rPr lang="en-IN" sz="1400" b="1" kern="1200">
+                          <a:solidFill>
+                            <a:schemeClr val="tx1"/>
+                          </a:solidFill>
+                          <a:effectLst/>
+                        </a:rPr>
+                        <a:t>RMSE</a:t>
+                      </a:r>
+                      <a:endParaRPr lang="en-IN" sz="1400" b="1"/>
+                    </a:p>
+                  </a:txBody>
+                  <a:tcPr marL="95434" marR="95434" marT="47716" marB="47716"/>
+                </a:tc>
+                <a:extLst>
+                  <a:ext uri="{0D108BD9-81ED-4DB2-BD59-A6C34878D82A}">
+                    <a16:rowId xmlns:a16="http://schemas.microsoft.com/office/drawing/2014/main" val="1085955518"/>
+                  </a:ext>
+                </a:extLst>
+              </a:tr>
+              <a:tr h="531842">
+                <a:tc>
+                  <a:txBody>
+                    <a:bodyPr/>
+                    <a:lstStyle/>
+                    <a:p>
+                      <a:r>
+                        <a:rPr lang="en-IN" sz="1300" b="1" kern="1200">
+                          <a:solidFill>
+                            <a:schemeClr val="tx1"/>
+                          </a:solidFill>
+                          <a:effectLst/>
+                        </a:rPr>
+                        <a:t>Linear Regression</a:t>
+                      </a:r>
+                      <a:endParaRPr lang="en-IN" sz="1300" b="1"/>
+                    </a:p>
+                  </a:txBody>
+                  <a:tcPr marL="95434" marR="95434" marT="47716" marB="47716"/>
+                </a:tc>
+                <a:tc>
+                  <a:txBody>
+                    <a:bodyPr/>
+                    <a:lstStyle/>
+                    <a:p>
+                      <a:r>
+                        <a:rPr lang="en-IN" sz="1300" b="0" kern="1200">
+                          <a:solidFill>
+                            <a:schemeClr val="tx1"/>
+                          </a:solidFill>
+                          <a:effectLst/>
+                        </a:rPr>
+                        <a:t>0.972525</a:t>
+                      </a:r>
+                      <a:endParaRPr lang="en-IN" sz="1300"/>
+                    </a:p>
+                  </a:txBody>
+                  <a:tcPr marL="95434" marR="95434" marT="47716" marB="47716"/>
+                </a:tc>
+                <a:tc>
+                  <a:txBody>
+                    <a:bodyPr/>
+                    <a:lstStyle/>
+                    <a:p>
+                      <a:r>
+                        <a:rPr lang="en-IN" sz="1300" b="0" kern="1200">
+                          <a:solidFill>
+                            <a:schemeClr val="tx1"/>
+                          </a:solidFill>
+                          <a:effectLst/>
+                        </a:rPr>
+                        <a:t>7.280401e+00</a:t>
+                      </a:r>
+                      <a:endParaRPr lang="en-IN" sz="1300"/>
+                    </a:p>
+                  </a:txBody>
+                  <a:tcPr marL="95434" marR="95434" marT="47716" marB="47716"/>
+                </a:tc>
+                <a:tc>
+                  <a:txBody>
+                    <a:bodyPr/>
+                    <a:lstStyle/>
+                    <a:p>
+                      <a:r>
+                        <a:rPr lang="en-IN" sz="1300" b="0" kern="1200">
+                          <a:solidFill>
+                            <a:schemeClr val="tx1"/>
+                          </a:solidFill>
+                          <a:effectLst/>
+                        </a:rPr>
+                        <a:t>9.396792e+00</a:t>
+                      </a:r>
+                      <a:endParaRPr lang="en-IN" sz="1300"/>
+                    </a:p>
+                  </a:txBody>
+                  <a:tcPr marL="95434" marR="95434" marT="47716" marB="47716"/>
+                </a:tc>
+                <a:extLst>
+                  <a:ext uri="{0D108BD9-81ED-4DB2-BD59-A6C34878D82A}">
+                    <a16:rowId xmlns:a16="http://schemas.microsoft.com/office/drawing/2014/main" val="3959206358"/>
+                  </a:ext>
+                </a:extLst>
+              </a:tr>
+              <a:tr h="531842">
                 <a:tc>
                   <a:txBody>
                     <a:bodyPr/>
@@ -25326,11 +28418,12 @@
                     <a:p>
                       <a:r>
                         <a:rPr lang="en-US" sz="1300" b="1"/>
-                        <a:t>Model</a:t>
+                        <a:t>Decision Tree</a:t>
                       </a:r>
+                      <a:endParaRPr lang="en-IN" sz="1300" b="1"/>
                     </a:p>
                   </a:txBody>
-                  <a:tcPr marL="87983" marR="87983" marT="43991" marB="43991"/>
+                  <a:tcPr marL="95434" marR="95434" marT="47716" marB="47716"/>
                 </a:tc>
                 <a:tc>
                   <a:txBody>
@@ -25338,21 +28431,18 @@
                     <a:lstStyle/>
                     <a:p>
                       <a:r>
-                        <a:rPr lang="en-IN" sz="1300" b="1" i="0" kern="1200">
+                        <a:rPr lang="it-IT" sz="1300" b="0" kern="1200">
                           <a:solidFill>
                             <a:schemeClr val="tx1"/>
                           </a:solidFill>
                           <a:effectLst/>
-                          <a:latin typeface="+mn-lt"/>
-                          <a:ea typeface="+mn-ea"/>
-                          <a:cs typeface="+mn-cs"/>
                         </a:rPr>
-                        <a:t>R²</a:t>
+                        <a:t>1.000000</a:t>
                       </a:r>
-                      <a:endParaRPr lang="en-IN" sz="1300" b="1"/>
+                      <a:endParaRPr lang="en-IN" sz="1300"/>
                     </a:p>
                   </a:txBody>
-                  <a:tcPr marL="87983" marR="87983" marT="43991" marB="43991"/>
+                  <a:tcPr marL="95434" marR="95434" marT="47716" marB="47716"/>
                 </a:tc>
                 <a:tc>
                   <a:txBody>
@@ -25360,21 +28450,18 @@
                     <a:lstStyle/>
                     <a:p>
                       <a:r>
-                        <a:rPr lang="en-IN" sz="1300" b="1" i="0" kern="1200">
+                        <a:rPr lang="it-IT" sz="1300" b="0" kern="1200">
                           <a:solidFill>
                             <a:schemeClr val="tx1"/>
                           </a:solidFill>
                           <a:effectLst/>
-                          <a:latin typeface="+mn-lt"/>
-                          <a:ea typeface="+mn-ea"/>
-                          <a:cs typeface="+mn-cs"/>
                         </a:rPr>
-                        <a:t>MAE</a:t>
+                        <a:t>9.135549e-15</a:t>
                       </a:r>
-                      <a:endParaRPr lang="en-IN" sz="1300" b="1"/>
+                      <a:endParaRPr lang="en-IN" sz="1300"/>
                     </a:p>
                   </a:txBody>
-                  <a:tcPr marL="87983" marR="87983" marT="43991" marB="43991"/>
+                  <a:tcPr marL="95434" marR="95434" marT="47716" marB="47716"/>
                 </a:tc>
                 <a:tc>
                   <a:txBody>
@@ -25382,50 +28469,39 @@
                     <a:lstStyle/>
                     <a:p>
                       <a:r>
-                        <a:rPr lang="en-IN" sz="1300" b="1" i="0" kern="1200">
+                        <a:rPr lang="it-IT" sz="1300" b="0" kern="1200">
                           <a:solidFill>
                             <a:schemeClr val="tx1"/>
                           </a:solidFill>
                           <a:effectLst/>
-                          <a:latin typeface="+mn-lt"/>
-                          <a:ea typeface="+mn-ea"/>
-                          <a:cs typeface="+mn-cs"/>
                         </a:rPr>
-                        <a:t>RMSE</a:t>
+                        <a:t>1.936613e-14 </a:t>
                       </a:r>
-                      <a:endParaRPr lang="en-IN" sz="1300" b="1"/>
+                      <a:endParaRPr lang="en-IN" sz="1300"/>
                     </a:p>
                   </a:txBody>
-                  <a:tcPr marL="87983" marR="87983" marT="43991" marB="43991"/>
+                  <a:tcPr marL="95434" marR="95434" marT="47716" marB="47716"/>
                 </a:tc>
                 <a:extLst>
                   <a:ext uri="{0D108BD9-81ED-4DB2-BD59-A6C34878D82A}">
-                    <a16:rowId xmlns:a16="http://schemas.microsoft.com/office/drawing/2014/main" val="1085955518"/>
+                    <a16:rowId xmlns:a16="http://schemas.microsoft.com/office/drawing/2014/main" val="3714337822"/>
                   </a:ext>
                 </a:extLst>
               </a:tr>
-              <a:tr h="628989">
+              <a:tr h="531842">
                 <a:tc>
                   <a:txBody>
                     <a:bodyPr/>
                     <a:lstStyle/>
                     <a:p>
                       <a:r>
-                        <a:rPr lang="en-IN" sz="1200" b="1" i="0" kern="1200" dirty="0">
-                          <a:solidFill>
-                            <a:schemeClr val="tx1"/>
-                          </a:solidFill>
-                          <a:effectLst/>
-                          <a:latin typeface="+mn-lt"/>
-                          <a:ea typeface="+mn-ea"/>
-                          <a:cs typeface="+mn-cs"/>
-                        </a:rPr>
-                        <a:t>Linear Regression</a:t>
+                        <a:rPr lang="en-US" sz="1300" b="1"/>
+                        <a:t>Random Forest</a:t>
                       </a:r>
-                      <a:endParaRPr lang="en-IN" sz="1200" b="1" dirty="0"/>
+                      <a:endParaRPr lang="en-IN" sz="1300" b="1"/>
                     </a:p>
                   </a:txBody>
-                  <a:tcPr marL="87983" marR="87983" marT="43991" marB="43991"/>
+                  <a:tcPr marL="95434" marR="95434" marT="47716" marB="47716"/>
                 </a:tc>
                 <a:tc>
                   <a:txBody>
@@ -25433,195 +28509,18 @@
                     <a:lstStyle/>
                     <a:p>
                       <a:r>
-                        <a:rPr lang="en-IN" sz="1200" b="0" i="0" kern="1200" dirty="0">
+                        <a:rPr lang="en-IN" sz="1300" b="0" kern="1200">
                           <a:solidFill>
                             <a:schemeClr val="tx1"/>
                           </a:solidFill>
                           <a:effectLst/>
-                          <a:latin typeface="+mn-lt"/>
-                          <a:ea typeface="+mn-ea"/>
-                          <a:cs typeface="+mn-cs"/>
-                        </a:rPr>
-                        <a:t>0.972525</a:t>
-                      </a:r>
-                      <a:endParaRPr lang="en-IN" sz="1200" dirty="0"/>
-                    </a:p>
-                  </a:txBody>
-                  <a:tcPr marL="87983" marR="87983" marT="43991" marB="43991"/>
-                </a:tc>
-                <a:tc>
-                  <a:txBody>
-                    <a:bodyPr/>
-                    <a:lstStyle/>
-                    <a:p>
-                      <a:r>
-                        <a:rPr lang="en-IN" sz="1200" b="0" i="0" kern="1200" dirty="0">
-                          <a:solidFill>
-                            <a:schemeClr val="tx1"/>
-                          </a:solidFill>
-                          <a:effectLst/>
-                          <a:latin typeface="+mn-lt"/>
-                          <a:ea typeface="+mn-ea"/>
-                          <a:cs typeface="+mn-cs"/>
-                        </a:rPr>
-                        <a:t>7.280401e+00</a:t>
-                      </a:r>
-                      <a:endParaRPr lang="en-IN" sz="1200" dirty="0"/>
-                    </a:p>
-                  </a:txBody>
-                  <a:tcPr marL="87983" marR="87983" marT="43991" marB="43991"/>
-                </a:tc>
-                <a:tc>
-                  <a:txBody>
-                    <a:bodyPr/>
-                    <a:lstStyle/>
-                    <a:p>
-                      <a:r>
-                        <a:rPr lang="en-IN" sz="1200" b="0" i="0" kern="1200" dirty="0">
-                          <a:solidFill>
-                            <a:schemeClr val="tx1"/>
-                          </a:solidFill>
-                          <a:effectLst/>
-                          <a:latin typeface="+mn-lt"/>
-                          <a:ea typeface="+mn-ea"/>
-                          <a:cs typeface="+mn-cs"/>
-                        </a:rPr>
-                        <a:t>9.396792e+00</a:t>
-                      </a:r>
-                      <a:endParaRPr lang="en-IN" sz="1200" dirty="0"/>
-                    </a:p>
-                  </a:txBody>
-                  <a:tcPr marL="87983" marR="87983" marT="43991" marB="43991"/>
-                </a:tc>
-                <a:extLst>
-                  <a:ext uri="{0D108BD9-81ED-4DB2-BD59-A6C34878D82A}">
-                    <a16:rowId xmlns:a16="http://schemas.microsoft.com/office/drawing/2014/main" val="3959206358"/>
-                  </a:ext>
-                </a:extLst>
-              </a:tr>
-              <a:tr h="628989">
-                <a:tc>
-                  <a:txBody>
-                    <a:bodyPr/>
-                    <a:lstStyle/>
-                    <a:p>
-                      <a:r>
-                        <a:rPr lang="en-US" sz="1200" b="1" dirty="0"/>
-                        <a:t>Decision Tree</a:t>
-                      </a:r>
-                      <a:endParaRPr lang="en-IN" sz="1200" b="1" dirty="0"/>
-                    </a:p>
-                  </a:txBody>
-                  <a:tcPr marL="87983" marR="87983" marT="43991" marB="43991"/>
-                </a:tc>
-                <a:tc>
-                  <a:txBody>
-                    <a:bodyPr/>
-                    <a:lstStyle/>
-                    <a:p>
-                      <a:r>
-                        <a:rPr lang="it-IT" sz="1200" b="0" i="0" kern="1200" dirty="0">
-                          <a:solidFill>
-                            <a:schemeClr val="tx1"/>
-                          </a:solidFill>
-                          <a:effectLst/>
-                          <a:latin typeface="+mn-lt"/>
-                          <a:ea typeface="+mn-ea"/>
-                          <a:cs typeface="+mn-cs"/>
-                        </a:rPr>
-                        <a:t>1.000000</a:t>
-                      </a:r>
-                      <a:endParaRPr lang="en-IN" sz="1200" dirty="0"/>
-                    </a:p>
-                  </a:txBody>
-                  <a:tcPr marL="87983" marR="87983" marT="43991" marB="43991"/>
-                </a:tc>
-                <a:tc>
-                  <a:txBody>
-                    <a:bodyPr/>
-                    <a:lstStyle/>
-                    <a:p>
-                      <a:r>
-                        <a:rPr lang="it-IT" sz="1200" b="0" i="0" kern="1200" dirty="0">
-                          <a:solidFill>
-                            <a:schemeClr val="tx1"/>
-                          </a:solidFill>
-                          <a:effectLst/>
-                          <a:latin typeface="+mn-lt"/>
-                          <a:ea typeface="+mn-ea"/>
-                          <a:cs typeface="+mn-cs"/>
-                        </a:rPr>
-                        <a:t>9.135549e-15</a:t>
-                      </a:r>
-                      <a:endParaRPr lang="en-IN" sz="1200" dirty="0"/>
-                    </a:p>
-                  </a:txBody>
-                  <a:tcPr marL="87983" marR="87983" marT="43991" marB="43991"/>
-                </a:tc>
-                <a:tc>
-                  <a:txBody>
-                    <a:bodyPr/>
-                    <a:lstStyle/>
-                    <a:p>
-                      <a:r>
-                        <a:rPr lang="it-IT" sz="1200" b="0" i="0" kern="1200" dirty="0">
-                          <a:solidFill>
-                            <a:schemeClr val="tx1"/>
-                          </a:solidFill>
-                          <a:effectLst/>
-                          <a:latin typeface="+mn-lt"/>
-                          <a:ea typeface="+mn-ea"/>
-                          <a:cs typeface="+mn-cs"/>
-                        </a:rPr>
-                        <a:t>1.936613e-14 </a:t>
-                      </a:r>
-                      <a:endParaRPr lang="en-IN" sz="1200" dirty="0"/>
-                    </a:p>
-                  </a:txBody>
-                  <a:tcPr marL="87983" marR="87983" marT="43991" marB="43991"/>
-                </a:tc>
-                <a:extLst>
-                  <a:ext uri="{0D108BD9-81ED-4DB2-BD59-A6C34878D82A}">
-                    <a16:rowId xmlns:a16="http://schemas.microsoft.com/office/drawing/2014/main" val="3714337822"/>
-                  </a:ext>
-                </a:extLst>
-              </a:tr>
-              <a:tr h="628989">
-                <a:tc>
-                  <a:txBody>
-                    <a:bodyPr/>
-                    <a:lstStyle/>
-                    <a:p>
-                      <a:r>
-                        <a:rPr lang="en-US" sz="1200" b="1" dirty="0"/>
-                        <a:t>Random Forest</a:t>
-                      </a:r>
-                      <a:endParaRPr lang="en-IN" sz="1200" b="1" dirty="0"/>
-                    </a:p>
-                  </a:txBody>
-                  <a:tcPr marL="87983" marR="87983" marT="43991" marB="43991"/>
-                </a:tc>
-                <a:tc>
-                  <a:txBody>
-                    <a:bodyPr/>
-                    <a:lstStyle/>
-                    <a:p>
-                      <a:r>
-                        <a:rPr lang="en-IN" sz="1200" b="0" i="0" kern="1200" dirty="0">
-                          <a:solidFill>
-                            <a:schemeClr val="tx1"/>
-                          </a:solidFill>
-                          <a:effectLst/>
-                          <a:latin typeface="+mn-lt"/>
-                          <a:ea typeface="+mn-ea"/>
-                          <a:cs typeface="+mn-cs"/>
                         </a:rPr>
                         <a:t>0.999041</a:t>
                       </a:r>
-                      <a:endParaRPr lang="en-IN" sz="1200" dirty="0"/>
+                      <a:endParaRPr lang="en-IN" sz="1300"/>
                     </a:p>
                   </a:txBody>
-                  <a:tcPr marL="87983" marR="87983" marT="43991" marB="43991"/>
+                  <a:tcPr marL="95434" marR="95434" marT="47716" marB="47716"/>
                 </a:tc>
                 <a:tc>
                   <a:txBody>
@@ -25646,21 +28545,18 @@
                         <a:defRPr/>
                       </a:pPr>
                       <a:r>
-                        <a:rPr lang="en-IN" sz="1200" b="0" i="0" kern="1200" dirty="0">
+                        <a:rPr lang="en-IN" sz="1300" b="0" kern="1200">
                           <a:solidFill>
                             <a:schemeClr val="tx1"/>
                           </a:solidFill>
                           <a:effectLst/>
-                          <a:latin typeface="+mn-lt"/>
-                          <a:ea typeface="+mn-ea"/>
-                          <a:cs typeface="+mn-cs"/>
                         </a:rPr>
                         <a:t>1.244732e+00</a:t>
                       </a:r>
-                      <a:endParaRPr lang="en-IN" sz="1200" dirty="0"/>
+                      <a:endParaRPr lang="en-IN" sz="1300"/>
                     </a:p>
                   </a:txBody>
-                  <a:tcPr marL="87983" marR="87983" marT="43991" marB="43991"/>
+                  <a:tcPr marL="95434" marR="95434" marT="47716" marB="47716"/>
                 </a:tc>
                 <a:tc>
                   <a:txBody>
@@ -25685,21 +28581,18 @@
                         <a:defRPr/>
                       </a:pPr>
                       <a:r>
-                        <a:rPr lang="en-IN" sz="1200" b="0" i="0" kern="1200" dirty="0">
+                        <a:rPr lang="en-IN" sz="1300" b="0" kern="1200">
                           <a:solidFill>
                             <a:schemeClr val="tx1"/>
                           </a:solidFill>
                           <a:effectLst/>
-                          <a:latin typeface="+mn-lt"/>
-                          <a:ea typeface="+mn-ea"/>
-                          <a:cs typeface="+mn-cs"/>
                         </a:rPr>
                         <a:t>1.755848e+00</a:t>
                       </a:r>
-                      <a:endParaRPr lang="en-IN" sz="1200" dirty="0"/>
+                      <a:endParaRPr lang="en-IN" sz="1300"/>
                     </a:p>
                   </a:txBody>
-                  <a:tcPr marL="87983" marR="87983" marT="43991" marB="43991"/>
+                  <a:tcPr marL="95434" marR="95434" marT="47716" marB="47716"/>
                 </a:tc>
                 <a:extLst>
                   <a:ext uri="{0D108BD9-81ED-4DB2-BD59-A6C34878D82A}">
@@ -25707,20 +28600,20 @@
                   </a:ext>
                 </a:extLst>
               </a:tr>
-              <a:tr h="396031">
+              <a:tr h="333475">
                 <a:tc>
                   <a:txBody>
                     <a:bodyPr/>
                     <a:lstStyle/>
                     <a:p>
                       <a:r>
-                        <a:rPr lang="en-US" sz="1200" b="1" dirty="0" err="1"/>
+                        <a:rPr lang="en-US" sz="1300" b="1"/>
                         <a:t>XGBoost</a:t>
                       </a:r>
-                      <a:endParaRPr lang="en-IN" sz="1200" b="1" dirty="0"/>
+                      <a:endParaRPr lang="en-IN" sz="1300" b="1"/>
                     </a:p>
                   </a:txBody>
-                  <a:tcPr marL="87983" marR="87983" marT="43991" marB="43991"/>
+                  <a:tcPr marL="95434" marR="95434" marT="47716" marB="47716"/>
                 </a:tc>
                 <a:tc>
                   <a:txBody>
@@ -25728,21 +28621,18 @@
                     <a:lstStyle/>
                     <a:p>
                       <a:r>
-                        <a:rPr lang="en-IN" sz="1200" b="0" i="0" kern="1200" dirty="0">
+                        <a:rPr lang="en-IN" sz="1300" b="0" kern="1200">
                           <a:solidFill>
                             <a:schemeClr val="tx1"/>
                           </a:solidFill>
                           <a:effectLst/>
-                          <a:latin typeface="+mn-lt"/>
-                          <a:ea typeface="+mn-ea"/>
-                          <a:cs typeface="+mn-cs"/>
                         </a:rPr>
                         <a:t>1.000000</a:t>
                       </a:r>
-                      <a:endParaRPr lang="en-IN" sz="1200" dirty="0"/>
+                      <a:endParaRPr lang="en-IN" sz="1300"/>
                     </a:p>
                   </a:txBody>
-                  <a:tcPr marL="87983" marR="87983" marT="43991" marB="43991"/>
+                  <a:tcPr marL="95434" marR="95434" marT="47716" marB="47716"/>
                 </a:tc>
                 <a:tc>
                   <a:txBody>
@@ -25767,21 +28657,18 @@
                         <a:defRPr/>
                       </a:pPr>
                       <a:r>
-                        <a:rPr lang="en-IN" sz="1200" b="0" i="0" kern="1200" dirty="0">
+                        <a:rPr lang="en-IN" sz="1300" b="0" kern="1200">
                           <a:solidFill>
                             <a:schemeClr val="tx1"/>
                           </a:solidFill>
                           <a:effectLst/>
-                          <a:latin typeface="+mn-lt"/>
-                          <a:ea typeface="+mn-ea"/>
-                          <a:cs typeface="+mn-cs"/>
                         </a:rPr>
                         <a:t>4.146031e-04</a:t>
                       </a:r>
-                      <a:endParaRPr lang="en-IN" sz="1200" dirty="0"/>
+                      <a:endParaRPr lang="en-IN" sz="1300"/>
                     </a:p>
                   </a:txBody>
-                  <a:tcPr marL="87983" marR="87983" marT="43991" marB="43991"/>
+                  <a:tcPr marL="95434" marR="95434" marT="47716" marB="47716"/>
                 </a:tc>
                 <a:tc>
                   <a:txBody>
@@ -25789,21 +28676,18 @@
                     <a:lstStyle/>
                     <a:p>
                       <a:r>
-                        <a:rPr lang="en-IN" sz="1200" b="0" i="0" kern="1200" dirty="0">
+                        <a:rPr lang="en-IN" sz="1300" b="0" kern="1200">
                           <a:solidFill>
                             <a:schemeClr val="tx1"/>
                           </a:solidFill>
                           <a:effectLst/>
-                          <a:latin typeface="+mn-lt"/>
-                          <a:ea typeface="+mn-ea"/>
-                          <a:cs typeface="+mn-cs"/>
                         </a:rPr>
                         <a:t>8.053193e-04</a:t>
                       </a:r>
-                      <a:endParaRPr lang="en-IN" sz="1200" dirty="0"/>
+                      <a:endParaRPr lang="en-IN" sz="1300"/>
                     </a:p>
                   </a:txBody>
-                  <a:tcPr marL="87983" marR="87983" marT="43991" marB="43991"/>
+                  <a:tcPr marL="95434" marR="95434" marT="47716" marB="47716"/>
                 </a:tc>
                 <a:extLst>
                   <a:ext uri="{0D108BD9-81ED-4DB2-BD59-A6C34878D82A}">
@@ -25828,7 +28712,7 @@
 </p:sld>
 </file>
 
-<file path=ppt/slides/slide8.xml><?xml version="1.0" encoding="utf-8"?>
+<file path=ppt/slides/slide9.xml><?xml version="1.0" encoding="utf-8"?>
 <p:sld xmlns:a="http://schemas.openxmlformats.org/drawingml/2006/main" xmlns:r="http://schemas.openxmlformats.org/officeDocument/2006/relationships" xmlns:p="http://schemas.openxmlformats.org/presentationml/2006/main">
   <p:cSld>
     <p:bg>
@@ -25855,7 +28739,7 @@
       </p:grpSpPr>
       <p:sp>
         <p:nvSpPr>
-          <p:cNvPr id="10" name="Graphic 1">
+          <p:cNvPr id="26" name="Graphic 1">
             <a:extLst>
               <a:ext uri="{FF2B5EF4-FFF2-40B4-BE49-F238E27FC236}">
                 <a16:creationId xmlns:a16="http://schemas.microsoft.com/office/drawing/2014/main" id="{0D57E7FA-E8FC-45AC-868F-CDC8144939D6}"/>
@@ -26985,10 +29869,10 @@
       </p:sp>
       <p:sp useBgFill="1">
         <p:nvSpPr>
-          <p:cNvPr id="12" name="Rectangle 11">
+          <p:cNvPr id="28" name="Rectangle 27">
             <a:extLst>
               <a:ext uri="{FF2B5EF4-FFF2-40B4-BE49-F238E27FC236}">
-                <a16:creationId xmlns:a16="http://schemas.microsoft.com/office/drawing/2014/main" id="{F269BDC9-F5DC-4A16-9583-2F8CE418465E}"/>
+                <a16:creationId xmlns:a16="http://schemas.microsoft.com/office/drawing/2014/main" id="{B7BD7FCF-A254-4A97-A15C-319B67622677}"/>
               </a:ext>
               <a:ext uri="{C183D7F6-B498-43B3-948B-1728B52AA6E4}">
                 <adec:decorative xmlns:adec="http://schemas.microsoft.com/office/drawing/2017/decorative" val="1"/>
@@ -27045,6 +29929,1004 @@
       </p:sp>
       <p:sp>
         <p:nvSpPr>
+          <p:cNvPr id="30" name="Freeform: Shape 29">
+            <a:extLst>
+              <a:ext uri="{FF2B5EF4-FFF2-40B4-BE49-F238E27FC236}">
+                <a16:creationId xmlns:a16="http://schemas.microsoft.com/office/drawing/2014/main" id="{52FFAF72-6204-4676-9C6F-9A4CC4D91805}"/>
+              </a:ext>
+              <a:ext uri="{C183D7F6-B498-43B3-948B-1728B52AA6E4}">
+                <adec:decorative xmlns:adec="http://schemas.microsoft.com/office/drawing/2017/decorative" val="1"/>
+              </a:ext>
+            </a:extLst>
+          </p:cNvPr>
+          <p:cNvSpPr>
+            <a:spLocks noGrp="1" noRot="1" noChangeAspect="1" noMove="1" noResize="1" noEditPoints="1" noAdjustHandles="1" noChangeArrowheads="1" noChangeShapeType="1" noTextEdit="1"/>
+          </p:cNvSpPr>
+          <p:nvPr>
+            <p:extLst>
+              <p:ext uri="{386F3935-93C4-4BCD-93E2-E3B085C9AB24}">
+                <p16:designElem xmlns:p16="http://schemas.microsoft.com/office/powerpoint/2015/main" val="1"/>
+              </p:ext>
+            </p:extLst>
+          </p:nvPr>
+        </p:nvSpPr>
+        <p:spPr>
+          <a:xfrm flipH="1">
+            <a:off x="0" y="0"/>
+            <a:ext cx="5962785" cy="6858000"/>
+          </a:xfrm>
+          <a:custGeom>
+            <a:avLst/>
+            <a:gdLst>
+              <a:gd name="connsiteX0" fmla="*/ 1044839 w 5962785"/>
+              <a:gd name="connsiteY0" fmla="*/ 0 h 6858000"/>
+              <a:gd name="connsiteX1" fmla="*/ 5962785 w 5962785"/>
+              <a:gd name="connsiteY1" fmla="*/ 0 h 6858000"/>
+              <a:gd name="connsiteX2" fmla="*/ 5962785 w 5962785"/>
+              <a:gd name="connsiteY2" fmla="*/ 6858000 h 6858000"/>
+              <a:gd name="connsiteX3" fmla="*/ 1469886 w 5962785"/>
+              <a:gd name="connsiteY3" fmla="*/ 6858000 h 6858000"/>
+              <a:gd name="connsiteX4" fmla="*/ 1416006 w 5962785"/>
+              <a:gd name="connsiteY4" fmla="*/ 6823984 h 6858000"/>
+              <a:gd name="connsiteX5" fmla="*/ 1232473 w 5962785"/>
+              <a:gd name="connsiteY5" fmla="*/ 6733873 h 6858000"/>
+              <a:gd name="connsiteX6" fmla="*/ 1075471 w 5962785"/>
+              <a:gd name="connsiteY6" fmla="*/ 6503186 h 6858000"/>
+              <a:gd name="connsiteX7" fmla="*/ 1020229 w 5962785"/>
+              <a:gd name="connsiteY7" fmla="*/ 6438306 h 6858000"/>
+              <a:gd name="connsiteX8" fmla="*/ 883579 w 5962785"/>
+              <a:gd name="connsiteY8" fmla="*/ 6351798 h 6858000"/>
+              <a:gd name="connsiteX9" fmla="*/ 645167 w 5962785"/>
+              <a:gd name="connsiteY9" fmla="*/ 6167969 h 6858000"/>
+              <a:gd name="connsiteX10" fmla="*/ 732391 w 5962785"/>
+              <a:gd name="connsiteY10" fmla="*/ 6124716 h 6858000"/>
+              <a:gd name="connsiteX11" fmla="*/ 985339 w 5962785"/>
+              <a:gd name="connsiteY11" fmla="*/ 6236455 h 6858000"/>
+              <a:gd name="connsiteX12" fmla="*/ 1168509 w 5962785"/>
+              <a:gd name="connsiteY12" fmla="*/ 6265291 h 6858000"/>
+              <a:gd name="connsiteX13" fmla="*/ 909746 w 5962785"/>
+              <a:gd name="connsiteY13" fmla="*/ 6070649 h 6858000"/>
+              <a:gd name="connsiteX14" fmla="*/ 659704 w 5962785"/>
+              <a:gd name="connsiteY14" fmla="*/ 5818335 h 6858000"/>
+              <a:gd name="connsiteX15" fmla="*/ 851597 w 5962785"/>
+              <a:gd name="connsiteY15" fmla="*/ 5865193 h 6858000"/>
+              <a:gd name="connsiteX16" fmla="*/ 860319 w 5962785"/>
+              <a:gd name="connsiteY16" fmla="*/ 5832753 h 6858000"/>
+              <a:gd name="connsiteX17" fmla="*/ 691686 w 5962785"/>
+              <a:gd name="connsiteY17" fmla="*/ 5533581 h 6858000"/>
+              <a:gd name="connsiteX18" fmla="*/ 610278 w 5962785"/>
+              <a:gd name="connsiteY18" fmla="*/ 5411029 h 6858000"/>
+              <a:gd name="connsiteX19" fmla="*/ 238123 w 5962785"/>
+              <a:gd name="connsiteY19" fmla="*/ 5046976 h 6858000"/>
+              <a:gd name="connsiteX20" fmla="*/ 592833 w 5962785"/>
+              <a:gd name="connsiteY20" fmla="*/ 5209177 h 6858000"/>
+              <a:gd name="connsiteX21" fmla="*/ 226494 w 5962785"/>
+              <a:gd name="connsiteY21" fmla="*/ 4855939 h 6858000"/>
+              <a:gd name="connsiteX22" fmla="*/ 49139 w 5962785"/>
+              <a:gd name="connsiteY22" fmla="*/ 4726177 h 6858000"/>
+              <a:gd name="connsiteX23" fmla="*/ 5527 w 5962785"/>
+              <a:gd name="connsiteY23" fmla="*/ 4650483 h 6858000"/>
+              <a:gd name="connsiteX24" fmla="*/ 84029 w 5962785"/>
+              <a:gd name="connsiteY24" fmla="*/ 4632460 h 6858000"/>
+              <a:gd name="connsiteX25" fmla="*/ 325347 w 5962785"/>
+              <a:gd name="connsiteY25" fmla="*/ 4661296 h 6858000"/>
+              <a:gd name="connsiteX26" fmla="*/ 25879 w 5962785"/>
+              <a:gd name="connsiteY26" fmla="*/ 4423401 h 6858000"/>
+              <a:gd name="connsiteX27" fmla="*/ 249753 w 5962785"/>
+              <a:gd name="connsiteY27" fmla="*/ 4459446 h 6858000"/>
+              <a:gd name="connsiteX28" fmla="*/ 313718 w 5962785"/>
+              <a:gd name="connsiteY28" fmla="*/ 4365729 h 6858000"/>
+              <a:gd name="connsiteX29" fmla="*/ 418386 w 5962785"/>
+              <a:gd name="connsiteY29" fmla="*/ 4214341 h 6858000"/>
+              <a:gd name="connsiteX30" fmla="*/ 491072 w 5962785"/>
+              <a:gd name="connsiteY30" fmla="*/ 4131438 h 6858000"/>
+              <a:gd name="connsiteX31" fmla="*/ 520147 w 5962785"/>
+              <a:gd name="connsiteY31" fmla="*/ 3864706 h 6858000"/>
+              <a:gd name="connsiteX32" fmla="*/ 459090 w 5962785"/>
+              <a:gd name="connsiteY32" fmla="*/ 3572743 h 6858000"/>
+              <a:gd name="connsiteX33" fmla="*/ 290458 w 5962785"/>
+              <a:gd name="connsiteY33" fmla="*/ 3424959 h 6858000"/>
+              <a:gd name="connsiteX34" fmla="*/ 339884 w 5962785"/>
+              <a:gd name="connsiteY34" fmla="*/ 3259153 h 6858000"/>
+              <a:gd name="connsiteX35" fmla="*/ 697501 w 5962785"/>
+              <a:gd name="connsiteY35" fmla="*/ 3360078 h 6858000"/>
+              <a:gd name="connsiteX36" fmla="*/ 165437 w 5962785"/>
+              <a:gd name="connsiteY36" fmla="*/ 2967190 h 6858000"/>
+              <a:gd name="connsiteX37" fmla="*/ 255568 w 5962785"/>
+              <a:gd name="connsiteY37" fmla="*/ 2949167 h 6858000"/>
+              <a:gd name="connsiteX38" fmla="*/ 578296 w 5962785"/>
+              <a:gd name="connsiteY38" fmla="*/ 2725691 h 6858000"/>
+              <a:gd name="connsiteX39" fmla="*/ 595740 w 5962785"/>
+              <a:gd name="connsiteY39" fmla="*/ 2714876 h 6858000"/>
+              <a:gd name="connsiteX40" fmla="*/ 650982 w 5962785"/>
+              <a:gd name="connsiteY40" fmla="*/ 2574301 h 6858000"/>
+              <a:gd name="connsiteX41" fmla="*/ 825429 w 5962785"/>
+              <a:gd name="connsiteY41" fmla="*/ 2552674 h 6858000"/>
+              <a:gd name="connsiteX42" fmla="*/ 970802 w 5962785"/>
+              <a:gd name="connsiteY42" fmla="*/ 2585115 h 6858000"/>
+              <a:gd name="connsiteX43" fmla="*/ 1127805 w 5962785"/>
+              <a:gd name="connsiteY43" fmla="*/ 2545465 h 6858000"/>
+              <a:gd name="connsiteX44" fmla="*/ 1267362 w 5962785"/>
+              <a:gd name="connsiteY44" fmla="*/ 2563488 h 6858000"/>
+              <a:gd name="connsiteX45" fmla="*/ 1386568 w 5962785"/>
+              <a:gd name="connsiteY45" fmla="*/ 2538257 h 6858000"/>
+              <a:gd name="connsiteX46" fmla="*/ 1270270 w 5962785"/>
+              <a:gd name="connsiteY46" fmla="*/ 2419309 h 6858000"/>
+              <a:gd name="connsiteX47" fmla="*/ 1107453 w 5962785"/>
+              <a:gd name="connsiteY47" fmla="*/ 2419309 h 6858000"/>
+              <a:gd name="connsiteX48" fmla="*/ 991154 w 5962785"/>
+              <a:gd name="connsiteY48" fmla="*/ 2343615 h 6858000"/>
+              <a:gd name="connsiteX49" fmla="*/ 880671 w 5962785"/>
+              <a:gd name="connsiteY49" fmla="*/ 2206645 h 6858000"/>
+              <a:gd name="connsiteX50" fmla="*/ 491072 w 5962785"/>
+              <a:gd name="connsiteY50" fmla="*/ 1986771 h 6858000"/>
+              <a:gd name="connsiteX51" fmla="*/ 421293 w 5962785"/>
+              <a:gd name="connsiteY51" fmla="*/ 1903868 h 6858000"/>
+              <a:gd name="connsiteX52" fmla="*/ 1531941 w 5962785"/>
+              <a:gd name="connsiteY52" fmla="*/ 2224667 h 6858000"/>
+              <a:gd name="connsiteX53" fmla="*/ 1188861 w 5962785"/>
+              <a:gd name="connsiteY53" fmla="*/ 2091301 h 6858000"/>
+              <a:gd name="connsiteX54" fmla="*/ 1421458 w 5962785"/>
+              <a:gd name="connsiteY54" fmla="*/ 2116532 h 6858000"/>
+              <a:gd name="connsiteX55" fmla="*/ 1549386 w 5962785"/>
+              <a:gd name="connsiteY55" fmla="*/ 2026420 h 6858000"/>
+              <a:gd name="connsiteX56" fmla="*/ 1549386 w 5962785"/>
+              <a:gd name="connsiteY56" fmla="*/ 1997584 h 6858000"/>
+              <a:gd name="connsiteX57" fmla="*/ 1453440 w 5962785"/>
+              <a:gd name="connsiteY57" fmla="*/ 1914682 h 6858000"/>
+              <a:gd name="connsiteX58" fmla="*/ 1398198 w 5962785"/>
+              <a:gd name="connsiteY58" fmla="*/ 1860614 h 6858000"/>
+              <a:gd name="connsiteX59" fmla="*/ 1247011 w 5962785"/>
+              <a:gd name="connsiteY59" fmla="*/ 1665972 h 6858000"/>
+              <a:gd name="connsiteX60" fmla="*/ 1354586 w 5962785"/>
+              <a:gd name="connsiteY60" fmla="*/ 1644345 h 6858000"/>
+              <a:gd name="connsiteX61" fmla="*/ 1395290 w 5962785"/>
+              <a:gd name="connsiteY61" fmla="*/ 1604696 h 6858000"/>
+              <a:gd name="connsiteX62" fmla="*/ 1366216 w 5962785"/>
+              <a:gd name="connsiteY62" fmla="*/ 1547025 h 6858000"/>
+              <a:gd name="connsiteX63" fmla="*/ 1031858 w 5962785"/>
+              <a:gd name="connsiteY63" fmla="*/ 1370405 h 6858000"/>
+              <a:gd name="connsiteX64" fmla="*/ 1005692 w 5962785"/>
+              <a:gd name="connsiteY64" fmla="*/ 1233435 h 6858000"/>
+              <a:gd name="connsiteX65" fmla="*/ 1069655 w 5962785"/>
+              <a:gd name="connsiteY65" fmla="*/ 1211808 h 6858000"/>
+              <a:gd name="connsiteX66" fmla="*/ 1142342 w 5962785"/>
+              <a:gd name="connsiteY66" fmla="*/ 1222621 h 6858000"/>
+              <a:gd name="connsiteX67" fmla="*/ 1084193 w 5962785"/>
+              <a:gd name="connsiteY67" fmla="*/ 1114487 h 6858000"/>
+              <a:gd name="connsiteX68" fmla="*/ 848689 w 5962785"/>
+              <a:gd name="connsiteY68" fmla="*/ 1006353 h 6858000"/>
+              <a:gd name="connsiteX69" fmla="*/ 805077 w 5962785"/>
+              <a:gd name="connsiteY69" fmla="*/ 948681 h 6858000"/>
+              <a:gd name="connsiteX70" fmla="*/ 863226 w 5962785"/>
+              <a:gd name="connsiteY70" fmla="*/ 919844 h 6858000"/>
+              <a:gd name="connsiteX71" fmla="*/ 906838 w 5962785"/>
+              <a:gd name="connsiteY71" fmla="*/ 909031 h 6858000"/>
+              <a:gd name="connsiteX72" fmla="*/ 5527 w 5962785"/>
+              <a:gd name="connsiteY72" fmla="*/ 458471 h 6858000"/>
+              <a:gd name="connsiteX73" fmla="*/ 209049 w 5962785"/>
+              <a:gd name="connsiteY73" fmla="*/ 454867 h 6858000"/>
+              <a:gd name="connsiteX74" fmla="*/ 409664 w 5962785"/>
+              <a:gd name="connsiteY74" fmla="*/ 526956 h 6858000"/>
+              <a:gd name="connsiteX75" fmla="*/ 621908 w 5962785"/>
+              <a:gd name="connsiteY75" fmla="*/ 516143 h 6858000"/>
+              <a:gd name="connsiteX76" fmla="*/ 822522 w 5962785"/>
+              <a:gd name="connsiteY76" fmla="*/ 552188 h 6858000"/>
+              <a:gd name="connsiteX77" fmla="*/ 996969 w 5962785"/>
+              <a:gd name="connsiteY77" fmla="*/ 552188 h 6858000"/>
+              <a:gd name="connsiteX78" fmla="*/ 834151 w 5962785"/>
+              <a:gd name="connsiteY78" fmla="*/ 498120 h 6858000"/>
+              <a:gd name="connsiteX79" fmla="*/ 773095 w 5962785"/>
+              <a:gd name="connsiteY79" fmla="*/ 408008 h 6858000"/>
+              <a:gd name="connsiteX80" fmla="*/ 793447 w 5962785"/>
+              <a:gd name="connsiteY80" fmla="*/ 325106 h 6858000"/>
+              <a:gd name="connsiteX81" fmla="*/ 860319 w 5962785"/>
+              <a:gd name="connsiteY81" fmla="*/ 350336 h 6858000"/>
+              <a:gd name="connsiteX82" fmla="*/ 938820 w 5962785"/>
+              <a:gd name="connsiteY82" fmla="*/ 444054 h 6858000"/>
+              <a:gd name="connsiteX83" fmla="*/ 956265 w 5962785"/>
+              <a:gd name="connsiteY83" fmla="*/ 386381 h 6858000"/>
+              <a:gd name="connsiteX84" fmla="*/ 1002784 w 5962785"/>
+              <a:gd name="connsiteY84" fmla="*/ 343127 h 6858000"/>
+              <a:gd name="connsiteX85" fmla="*/ 1270270 w 5962785"/>
+              <a:gd name="connsiteY85" fmla="*/ 364755 h 6858000"/>
+              <a:gd name="connsiteX86" fmla="*/ 1092915 w 5962785"/>
+              <a:gd name="connsiteY86" fmla="*/ 180926 h 6858000"/>
+              <a:gd name="connsiteX87" fmla="*/ 979525 w 5962785"/>
+              <a:gd name="connsiteY87" fmla="*/ 152090 h 6858000"/>
+              <a:gd name="connsiteX88" fmla="*/ 953358 w 5962785"/>
+              <a:gd name="connsiteY88" fmla="*/ 76396 h 6858000"/>
+              <a:gd name="connsiteX89" fmla="*/ 1005692 w 5962785"/>
+              <a:gd name="connsiteY89" fmla="*/ 58373 h 6858000"/>
+              <a:gd name="connsiteX90" fmla="*/ 1267362 w 5962785"/>
+              <a:gd name="connsiteY90" fmla="*/ 123254 h 6858000"/>
+              <a:gd name="connsiteX91" fmla="*/ 1310975 w 5962785"/>
+              <a:gd name="connsiteY91" fmla="*/ 98023 h 6858000"/>
+              <a:gd name="connsiteX92" fmla="*/ 1159787 w 5962785"/>
+              <a:gd name="connsiteY92" fmla="*/ 43505 h 6858000"/>
+            </a:gdLst>
+            <a:ahLst/>
+            <a:cxnLst>
+              <a:cxn ang="0">
+                <a:pos x="connsiteX0" y="connsiteY0"/>
+              </a:cxn>
+              <a:cxn ang="0">
+                <a:pos x="connsiteX1" y="connsiteY1"/>
+              </a:cxn>
+              <a:cxn ang="0">
+                <a:pos x="connsiteX2" y="connsiteY2"/>
+              </a:cxn>
+              <a:cxn ang="0">
+                <a:pos x="connsiteX3" y="connsiteY3"/>
+              </a:cxn>
+              <a:cxn ang="0">
+                <a:pos x="connsiteX4" y="connsiteY4"/>
+              </a:cxn>
+              <a:cxn ang="0">
+                <a:pos x="connsiteX5" y="connsiteY5"/>
+              </a:cxn>
+              <a:cxn ang="0">
+                <a:pos x="connsiteX6" y="connsiteY6"/>
+              </a:cxn>
+              <a:cxn ang="0">
+                <a:pos x="connsiteX7" y="connsiteY7"/>
+              </a:cxn>
+              <a:cxn ang="0">
+                <a:pos x="connsiteX8" y="connsiteY8"/>
+              </a:cxn>
+              <a:cxn ang="0">
+                <a:pos x="connsiteX9" y="connsiteY9"/>
+              </a:cxn>
+              <a:cxn ang="0">
+                <a:pos x="connsiteX10" y="connsiteY10"/>
+              </a:cxn>
+              <a:cxn ang="0">
+                <a:pos x="connsiteX11" y="connsiteY11"/>
+              </a:cxn>
+              <a:cxn ang="0">
+                <a:pos x="connsiteX12" y="connsiteY12"/>
+              </a:cxn>
+              <a:cxn ang="0">
+                <a:pos x="connsiteX13" y="connsiteY13"/>
+              </a:cxn>
+              <a:cxn ang="0">
+                <a:pos x="connsiteX14" y="connsiteY14"/>
+              </a:cxn>
+              <a:cxn ang="0">
+                <a:pos x="connsiteX15" y="connsiteY15"/>
+              </a:cxn>
+              <a:cxn ang="0">
+                <a:pos x="connsiteX16" y="connsiteY16"/>
+              </a:cxn>
+              <a:cxn ang="0">
+                <a:pos x="connsiteX17" y="connsiteY17"/>
+              </a:cxn>
+              <a:cxn ang="0">
+                <a:pos x="connsiteX18" y="connsiteY18"/>
+              </a:cxn>
+              <a:cxn ang="0">
+                <a:pos x="connsiteX19" y="connsiteY19"/>
+              </a:cxn>
+              <a:cxn ang="0">
+                <a:pos x="connsiteX20" y="connsiteY20"/>
+              </a:cxn>
+              <a:cxn ang="0">
+                <a:pos x="connsiteX21" y="connsiteY21"/>
+              </a:cxn>
+              <a:cxn ang="0">
+                <a:pos x="connsiteX22" y="connsiteY22"/>
+              </a:cxn>
+              <a:cxn ang="0">
+                <a:pos x="connsiteX23" y="connsiteY23"/>
+              </a:cxn>
+              <a:cxn ang="0">
+                <a:pos x="connsiteX24" y="connsiteY24"/>
+              </a:cxn>
+              <a:cxn ang="0">
+                <a:pos x="connsiteX25" y="connsiteY25"/>
+              </a:cxn>
+              <a:cxn ang="0">
+                <a:pos x="connsiteX26" y="connsiteY26"/>
+              </a:cxn>
+              <a:cxn ang="0">
+                <a:pos x="connsiteX27" y="connsiteY27"/>
+              </a:cxn>
+              <a:cxn ang="0">
+                <a:pos x="connsiteX28" y="connsiteY28"/>
+              </a:cxn>
+              <a:cxn ang="0">
+                <a:pos x="connsiteX29" y="connsiteY29"/>
+              </a:cxn>
+              <a:cxn ang="0">
+                <a:pos x="connsiteX30" y="connsiteY30"/>
+              </a:cxn>
+              <a:cxn ang="0">
+                <a:pos x="connsiteX31" y="connsiteY31"/>
+              </a:cxn>
+              <a:cxn ang="0">
+                <a:pos x="connsiteX32" y="connsiteY32"/>
+              </a:cxn>
+              <a:cxn ang="0">
+                <a:pos x="connsiteX33" y="connsiteY33"/>
+              </a:cxn>
+              <a:cxn ang="0">
+                <a:pos x="connsiteX34" y="connsiteY34"/>
+              </a:cxn>
+              <a:cxn ang="0">
+                <a:pos x="connsiteX35" y="connsiteY35"/>
+              </a:cxn>
+              <a:cxn ang="0">
+                <a:pos x="connsiteX36" y="connsiteY36"/>
+              </a:cxn>
+              <a:cxn ang="0">
+                <a:pos x="connsiteX37" y="connsiteY37"/>
+              </a:cxn>
+              <a:cxn ang="0">
+                <a:pos x="connsiteX38" y="connsiteY38"/>
+              </a:cxn>
+              <a:cxn ang="0">
+                <a:pos x="connsiteX39" y="connsiteY39"/>
+              </a:cxn>
+              <a:cxn ang="0">
+                <a:pos x="connsiteX40" y="connsiteY40"/>
+              </a:cxn>
+              <a:cxn ang="0">
+                <a:pos x="connsiteX41" y="connsiteY41"/>
+              </a:cxn>
+              <a:cxn ang="0">
+                <a:pos x="connsiteX42" y="connsiteY42"/>
+              </a:cxn>
+              <a:cxn ang="0">
+                <a:pos x="connsiteX43" y="connsiteY43"/>
+              </a:cxn>
+              <a:cxn ang="0">
+                <a:pos x="connsiteX44" y="connsiteY44"/>
+              </a:cxn>
+              <a:cxn ang="0">
+                <a:pos x="connsiteX45" y="connsiteY45"/>
+              </a:cxn>
+              <a:cxn ang="0">
+                <a:pos x="connsiteX46" y="connsiteY46"/>
+              </a:cxn>
+              <a:cxn ang="0">
+                <a:pos x="connsiteX47" y="connsiteY47"/>
+              </a:cxn>
+              <a:cxn ang="0">
+                <a:pos x="connsiteX48" y="connsiteY48"/>
+              </a:cxn>
+              <a:cxn ang="0">
+                <a:pos x="connsiteX49" y="connsiteY49"/>
+              </a:cxn>
+              <a:cxn ang="0">
+                <a:pos x="connsiteX50" y="connsiteY50"/>
+              </a:cxn>
+              <a:cxn ang="0">
+                <a:pos x="connsiteX51" y="connsiteY51"/>
+              </a:cxn>
+              <a:cxn ang="0">
+                <a:pos x="connsiteX52" y="connsiteY52"/>
+              </a:cxn>
+              <a:cxn ang="0">
+                <a:pos x="connsiteX53" y="connsiteY53"/>
+              </a:cxn>
+              <a:cxn ang="0">
+                <a:pos x="connsiteX54" y="connsiteY54"/>
+              </a:cxn>
+              <a:cxn ang="0">
+                <a:pos x="connsiteX55" y="connsiteY55"/>
+              </a:cxn>
+              <a:cxn ang="0">
+                <a:pos x="connsiteX56" y="connsiteY56"/>
+              </a:cxn>
+              <a:cxn ang="0">
+                <a:pos x="connsiteX57" y="connsiteY57"/>
+              </a:cxn>
+              <a:cxn ang="0">
+                <a:pos x="connsiteX58" y="connsiteY58"/>
+              </a:cxn>
+              <a:cxn ang="0">
+                <a:pos x="connsiteX59" y="connsiteY59"/>
+              </a:cxn>
+              <a:cxn ang="0">
+                <a:pos x="connsiteX60" y="connsiteY60"/>
+              </a:cxn>
+              <a:cxn ang="0">
+                <a:pos x="connsiteX61" y="connsiteY61"/>
+              </a:cxn>
+              <a:cxn ang="0">
+                <a:pos x="connsiteX62" y="connsiteY62"/>
+              </a:cxn>
+              <a:cxn ang="0">
+                <a:pos x="connsiteX63" y="connsiteY63"/>
+              </a:cxn>
+              <a:cxn ang="0">
+                <a:pos x="connsiteX64" y="connsiteY64"/>
+              </a:cxn>
+              <a:cxn ang="0">
+                <a:pos x="connsiteX65" y="connsiteY65"/>
+              </a:cxn>
+              <a:cxn ang="0">
+                <a:pos x="connsiteX66" y="connsiteY66"/>
+              </a:cxn>
+              <a:cxn ang="0">
+                <a:pos x="connsiteX67" y="connsiteY67"/>
+              </a:cxn>
+              <a:cxn ang="0">
+                <a:pos x="connsiteX68" y="connsiteY68"/>
+              </a:cxn>
+              <a:cxn ang="0">
+                <a:pos x="connsiteX69" y="connsiteY69"/>
+              </a:cxn>
+              <a:cxn ang="0">
+                <a:pos x="connsiteX70" y="connsiteY70"/>
+              </a:cxn>
+              <a:cxn ang="0">
+                <a:pos x="connsiteX71" y="connsiteY71"/>
+              </a:cxn>
+              <a:cxn ang="0">
+                <a:pos x="connsiteX72" y="connsiteY72"/>
+              </a:cxn>
+              <a:cxn ang="0">
+                <a:pos x="connsiteX73" y="connsiteY73"/>
+              </a:cxn>
+              <a:cxn ang="0">
+                <a:pos x="connsiteX74" y="connsiteY74"/>
+              </a:cxn>
+              <a:cxn ang="0">
+                <a:pos x="connsiteX75" y="connsiteY75"/>
+              </a:cxn>
+              <a:cxn ang="0">
+                <a:pos x="connsiteX76" y="connsiteY76"/>
+              </a:cxn>
+              <a:cxn ang="0">
+                <a:pos x="connsiteX77" y="connsiteY77"/>
+              </a:cxn>
+              <a:cxn ang="0">
+                <a:pos x="connsiteX78" y="connsiteY78"/>
+              </a:cxn>
+              <a:cxn ang="0">
+                <a:pos x="connsiteX79" y="connsiteY79"/>
+              </a:cxn>
+              <a:cxn ang="0">
+                <a:pos x="connsiteX80" y="connsiteY80"/>
+              </a:cxn>
+              <a:cxn ang="0">
+                <a:pos x="connsiteX81" y="connsiteY81"/>
+              </a:cxn>
+              <a:cxn ang="0">
+                <a:pos x="connsiteX82" y="connsiteY82"/>
+              </a:cxn>
+              <a:cxn ang="0">
+                <a:pos x="connsiteX83" y="connsiteY83"/>
+              </a:cxn>
+              <a:cxn ang="0">
+                <a:pos x="connsiteX84" y="connsiteY84"/>
+              </a:cxn>
+              <a:cxn ang="0">
+                <a:pos x="connsiteX85" y="connsiteY85"/>
+              </a:cxn>
+              <a:cxn ang="0">
+                <a:pos x="connsiteX86" y="connsiteY86"/>
+              </a:cxn>
+              <a:cxn ang="0">
+                <a:pos x="connsiteX87" y="connsiteY87"/>
+              </a:cxn>
+              <a:cxn ang="0">
+                <a:pos x="connsiteX88" y="connsiteY88"/>
+              </a:cxn>
+              <a:cxn ang="0">
+                <a:pos x="connsiteX89" y="connsiteY89"/>
+              </a:cxn>
+              <a:cxn ang="0">
+                <a:pos x="connsiteX90" y="connsiteY90"/>
+              </a:cxn>
+              <a:cxn ang="0">
+                <a:pos x="connsiteX91" y="connsiteY91"/>
+              </a:cxn>
+              <a:cxn ang="0">
+                <a:pos x="connsiteX92" y="connsiteY92"/>
+              </a:cxn>
+            </a:cxnLst>
+            <a:rect l="l" t="t" r="r" b="b"/>
+            <a:pathLst>
+              <a:path w="5962785" h="6858000">
+                <a:moveTo>
+                  <a:pt x="1044839" y="0"/>
+                </a:moveTo>
+                <a:lnTo>
+                  <a:pt x="5962785" y="0"/>
+                </a:lnTo>
+                <a:lnTo>
+                  <a:pt x="5962785" y="6858000"/>
+                </a:lnTo>
+                <a:lnTo>
+                  <a:pt x="1469886" y="6858000"/>
+                </a:lnTo>
+                <a:lnTo>
+                  <a:pt x="1416006" y="6823984"/>
+                </a:lnTo>
+                <a:cubicBezTo>
+                  <a:pt x="1356767" y="6787940"/>
+                  <a:pt x="1296437" y="6755500"/>
+                  <a:pt x="1232473" y="6733873"/>
+                </a:cubicBezTo>
+                <a:cubicBezTo>
+                  <a:pt x="1145250" y="6705037"/>
+                  <a:pt x="1060933" y="6654575"/>
+                  <a:pt x="1075471" y="6503186"/>
+                </a:cubicBezTo>
+                <a:cubicBezTo>
+                  <a:pt x="1078378" y="6459932"/>
+                  <a:pt x="1055118" y="6427493"/>
+                  <a:pt x="1020229" y="6438306"/>
+                </a:cubicBezTo>
+                <a:cubicBezTo>
+                  <a:pt x="953358" y="6459932"/>
+                  <a:pt x="921375" y="6398656"/>
+                  <a:pt x="883579" y="6351798"/>
+                </a:cubicBezTo>
+                <a:cubicBezTo>
+                  <a:pt x="816707" y="6268895"/>
+                  <a:pt x="752743" y="6182387"/>
+                  <a:pt x="645167" y="6167969"/>
+                </a:cubicBezTo>
+                <a:cubicBezTo>
+                  <a:pt x="665519" y="6103088"/>
+                  <a:pt x="700408" y="6110298"/>
+                  <a:pt x="732391" y="6124716"/>
+                </a:cubicBezTo>
+                <a:cubicBezTo>
+                  <a:pt x="816707" y="6160761"/>
+                  <a:pt x="901023" y="6200410"/>
+                  <a:pt x="985339" y="6236455"/>
+                </a:cubicBezTo>
+                <a:cubicBezTo>
+                  <a:pt x="1040581" y="6258081"/>
+                  <a:pt x="1095822" y="6290522"/>
+                  <a:pt x="1168509" y="6265291"/>
+                </a:cubicBezTo>
+                <a:cubicBezTo>
+                  <a:pt x="1104545" y="6135530"/>
+                  <a:pt x="996969" y="6110298"/>
+                  <a:pt x="909746" y="6070649"/>
+                </a:cubicBezTo>
+                <a:cubicBezTo>
+                  <a:pt x="802169" y="6020185"/>
+                  <a:pt x="738206" y="5926470"/>
+                  <a:pt x="659704" y="5818335"/>
+                </a:cubicBezTo>
+                <a:cubicBezTo>
+                  <a:pt x="738206" y="5789500"/>
+                  <a:pt x="787632" y="5868798"/>
+                  <a:pt x="851597" y="5865193"/>
+                </a:cubicBezTo>
+                <a:cubicBezTo>
+                  <a:pt x="854504" y="5854380"/>
+                  <a:pt x="860319" y="5832753"/>
+                  <a:pt x="860319" y="5832753"/>
+                </a:cubicBezTo>
+                <a:cubicBezTo>
+                  <a:pt x="755650" y="5775081"/>
+                  <a:pt x="709132" y="5666947"/>
+                  <a:pt x="691686" y="5533581"/>
+                </a:cubicBezTo>
+                <a:cubicBezTo>
+                  <a:pt x="685872" y="5465095"/>
+                  <a:pt x="648075" y="5443468"/>
+                  <a:pt x="610278" y="5411029"/>
+                </a:cubicBezTo>
+                <a:cubicBezTo>
+                  <a:pt x="482350" y="5299289"/>
+                  <a:pt x="345700" y="5198364"/>
+                  <a:pt x="238123" y="5046976"/>
+                </a:cubicBezTo>
+                <a:cubicBezTo>
+                  <a:pt x="363144" y="5064998"/>
+                  <a:pt x="461997" y="5165924"/>
+                  <a:pt x="592833" y="5209177"/>
+                </a:cubicBezTo>
+                <a:cubicBezTo>
+                  <a:pt x="488165" y="5043371"/>
+                  <a:pt x="351514" y="4956864"/>
+                  <a:pt x="226494" y="4855939"/>
+                </a:cubicBezTo>
+                <a:cubicBezTo>
+                  <a:pt x="168344" y="4809081"/>
+                  <a:pt x="116011" y="4751408"/>
+                  <a:pt x="49139" y="4726177"/>
+                </a:cubicBezTo>
+                <a:cubicBezTo>
+                  <a:pt x="25879" y="4718968"/>
+                  <a:pt x="-14825" y="4700947"/>
+                  <a:pt x="5527" y="4650483"/>
+                </a:cubicBezTo>
+                <a:cubicBezTo>
+                  <a:pt x="22972" y="4607230"/>
+                  <a:pt x="54954" y="4621648"/>
+                  <a:pt x="84029" y="4632460"/>
+                </a:cubicBezTo>
+                <a:cubicBezTo>
+                  <a:pt x="153807" y="4661296"/>
+                  <a:pt x="229401" y="4661296"/>
+                  <a:pt x="325347" y="4661296"/>
+                </a:cubicBezTo>
+                <a:cubicBezTo>
+                  <a:pt x="243939" y="4524326"/>
+                  <a:pt x="95658" y="4567580"/>
+                  <a:pt x="25879" y="4423401"/>
+                </a:cubicBezTo>
+                <a:cubicBezTo>
+                  <a:pt x="113103" y="4398170"/>
+                  <a:pt x="179975" y="4448632"/>
+                  <a:pt x="249753" y="4459446"/>
+                </a:cubicBezTo>
+                <a:cubicBezTo>
+                  <a:pt x="313718" y="4470259"/>
+                  <a:pt x="328254" y="4445028"/>
+                  <a:pt x="313718" y="4365729"/>
+                </a:cubicBezTo>
+                <a:cubicBezTo>
+                  <a:pt x="290458" y="4243177"/>
+                  <a:pt x="325347" y="4181900"/>
+                  <a:pt x="418386" y="4214341"/>
+                </a:cubicBezTo>
+                <a:cubicBezTo>
+                  <a:pt x="505609" y="4246781"/>
+                  <a:pt x="514332" y="4199922"/>
+                  <a:pt x="491072" y="4131438"/>
+                </a:cubicBezTo>
+                <a:cubicBezTo>
+                  <a:pt x="456183" y="4030512"/>
+                  <a:pt x="493979" y="3951214"/>
+                  <a:pt x="520147" y="3864706"/>
+                </a:cubicBezTo>
+                <a:cubicBezTo>
+                  <a:pt x="560851" y="3734945"/>
+                  <a:pt x="543407" y="3670064"/>
+                  <a:pt x="459090" y="3572743"/>
+                </a:cubicBezTo>
+                <a:cubicBezTo>
+                  <a:pt x="409664" y="3518676"/>
+                  <a:pt x="360236" y="3471818"/>
+                  <a:pt x="290458" y="3424959"/>
+                </a:cubicBezTo>
+                <a:cubicBezTo>
+                  <a:pt x="450368" y="3399728"/>
+                  <a:pt x="284643" y="3313221"/>
+                  <a:pt x="339884" y="3259153"/>
+                </a:cubicBezTo>
+                <a:cubicBezTo>
+                  <a:pt x="453275" y="3237527"/>
+                  <a:pt x="543407" y="3410542"/>
+                  <a:pt x="697501" y="3360078"/>
+                </a:cubicBezTo>
+                <a:cubicBezTo>
+                  <a:pt x="511425" y="3212294"/>
+                  <a:pt x="302087" y="3165436"/>
+                  <a:pt x="165437" y="2967190"/>
+                </a:cubicBezTo>
+                <a:cubicBezTo>
+                  <a:pt x="197419" y="2923937"/>
+                  <a:pt x="229401" y="2967190"/>
+                  <a:pt x="255568" y="2949167"/>
+                </a:cubicBezTo>
+                <a:cubicBezTo>
+                  <a:pt x="255568" y="2938354"/>
+                  <a:pt x="560851" y="3006840"/>
+                  <a:pt x="578296" y="2725691"/>
+                </a:cubicBezTo>
+                <a:cubicBezTo>
+                  <a:pt x="584111" y="2725691"/>
+                  <a:pt x="589926" y="2725691"/>
+                  <a:pt x="595740" y="2714876"/>
+                </a:cubicBezTo>
+                <a:cubicBezTo>
+                  <a:pt x="627722" y="2675228"/>
+                  <a:pt x="598648" y="2581510"/>
+                  <a:pt x="650982" y="2574301"/>
+                </a:cubicBezTo>
+                <a:cubicBezTo>
+                  <a:pt x="709132" y="2567092"/>
+                  <a:pt x="764373" y="2534653"/>
+                  <a:pt x="825429" y="2552674"/>
+                </a:cubicBezTo>
+                <a:cubicBezTo>
+                  <a:pt x="871949" y="2567092"/>
+                  <a:pt x="921375" y="2585115"/>
+                  <a:pt x="970802" y="2585115"/>
+                </a:cubicBezTo>
+                <a:cubicBezTo>
+                  <a:pt x="1023136" y="2585115"/>
+                  <a:pt x="1095822" y="2707668"/>
+                  <a:pt x="1127805" y="2545465"/>
+                </a:cubicBezTo>
+                <a:cubicBezTo>
+                  <a:pt x="1127805" y="2538257"/>
+                  <a:pt x="1217936" y="2556280"/>
+                  <a:pt x="1267362" y="2563488"/>
+                </a:cubicBezTo>
+                <a:cubicBezTo>
+                  <a:pt x="1308067" y="2570698"/>
+                  <a:pt x="1357494" y="2603137"/>
+                  <a:pt x="1386568" y="2538257"/>
+                </a:cubicBezTo>
+                <a:cubicBezTo>
+                  <a:pt x="1401105" y="2498607"/>
+                  <a:pt x="1331326" y="2426518"/>
+                  <a:pt x="1270270" y="2419309"/>
+                </a:cubicBezTo>
+                <a:cubicBezTo>
+                  <a:pt x="1215029" y="2412101"/>
+                  <a:pt x="1159787" y="2404892"/>
+                  <a:pt x="1107453" y="2419309"/>
+                </a:cubicBezTo>
+                <a:cubicBezTo>
+                  <a:pt x="1043489" y="2437331"/>
+                  <a:pt x="1008599" y="2408495"/>
+                  <a:pt x="991154" y="2343615"/>
+                </a:cubicBezTo>
+                <a:cubicBezTo>
+                  <a:pt x="970802" y="2275131"/>
+                  <a:pt x="933005" y="2239085"/>
+                  <a:pt x="880671" y="2206645"/>
+                </a:cubicBezTo>
+                <a:cubicBezTo>
+                  <a:pt x="752743" y="2127346"/>
+                  <a:pt x="630630" y="2033629"/>
+                  <a:pt x="491072" y="1986771"/>
+                </a:cubicBezTo>
+                <a:cubicBezTo>
+                  <a:pt x="464905" y="1979562"/>
+                  <a:pt x="432923" y="1965145"/>
+                  <a:pt x="421293" y="1903868"/>
+                </a:cubicBezTo>
+                <a:cubicBezTo>
+                  <a:pt x="799262" y="1997584"/>
+                  <a:pt x="1142342" y="2239085"/>
+                  <a:pt x="1531941" y="2224667"/>
+                </a:cubicBezTo>
+                <a:cubicBezTo>
+                  <a:pt x="1427272" y="2148974"/>
+                  <a:pt x="1302252" y="2145369"/>
+                  <a:pt x="1188861" y="2091301"/>
+                </a:cubicBezTo>
+                <a:cubicBezTo>
+                  <a:pt x="1270270" y="2051652"/>
+                  <a:pt x="1345864" y="2094906"/>
+                  <a:pt x="1421458" y="2116532"/>
+                </a:cubicBezTo>
+                <a:cubicBezTo>
+                  <a:pt x="1485422" y="2134554"/>
+                  <a:pt x="1543571" y="2138160"/>
+                  <a:pt x="1549386" y="2026420"/>
+                </a:cubicBezTo>
+                <a:cubicBezTo>
+                  <a:pt x="1549386" y="2015607"/>
+                  <a:pt x="1549386" y="2008398"/>
+                  <a:pt x="1549386" y="1997584"/>
+                </a:cubicBezTo>
+                <a:cubicBezTo>
+                  <a:pt x="1526126" y="1950727"/>
+                  <a:pt x="1494144" y="1929099"/>
+                  <a:pt x="1453440" y="1914682"/>
+                </a:cubicBezTo>
+                <a:cubicBezTo>
+                  <a:pt x="1430180" y="1907473"/>
+                  <a:pt x="1398198" y="1893056"/>
+                  <a:pt x="1398198" y="1860614"/>
+                </a:cubicBezTo>
+                <a:cubicBezTo>
+                  <a:pt x="1401105" y="1738063"/>
+                  <a:pt x="1322604" y="1702018"/>
+                  <a:pt x="1247011" y="1665972"/>
+                </a:cubicBezTo>
+                <a:cubicBezTo>
+                  <a:pt x="1287715" y="1604696"/>
+                  <a:pt x="1322604" y="1647950"/>
+                  <a:pt x="1354586" y="1644345"/>
+                </a:cubicBezTo>
+                <a:cubicBezTo>
+                  <a:pt x="1374939" y="1640741"/>
+                  <a:pt x="1395290" y="1637138"/>
+                  <a:pt x="1395290" y="1604696"/>
+                </a:cubicBezTo>
+                <a:cubicBezTo>
+                  <a:pt x="1395290" y="1579465"/>
+                  <a:pt x="1386568" y="1547025"/>
+                  <a:pt x="1366216" y="1547025"/>
+                </a:cubicBezTo>
+                <a:cubicBezTo>
+                  <a:pt x="1238288" y="1543420"/>
+                  <a:pt x="1165601" y="1370405"/>
+                  <a:pt x="1031858" y="1370405"/>
+                </a:cubicBezTo>
+                <a:cubicBezTo>
+                  <a:pt x="950450" y="1370405"/>
+                  <a:pt x="1072563" y="1273083"/>
+                  <a:pt x="1005692" y="1233435"/>
+                </a:cubicBezTo>
+                <a:cubicBezTo>
+                  <a:pt x="991154" y="1222621"/>
+                  <a:pt x="1046396" y="1208203"/>
+                  <a:pt x="1069655" y="1211808"/>
+                </a:cubicBezTo>
+                <a:cubicBezTo>
+                  <a:pt x="1092915" y="1215412"/>
+                  <a:pt x="1113268" y="1240644"/>
+                  <a:pt x="1142342" y="1222621"/>
+                </a:cubicBezTo>
+                <a:cubicBezTo>
+                  <a:pt x="1156879" y="1157741"/>
+                  <a:pt x="1119082" y="1132510"/>
+                  <a:pt x="1084193" y="1114487"/>
+                </a:cubicBezTo>
+                <a:cubicBezTo>
+                  <a:pt x="1008599" y="1071234"/>
+                  <a:pt x="933005" y="1020771"/>
+                  <a:pt x="848689" y="1006353"/>
+                </a:cubicBezTo>
+                <a:cubicBezTo>
+                  <a:pt x="819615" y="1002748"/>
+                  <a:pt x="802169" y="984726"/>
+                  <a:pt x="805077" y="948681"/>
+                </a:cubicBezTo>
+                <a:cubicBezTo>
+                  <a:pt x="810892" y="901822"/>
+                  <a:pt x="839967" y="916240"/>
+                  <a:pt x="863226" y="919844"/>
+                </a:cubicBezTo>
+                <a:cubicBezTo>
+                  <a:pt x="877764" y="923450"/>
+                  <a:pt x="892301" y="934263"/>
+                  <a:pt x="906838" y="909031"/>
+                </a:cubicBezTo>
+                <a:cubicBezTo>
+                  <a:pt x="566666" y="653113"/>
+                  <a:pt x="386404" y="667532"/>
+                  <a:pt x="5527" y="458471"/>
+                </a:cubicBezTo>
+                <a:cubicBezTo>
+                  <a:pt x="89843" y="418822"/>
+                  <a:pt x="150900" y="447658"/>
+                  <a:pt x="209049" y="454867"/>
+                </a:cubicBezTo>
+                <a:cubicBezTo>
+                  <a:pt x="354422" y="472890"/>
+                  <a:pt x="264290" y="505329"/>
+                  <a:pt x="409664" y="526956"/>
+                </a:cubicBezTo>
+                <a:cubicBezTo>
+                  <a:pt x="479443" y="537770"/>
+                  <a:pt x="543407" y="573815"/>
+                  <a:pt x="621908" y="516143"/>
+                </a:cubicBezTo>
+                <a:cubicBezTo>
+                  <a:pt x="674242" y="476494"/>
+                  <a:pt x="758558" y="519747"/>
+                  <a:pt x="822522" y="552188"/>
+                </a:cubicBezTo>
+                <a:cubicBezTo>
+                  <a:pt x="874856" y="581024"/>
+                  <a:pt x="927190" y="588232"/>
+                  <a:pt x="996969" y="552188"/>
+                </a:cubicBezTo>
+                <a:cubicBezTo>
+                  <a:pt x="933005" y="530562"/>
+                  <a:pt x="883579" y="512539"/>
+                  <a:pt x="834151" y="498120"/>
+                </a:cubicBezTo>
+                <a:cubicBezTo>
+                  <a:pt x="793447" y="487307"/>
+                  <a:pt x="770187" y="462076"/>
+                  <a:pt x="773095" y="408008"/>
+                </a:cubicBezTo>
+                <a:cubicBezTo>
+                  <a:pt x="773095" y="379172"/>
+                  <a:pt x="764373" y="339523"/>
+                  <a:pt x="793447" y="325106"/>
+                </a:cubicBezTo>
+                <a:cubicBezTo>
+                  <a:pt x="816707" y="310688"/>
+                  <a:pt x="848689" y="325106"/>
+                  <a:pt x="860319" y="350336"/>
+                </a:cubicBezTo>
+                <a:cubicBezTo>
+                  <a:pt x="874856" y="397195"/>
+                  <a:pt x="889393" y="440449"/>
+                  <a:pt x="938820" y="444054"/>
+                </a:cubicBezTo>
+                <a:cubicBezTo>
+                  <a:pt x="1005692" y="451262"/>
+                  <a:pt x="967894" y="422426"/>
+                  <a:pt x="956265" y="386381"/>
+                </a:cubicBezTo>
+                <a:cubicBezTo>
+                  <a:pt x="944635" y="346733"/>
+                  <a:pt x="979525" y="335919"/>
+                  <a:pt x="1002784" y="343127"/>
+                </a:cubicBezTo>
+                <a:cubicBezTo>
+                  <a:pt x="1090008" y="375569"/>
+                  <a:pt x="1180139" y="317897"/>
+                  <a:pt x="1270270" y="364755"/>
+                </a:cubicBezTo>
+                <a:cubicBezTo>
+                  <a:pt x="1247011" y="249411"/>
+                  <a:pt x="1197583" y="198949"/>
+                  <a:pt x="1092915" y="180926"/>
+                </a:cubicBezTo>
+                <a:cubicBezTo>
+                  <a:pt x="1055118" y="177322"/>
+                  <a:pt x="1014414" y="184530"/>
+                  <a:pt x="979525" y="152090"/>
+                </a:cubicBezTo>
+                <a:cubicBezTo>
+                  <a:pt x="959172" y="134068"/>
+                  <a:pt x="938820" y="112441"/>
+                  <a:pt x="953358" y="76396"/>
+                </a:cubicBezTo>
+                <a:cubicBezTo>
+                  <a:pt x="962080" y="51165"/>
+                  <a:pt x="985339" y="51165"/>
+                  <a:pt x="1005692" y="58373"/>
+                </a:cubicBezTo>
+                <a:cubicBezTo>
+                  <a:pt x="1090008" y="98023"/>
+                  <a:pt x="1180139" y="108837"/>
+                  <a:pt x="1267362" y="123254"/>
+                </a:cubicBezTo>
+                <a:cubicBezTo>
+                  <a:pt x="1281900" y="126859"/>
+                  <a:pt x="1296437" y="134068"/>
+                  <a:pt x="1310975" y="98023"/>
+                </a:cubicBezTo>
+                <a:cubicBezTo>
+                  <a:pt x="1260095" y="81803"/>
+                  <a:pt x="1209941" y="62879"/>
+                  <a:pt x="1159787" y="43505"/>
+                </a:cubicBezTo>
+                <a:close/>
+              </a:path>
+            </a:pathLst>
+          </a:custGeom>
+          <a:solidFill>
+            <a:schemeClr val="accent1">
+              <a:alpha val="20000"/>
+            </a:schemeClr>
+          </a:solidFill>
+          <a:ln>
+            <a:noFill/>
+          </a:ln>
+        </p:spPr>
+        <p:style>
+          <a:lnRef idx="2">
+            <a:schemeClr val="accent1">
+              <a:shade val="50000"/>
+            </a:schemeClr>
+          </a:lnRef>
+          <a:fillRef idx="1">
+            <a:schemeClr val="accent1"/>
+          </a:fillRef>
+          <a:effectRef idx="0">
+            <a:schemeClr val="accent1"/>
+          </a:effectRef>
+          <a:fontRef idx="minor">
+            <a:schemeClr val="lt1"/>
+          </a:fontRef>
+        </p:style>
+        <p:txBody>
+          <a:bodyPr wrap="square" rtlCol="0" anchor="ctr">
+            <a:noAutofit/>
+          </a:bodyPr>
+          <a:lstStyle/>
+          <a:p>
+            <a:pPr algn="ctr"/>
+            <a:endParaRPr lang="en-US"/>
+          </a:p>
+        </p:txBody>
+      </p:sp>
+      <p:sp>
+        <p:nvSpPr>
           <p:cNvPr id="2" name="Title 1">
             <a:extLst>
               <a:ext uri="{FF2B5EF4-FFF2-40B4-BE49-F238E27FC236}">
@@ -27061,20 +30943,23 @@
         </p:nvSpPr>
         <p:spPr>
           <a:xfrm>
-            <a:off x="1524000" y="4063296"/>
-            <a:ext cx="9144000" cy="1152663"/>
+            <a:off x="643468" y="643467"/>
+            <a:ext cx="4620584" cy="4567137"/>
           </a:xfrm>
         </p:spPr>
         <p:txBody>
-          <a:bodyPr vert="horz" lIns="91440" tIns="45720" rIns="91440" bIns="45720" rtlCol="0" anchor="ctr">
+          <a:bodyPr vert="horz" lIns="91440" tIns="45720" rIns="91440" bIns="45720" rtlCol="0" anchor="b">
             <a:normAutofit/>
           </a:bodyPr>
           <a:lstStyle/>
           <a:p>
-            <a:pPr algn="ctr"/>
             <a:r>
-              <a:rPr lang="en-US" sz="3700" i="1"/>
-              <a:t>Score on Prediction data after fine tunning the Random Forest model</a:t>
+              <a:rPr lang="en-US" sz="4800" i="1"/>
+              <a:t>Score on Prediction data after fine tunning the </a:t>
+            </a:r>
+            <a:r>
+              <a:rPr lang="en-US" sz="4800" b="1" i="1"/>
+              <a:t>Random Forest model</a:t>
             </a:r>
           </a:p>
         </p:txBody>
@@ -27094,14 +30979,14 @@
           <p:nvPr>
             <p:extLst>
               <p:ext uri="{D42A27DB-BD31-4B8C-83A1-F6EECF244321}">
-                <p14:modId xmlns:p14="http://schemas.microsoft.com/office/powerpoint/2010/main" val="3326062312"/>
+                <p14:modId xmlns:p14="http://schemas.microsoft.com/office/powerpoint/2010/main" val="545712838"/>
               </p:ext>
             </p:extLst>
           </p:nvPr>
         </p:nvGraphicFramePr>
         <p:xfrm>
-          <a:off x="2806065" y="1116630"/>
-          <a:ext cx="6579870" cy="2212848"/>
+          <a:off x="6606253" y="2616112"/>
+          <a:ext cx="4942281" cy="1625778"/>
         </p:xfrm>
         <a:graphic>
           <a:graphicData uri="http://schemas.openxmlformats.org/drawingml/2006/table">
@@ -27110,14 +30995,14 @@
                 <a:tableStyleId>{2D5ABB26-0587-4C30-8999-92F81FD0307C}</a:tableStyleId>
               </a:tblPr>
               <a:tblGrid>
-                <a:gridCol w="1927860">
+                <a:gridCol w="1429984">
                   <a:extLst>
                     <a:ext uri="{9D8B030D-6E8A-4147-A177-3AD203B41FA5}">
                       <a16:colId xmlns:a16="http://schemas.microsoft.com/office/drawing/2014/main" val="4203401331"/>
                     </a:ext>
                   </a:extLst>
                 </a:gridCol>
-                <a:gridCol w="4652010">
+                <a:gridCol w="3512297">
                   <a:extLst>
                     <a:ext uri="{9D8B030D-6E8A-4147-A177-3AD203B41FA5}">
                       <a16:colId xmlns:a16="http://schemas.microsoft.com/office/drawing/2014/main" val="2894681299"/>
@@ -27125,7 +31010,7 @@
                   </a:extLst>
                 </a:gridCol>
               </a:tblGrid>
-              <a:tr h="737616">
+              <a:tr h="541926">
                 <a:tc>
                   <a:txBody>
                     <a:bodyPr/>
@@ -27133,7 +31018,7 @@
                     <a:p>
                       <a:pPr algn="r"/>
                       <a:r>
-                        <a:rPr lang="pt-BR" sz="3300" b="1" kern="1200">
+                        <a:rPr lang="pt-BR" sz="2500" b="1" kern="1200">
                           <a:solidFill>
                             <a:schemeClr val="tx1"/>
                           </a:solidFill>
@@ -27141,14 +31026,14 @@
                         </a:rPr>
                         <a:t>R²:</a:t>
                       </a:r>
-                      <a:endParaRPr lang="en-IN" sz="3300" b="1">
+                      <a:endParaRPr lang="en-IN" sz="2500" b="1">
                         <a:solidFill>
                           <a:schemeClr val="tx1"/>
                         </a:solidFill>
                       </a:endParaRPr>
                     </a:p>
                   </a:txBody>
-                  <a:tcPr marL="167640" marR="167640" marT="83820" marB="83820">
+                  <a:tcPr marL="127112" marR="127112" marT="63556" marB="63556">
                     <a:lnL>
                       <a:noFill/>
                     </a:lnL>
@@ -27172,7 +31057,7 @@
                     <a:lstStyle/>
                     <a:p>
                       <a:r>
-                        <a:rPr lang="pt-BR" sz="3300" b="1" kern="1200">
+                        <a:rPr lang="pt-BR" sz="2500" b="1" kern="1200">
                           <a:solidFill>
                             <a:schemeClr val="tx1"/>
                           </a:solidFill>
@@ -27180,14 +31065,14 @@
                         </a:rPr>
                         <a:t>0.9992023730006738</a:t>
                       </a:r>
-                      <a:endParaRPr lang="en-IN" sz="3300" b="1">
+                      <a:endParaRPr lang="en-IN" sz="2500" b="1">
                         <a:solidFill>
                           <a:schemeClr val="tx1"/>
                         </a:solidFill>
                       </a:endParaRPr>
                     </a:p>
                   </a:txBody>
-                  <a:tcPr marL="167640" marR="167640" marT="83820" marB="83820">
+                  <a:tcPr marL="127112" marR="127112" marT="63556" marB="63556">
                     <a:lnL>
                       <a:noFill/>
                     </a:lnL>
@@ -27211,7 +31096,7 @@
                   </a:ext>
                 </a:extLst>
               </a:tr>
-              <a:tr h="737616">
+              <a:tr h="541926">
                 <a:tc>
                   <a:txBody>
                     <a:bodyPr/>
@@ -27219,7 +31104,7 @@
                     <a:p>
                       <a:pPr algn="r"/>
                       <a:r>
-                        <a:rPr lang="pt-BR" sz="3300" b="1" kern="1200">
+                        <a:rPr lang="pt-BR" sz="2500" b="1" kern="1200">
                           <a:solidFill>
                             <a:schemeClr val="tx1"/>
                           </a:solidFill>
@@ -27227,14 +31112,14 @@
                         </a:rPr>
                         <a:t>MAE:</a:t>
                       </a:r>
-                      <a:endParaRPr lang="en-IN" sz="3300" b="1">
+                      <a:endParaRPr lang="en-IN" sz="2500" b="1">
                         <a:solidFill>
                           <a:schemeClr val="tx1"/>
                         </a:solidFill>
                       </a:endParaRPr>
                     </a:p>
                   </a:txBody>
-                  <a:tcPr marL="167640" marR="167640" marT="83820" marB="83820">
+                  <a:tcPr marL="127112" marR="127112" marT="63556" marB="63556">
                     <a:lnL>
                       <a:noFill/>
                     </a:lnL>
@@ -27260,7 +31145,7 @@
                     <a:lstStyle/>
                     <a:p>
                       <a:r>
-                        <a:rPr lang="pt-BR" sz="3300" b="1" kern="1200">
+                        <a:rPr lang="pt-BR" sz="2500" b="1" kern="1200">
                           <a:solidFill>
                             <a:schemeClr val="tx1"/>
                           </a:solidFill>
@@ -27268,14 +31153,14 @@
                         </a:rPr>
                         <a:t>1.0771821428567907</a:t>
                       </a:r>
-                      <a:endParaRPr lang="en-IN" sz="3300" b="1">
+                      <a:endParaRPr lang="en-IN" sz="2500" b="1">
                         <a:solidFill>
                           <a:schemeClr val="tx1"/>
                         </a:solidFill>
                       </a:endParaRPr>
                     </a:p>
                   </a:txBody>
-                  <a:tcPr marL="167640" marR="167640" marT="83820" marB="83820">
+                  <a:tcPr marL="127112" marR="127112" marT="63556" marB="63556">
                     <a:lnL>
                       <a:noFill/>
                     </a:lnL>
@@ -27301,7 +31186,7 @@
                   </a:ext>
                 </a:extLst>
               </a:tr>
-              <a:tr h="737616">
+              <a:tr h="541926">
                 <a:tc>
                   <a:txBody>
                     <a:bodyPr/>
@@ -27309,7 +31194,7 @@
                     <a:p>
                       <a:pPr algn="r"/>
                       <a:r>
-                        <a:rPr lang="pt-BR" sz="3300" b="1" kern="1200">
+                        <a:rPr lang="pt-BR" sz="2500" b="1" kern="1200">
                           <a:solidFill>
                             <a:schemeClr val="tx1"/>
                           </a:solidFill>
@@ -27317,14 +31202,14 @@
                         </a:rPr>
                         <a:t>RMSE:</a:t>
                       </a:r>
-                      <a:endParaRPr lang="en-IN" sz="3300" b="1">
+                      <a:endParaRPr lang="en-IN" sz="2500" b="1">
                         <a:solidFill>
                           <a:schemeClr val="tx1"/>
                         </a:solidFill>
                       </a:endParaRPr>
                     </a:p>
                   </a:txBody>
-                  <a:tcPr marL="167640" marR="167640" marT="83820" marB="83820">
+                  <a:tcPr marL="127112" marR="127112" marT="63556" marB="63556">
                     <a:lnL>
                       <a:noFill/>
                     </a:lnL>
@@ -27350,7 +31235,7 @@
                     <a:lstStyle/>
                     <a:p>
                       <a:r>
-                        <a:rPr lang="pt-BR" sz="3300" b="1" kern="1200">
+                        <a:rPr lang="pt-BR" sz="2500" b="1" kern="1200">
                           <a:solidFill>
                             <a:schemeClr val="tx1"/>
                           </a:solidFill>
@@ -27358,14 +31243,14 @@
                         </a:rPr>
                         <a:t>1.6010706066563858</a:t>
                       </a:r>
-                      <a:endParaRPr lang="en-IN" sz="3300" b="1">
+                      <a:endParaRPr lang="en-IN" sz="2500" b="1">
                         <a:solidFill>
                           <a:schemeClr val="tx1"/>
                         </a:solidFill>
                       </a:endParaRPr>
                     </a:p>
                   </a:txBody>
-                  <a:tcPr marL="167640" marR="167640" marT="83820" marB="83820">
+                  <a:tcPr marL="127112" marR="127112" marT="63556" marB="63556">
                     <a:lnL>
                       <a:noFill/>
                     </a:lnL>
